--- a/lbl2016/HPX Workshop (Berkeley C++ Summit) - 4.pptx
+++ b/lbl2016/HPX Workshop (Berkeley C++ Summit) - 4.pptx
@@ -5,7 +5,7 @@
     <p:sldMasterId id="2147483660" r:id="rId1"/>
   </p:sldMasterIdLst>
   <p:notesMasterIdLst>
-    <p:notesMasterId r:id="rId24"/>
+    <p:notesMasterId r:id="rId29"/>
   </p:notesMasterIdLst>
   <p:sldIdLst>
     <p:sldId id="256" r:id="rId2"/>
@@ -20,16 +20,21 @@
     <p:sldId id="361" r:id="rId11"/>
     <p:sldId id="362" r:id="rId12"/>
     <p:sldId id="363" r:id="rId13"/>
-    <p:sldId id="277" r:id="rId14"/>
-    <p:sldId id="364" r:id="rId15"/>
-    <p:sldId id="366" r:id="rId16"/>
-    <p:sldId id="365" r:id="rId17"/>
-    <p:sldId id="367" r:id="rId18"/>
-    <p:sldId id="368" r:id="rId19"/>
-    <p:sldId id="369" r:id="rId20"/>
-    <p:sldId id="359" r:id="rId21"/>
-    <p:sldId id="309" r:id="rId22"/>
-    <p:sldId id="358" r:id="rId23"/>
+    <p:sldId id="364" r:id="rId14"/>
+    <p:sldId id="366" r:id="rId15"/>
+    <p:sldId id="365" r:id="rId16"/>
+    <p:sldId id="367" r:id="rId17"/>
+    <p:sldId id="368" r:id="rId18"/>
+    <p:sldId id="369" r:id="rId19"/>
+    <p:sldId id="370" r:id="rId20"/>
+    <p:sldId id="371" r:id="rId21"/>
+    <p:sldId id="372" r:id="rId22"/>
+    <p:sldId id="376" r:id="rId23"/>
+    <p:sldId id="373" r:id="rId24"/>
+    <p:sldId id="374" r:id="rId25"/>
+    <p:sldId id="377" r:id="rId26"/>
+    <p:sldId id="378" r:id="rId27"/>
+    <p:sldId id="358" r:id="rId28"/>
   </p:sldIdLst>
   <p:sldSz cx="12192000" cy="6858000"/>
   <p:notesSz cx="6858000" cy="9144000"/>
@@ -239,7 +244,7 @@
           <a:p>
             <a:fld id="{FEB80FAA-87D6-497E-80FC-86163C79CB54}" type="datetimeFigureOut">
               <a:rPr lang="en-US" smtClean="0"/>
-              <a:t>10/13/2016</a:t>
+              <a:t>10/15/2016</a:t>
             </a:fld>
             <a:endParaRPr lang="en-US"/>
           </a:p>
@@ -824,7 +829,7 @@
           <a:p>
             <a:fld id="{9895210F-3153-47D6-B786-4D5C9DCDB62B}" type="slidenum">
               <a:rPr lang="en-US" smtClean="0"/>
-              <a:t>22</a:t>
+              <a:t>27</a:t>
             </a:fld>
             <a:endParaRPr lang="en-US"/>
           </a:p>
@@ -7228,200 +7233,6 @@
       </p:grpSpPr>
       <p:sp>
         <p:nvSpPr>
-          <p:cNvPr id="2" name="Title 1"/>
-          <p:cNvSpPr>
-            <a:spLocks noGrp="1"/>
-          </p:cNvSpPr>
-          <p:nvPr>
-            <p:ph type="title"/>
-          </p:nvPr>
-        </p:nvSpPr>
-        <p:spPr/>
-        <p:txBody>
-          <a:bodyPr/>
-          <a:lstStyle/>
-          <a:p>
-            <a:r>
-              <a:rPr lang="en-US" dirty="0"/>
-              <a:t>"Solving" a PDE on a 2D Grid</a:t>
-            </a:r>
-          </a:p>
-        </p:txBody>
-      </p:sp>
-      <p:pic>
-        <p:nvPicPr>
-          <p:cNvPr id="7" name="Content Placeholder 6"/>
-          <p:cNvPicPr>
-            <a:picLocks noGrp="1" noChangeAspect="1"/>
-          </p:cNvPicPr>
-          <p:nvPr>
-            <p:ph idx="1"/>
-          </p:nvPr>
-        </p:nvPicPr>
-        <p:blipFill>
-          <a:blip r:embed="rId2" cstate="print">
-            <a:extLst>
-              <a:ext uri="{28A0092B-C50C-407E-A947-70E740481C1C}">
-                <a14:useLocalDpi xmlns:a14="http://schemas.microsoft.com/office/drawing/2010/main" val="0"/>
-              </a:ext>
-            </a:extLst>
-          </a:blip>
-          <a:stretch>
-            <a:fillRect/>
-          </a:stretch>
-        </p:blipFill>
-        <p:spPr>
-          <a:xfrm>
-            <a:off x="2263082" y="1930400"/>
-            <a:ext cx="6962141" cy="4351338"/>
-          </a:xfrm>
-          <a:ln>
-            <a:solidFill>
-              <a:schemeClr val="tx1"/>
-            </a:solidFill>
-          </a:ln>
-        </p:spPr>
-      </p:pic>
-      <p:sp>
-        <p:nvSpPr>
-          <p:cNvPr id="4" name="Date Placeholder 3"/>
-          <p:cNvSpPr>
-            <a:spLocks noGrp="1"/>
-          </p:cNvSpPr>
-          <p:nvPr>
-            <p:ph type="dt" sz="half" idx="10"/>
-          </p:nvPr>
-        </p:nvSpPr>
-        <p:spPr/>
-        <p:txBody>
-          <a:bodyPr/>
-          <a:lstStyle/>
-          <a:p>
-            <a:r>
-              <a:rPr lang="en-US" smtClean="0"/>
-              <a:t>10/18/2016</a:t>
-            </a:r>
-            <a:endParaRPr lang="en-US"/>
-          </a:p>
-        </p:txBody>
-      </p:sp>
-      <p:sp>
-        <p:nvSpPr>
-          <p:cNvPr id="5" name="Footer Placeholder 4"/>
-          <p:cNvSpPr>
-            <a:spLocks noGrp="1"/>
-          </p:cNvSpPr>
-          <p:nvPr>
-            <p:ph type="ftr" sz="quarter" idx="11"/>
-          </p:nvPr>
-        </p:nvSpPr>
-        <p:spPr/>
-        <p:txBody>
-          <a:bodyPr/>
-          <a:lstStyle/>
-          <a:p>
-            <a:r>
-              <a:rPr lang="en-US" smtClean="0"/>
-              <a:t>HPX Workshop (Berkeley C++ Summit) - 4,            Hartmut Kaiser (hkaiser@cct.lsu.edu)</a:t>
-            </a:r>
-            <a:endParaRPr lang="en-US"/>
-          </a:p>
-        </p:txBody>
-      </p:sp>
-      <p:sp>
-        <p:nvSpPr>
-          <p:cNvPr id="6" name="Slide Number Placeholder 5"/>
-          <p:cNvSpPr>
-            <a:spLocks noGrp="1"/>
-          </p:cNvSpPr>
-          <p:nvPr>
-            <p:ph type="sldNum" sz="quarter" idx="12"/>
-          </p:nvPr>
-        </p:nvSpPr>
-        <p:spPr/>
-        <p:txBody>
-          <a:bodyPr>
-            <a:normAutofit lnSpcReduction="10000"/>
-          </a:bodyPr>
-          <a:lstStyle/>
-          <a:p>
-            <a:fld id="{B102E578-8C1A-4150-8490-48A08D76AC22}" type="slidenum">
-              <a:rPr lang="en-US" smtClean="0"/>
-              <a:t>13</a:t>
-            </a:fld>
-            <a:endParaRPr lang="en-US"/>
-          </a:p>
-        </p:txBody>
-      </p:sp>
-      <p:sp>
-        <p:nvSpPr>
-          <p:cNvPr id="8" name="TextBox 7"/>
-          <p:cNvSpPr txBox="1"/>
-          <p:nvPr/>
-        </p:nvSpPr>
-        <p:spPr>
-          <a:xfrm>
-            <a:off x="9414088" y="5917168"/>
-            <a:ext cx="1689886" cy="369332"/>
-          </a:xfrm>
-          <a:prstGeom prst="rect">
-            <a:avLst/>
-          </a:prstGeom>
-          <a:noFill/>
-        </p:spPr>
-        <p:txBody>
-          <a:bodyPr wrap="none" rtlCol="0">
-            <a:spAutoFit/>
-          </a:bodyPr>
-          <a:lstStyle/>
-          <a:p>
-            <a:r>
-              <a:rPr lang="en-US" dirty="0" smtClean="0"/>
-              <a:t>Idle-rate: 48%</a:t>
-            </a:r>
-            <a:endParaRPr lang="en-US" dirty="0"/>
-          </a:p>
-        </p:txBody>
-      </p:sp>
-    </p:spTree>
-    <p:extLst>
-      <p:ext uri="{BB962C8B-B14F-4D97-AF65-F5344CB8AC3E}">
-        <p14:creationId xmlns:p14="http://schemas.microsoft.com/office/powerpoint/2010/main" val="973072411"/>
-      </p:ext>
-    </p:extLst>
-  </p:cSld>
-  <p:clrMapOvr>
-    <a:masterClrMapping/>
-  </p:clrMapOvr>
-  <p:timing>
-    <p:tnLst>
-      <p:par>
-        <p:cTn id="1" dur="indefinite" restart="never" nodeType="tmRoot"/>
-      </p:par>
-    </p:tnLst>
-  </p:timing>
-</p:sld>
-</file>
-
-<file path=ppt/slides/slide14.xml><?xml version="1.0" encoding="utf-8"?>
-<p:sld xmlns:a="http://schemas.openxmlformats.org/drawingml/2006/main" xmlns:r="http://schemas.openxmlformats.org/officeDocument/2006/relationships" xmlns:p="http://schemas.openxmlformats.org/presentationml/2006/main">
-  <p:cSld>
-    <p:spTree>
-      <p:nvGrpSpPr>
-        <p:cNvPr id="1" name=""/>
-        <p:cNvGrpSpPr/>
-        <p:nvPr/>
-      </p:nvGrpSpPr>
-      <p:grpSpPr>
-        <a:xfrm>
-          <a:off x="0" y="0"/>
-          <a:ext cx="0" cy="0"/>
-          <a:chOff x="0" y="0"/>
-          <a:chExt cx="0" cy="0"/>
-        </a:xfrm>
-      </p:grpSpPr>
-      <p:sp>
-        <p:nvSpPr>
           <p:cNvPr id="7" name="Rectangle 6"/>
           <p:cNvSpPr/>
           <p:nvPr/>
@@ -8204,7 +8015,7 @@
           <a:p>
             <a:fld id="{B102E578-8C1A-4150-8490-48A08D76AC22}" type="slidenum">
               <a:rPr lang="en-US" smtClean="0"/>
-              <a:t>14</a:t>
+              <a:t>13</a:t>
             </a:fld>
             <a:endParaRPr lang="en-US"/>
           </a:p>
@@ -9484,6 +9295,228 @@
 </p:sld>
 </file>
 
+<file path=ppt/slides/slide14.xml><?xml version="1.0" encoding="utf-8"?>
+<p:sld xmlns:a="http://schemas.openxmlformats.org/drawingml/2006/main" xmlns:r="http://schemas.openxmlformats.org/officeDocument/2006/relationships" xmlns:p="http://schemas.openxmlformats.org/presentationml/2006/main">
+  <p:cSld>
+    <p:spTree>
+      <p:nvGrpSpPr>
+        <p:cNvPr id="1" name=""/>
+        <p:cNvGrpSpPr/>
+        <p:nvPr/>
+      </p:nvGrpSpPr>
+      <p:grpSpPr>
+        <a:xfrm>
+          <a:off x="0" y="0"/>
+          <a:ext cx="0" cy="0"/>
+          <a:chOff x="0" y="0"/>
+          <a:chExt cx="0" cy="0"/>
+        </a:xfrm>
+      </p:grpSpPr>
+      <p:sp>
+        <p:nvSpPr>
+          <p:cNvPr id="2" name="Title 1"/>
+          <p:cNvSpPr>
+            <a:spLocks noGrp="1"/>
+          </p:cNvSpPr>
+          <p:nvPr>
+            <p:ph type="title"/>
+          </p:nvPr>
+        </p:nvSpPr>
+        <p:spPr/>
+        <p:txBody>
+          <a:bodyPr/>
+          <a:lstStyle/>
+          <a:p>
+            <a:r>
+              <a:rPr lang="en-US" dirty="0"/>
+              <a:t>"Solving" a PDE in Parallel</a:t>
+            </a:r>
+          </a:p>
+        </p:txBody>
+      </p:sp>
+      <p:sp>
+        <p:nvSpPr>
+          <p:cNvPr id="3" name="Content Placeholder 2"/>
+          <p:cNvSpPr>
+            <a:spLocks noGrp="1"/>
+          </p:cNvSpPr>
+          <p:nvPr>
+            <p:ph idx="1"/>
+          </p:nvPr>
+        </p:nvSpPr>
+        <p:spPr>
+          <a:xfrm>
+            <a:off x="1261872" y="1828800"/>
+            <a:ext cx="9539478" cy="4351337"/>
+          </a:xfrm>
+        </p:spPr>
+        <p:txBody>
+          <a:bodyPr/>
+          <a:lstStyle/>
+          <a:p>
+            <a:r>
+              <a:rPr lang="en-US" dirty="0"/>
+              <a:t>Full source code of sequential </a:t>
+            </a:r>
+            <a:r>
+              <a:rPr lang="en-US" dirty="0" smtClean="0"/>
+              <a:t>version: </a:t>
+            </a:r>
+            <a:r>
+              <a:rPr lang="en-US" dirty="0" smtClean="0">
+                <a:hlinkClick r:id="rId2"/>
+              </a:rPr>
+              <a:t>https</a:t>
+            </a:r>
+            <a:r>
+              <a:rPr lang="en-US" dirty="0">
+                <a:hlinkClick r:id="rId2"/>
+              </a:rPr>
+              <a:t>://</a:t>
+            </a:r>
+            <a:r>
+              <a:rPr lang="en-US" dirty="0" smtClean="0">
+                <a:hlinkClick r:id="rId2"/>
+              </a:rPr>
+              <a:t>github.com/STEllAR-GROUP/tutorials/blob/master/examples/02_stencil/stencil_parallel_1.cpp</a:t>
+            </a:r>
+            <a:endParaRPr lang="en-US" dirty="0" smtClean="0"/>
+          </a:p>
+          <a:p>
+            <a:r>
+              <a:rPr lang="en-US" dirty="0" smtClean="0"/>
+              <a:t>Pro:</a:t>
+            </a:r>
+          </a:p>
+          <a:p>
+            <a:pPr lvl="1"/>
+            <a:r>
+              <a:rPr lang="en-US" dirty="0" smtClean="0"/>
+              <a:t>Parallelized outer loop</a:t>
+            </a:r>
+          </a:p>
+          <a:p>
+            <a:pPr lvl="1"/>
+            <a:r>
+              <a:rPr lang="en-US" dirty="0" smtClean="0"/>
+              <a:t>Still simple!</a:t>
+            </a:r>
+          </a:p>
+          <a:p>
+            <a:r>
+              <a:rPr lang="en-US" dirty="0" smtClean="0"/>
+              <a:t>Cons:</a:t>
+            </a:r>
+          </a:p>
+          <a:p>
+            <a:pPr lvl="1"/>
+            <a:r>
+              <a:rPr lang="en-US" dirty="0" smtClean="0"/>
+              <a:t>Implicit join after each time step</a:t>
+            </a:r>
+          </a:p>
+          <a:p>
+            <a:endParaRPr lang="en-US" dirty="0"/>
+          </a:p>
+          <a:p>
+            <a:endParaRPr lang="en-US" dirty="0"/>
+          </a:p>
+          <a:p>
+            <a:endParaRPr lang="en-US" dirty="0"/>
+          </a:p>
+        </p:txBody>
+      </p:sp>
+      <p:sp>
+        <p:nvSpPr>
+          <p:cNvPr id="4" name="Date Placeholder 3"/>
+          <p:cNvSpPr>
+            <a:spLocks noGrp="1"/>
+          </p:cNvSpPr>
+          <p:nvPr>
+            <p:ph type="dt" sz="half" idx="10"/>
+          </p:nvPr>
+        </p:nvSpPr>
+        <p:spPr/>
+        <p:txBody>
+          <a:bodyPr/>
+          <a:lstStyle/>
+          <a:p>
+            <a:r>
+              <a:rPr lang="en-US" smtClean="0"/>
+              <a:t>10/18/2016</a:t>
+            </a:r>
+            <a:endParaRPr lang="en-US"/>
+          </a:p>
+        </p:txBody>
+      </p:sp>
+      <p:sp>
+        <p:nvSpPr>
+          <p:cNvPr id="5" name="Footer Placeholder 4"/>
+          <p:cNvSpPr>
+            <a:spLocks noGrp="1"/>
+          </p:cNvSpPr>
+          <p:nvPr>
+            <p:ph type="ftr" sz="quarter" idx="11"/>
+          </p:nvPr>
+        </p:nvSpPr>
+        <p:spPr/>
+        <p:txBody>
+          <a:bodyPr/>
+          <a:lstStyle/>
+          <a:p>
+            <a:r>
+              <a:rPr lang="en-US" smtClean="0"/>
+              <a:t>HPX Workshop (Berkeley C++ Summit) - 4,            Hartmut Kaiser (hkaiser@cct.lsu.edu)</a:t>
+            </a:r>
+            <a:endParaRPr lang="en-US"/>
+          </a:p>
+        </p:txBody>
+      </p:sp>
+      <p:sp>
+        <p:nvSpPr>
+          <p:cNvPr id="6" name="Slide Number Placeholder 5"/>
+          <p:cNvSpPr>
+            <a:spLocks noGrp="1"/>
+          </p:cNvSpPr>
+          <p:nvPr>
+            <p:ph type="sldNum" sz="quarter" idx="12"/>
+          </p:nvPr>
+        </p:nvSpPr>
+        <p:spPr/>
+        <p:txBody>
+          <a:bodyPr>
+            <a:normAutofit lnSpcReduction="10000"/>
+          </a:bodyPr>
+          <a:lstStyle/>
+          <a:p>
+            <a:fld id="{B102E578-8C1A-4150-8490-48A08D76AC22}" type="slidenum">
+              <a:rPr lang="en-US" smtClean="0"/>
+              <a:t>14</a:t>
+            </a:fld>
+            <a:endParaRPr lang="en-US"/>
+          </a:p>
+        </p:txBody>
+      </p:sp>
+    </p:spTree>
+    <p:extLst>
+      <p:ext uri="{BB962C8B-B14F-4D97-AF65-F5344CB8AC3E}">
+        <p14:creationId xmlns:p14="http://schemas.microsoft.com/office/powerpoint/2010/main" val="1632147652"/>
+      </p:ext>
+    </p:extLst>
+  </p:cSld>
+  <p:clrMapOvr>
+    <a:masterClrMapping/>
+  </p:clrMapOvr>
+  <p:timing>
+    <p:tnLst>
+      <p:par>
+        <p:cTn id="1" dur="indefinite" restart="never" nodeType="tmRoot"/>
+      </p:par>
+    </p:tnLst>
+  </p:timing>
+</p:sld>
+</file>
+
 <file path=ppt/slides/slide15.xml><?xml version="1.0" encoding="utf-8"?>
 <p:sld xmlns:a="http://schemas.openxmlformats.org/drawingml/2006/main" xmlns:r="http://schemas.openxmlformats.org/officeDocument/2006/relationships" xmlns:p="http://schemas.openxmlformats.org/presentationml/2006/main">
   <p:cSld>
@@ -9518,8 +9551,13 @@
           <a:p>
             <a:r>
               <a:rPr lang="en-US" dirty="0"/>
-              <a:t>"Solving" a PDE in Parallel</a:t>
-            </a:r>
+              <a:t>"Solving" a </a:t>
+            </a:r>
+            <a:r>
+              <a:rPr lang="en-US" dirty="0" smtClean="0"/>
+              <a:t>PDE, Distributed</a:t>
+            </a:r>
+            <a:endParaRPr lang="en-US" dirty="0"/>
           </a:p>
         </p:txBody>
       </p:sp>
@@ -9535,8 +9573,8 @@
         </p:nvSpPr>
         <p:spPr>
           <a:xfrm>
-            <a:off x="1261872" y="1828800"/>
-            <a:ext cx="9539478" cy="4351337"/>
+            <a:off x="1261871" y="1828800"/>
+            <a:ext cx="9218559" cy="4351337"/>
           </a:xfrm>
         </p:spPr>
         <p:txBody>
@@ -9544,74 +9582,73 @@
           <a:lstStyle/>
           <a:p>
             <a:r>
-              <a:rPr lang="en-US" dirty="0"/>
-              <a:t>Full source code of sequential </a:t>
-            </a:r>
-            <a:r>
               <a:rPr lang="en-US" dirty="0" smtClean="0"/>
-              <a:t>version: </a:t>
-            </a:r>
-            <a:r>
-              <a:rPr lang="en-US" dirty="0" smtClean="0">
-                <a:hlinkClick r:id="rId2"/>
-              </a:rPr>
-              <a:t>https</a:t>
-            </a:r>
-            <a:r>
-              <a:rPr lang="en-US" dirty="0">
-                <a:hlinkClick r:id="rId2"/>
-              </a:rPr>
-              <a:t>://</a:t>
-            </a:r>
-            <a:r>
-              <a:rPr lang="en-US" dirty="0" smtClean="0">
-                <a:hlinkClick r:id="rId2"/>
-              </a:rPr>
-              <a:t>github.com/STEllAR-GROUP/tutorials/blob/master/examples/02_stencil/stencil_parallel_1.cpp</a:t>
+              <a:t>Still NUMA aware on each of the nodes</a:t>
+            </a:r>
+          </a:p>
+          <a:p>
+            <a:r>
+              <a:rPr lang="en-US" dirty="0" smtClean="0"/>
+              <a:t>Distribute 2D grid over localities as stripes</a:t>
+            </a:r>
+          </a:p>
+          <a:p>
+            <a:pPr lvl="1"/>
+            <a:r>
+              <a:rPr lang="en-US" dirty="0" smtClean="0"/>
+              <a:t>First and last line of each stripe needs to be communicated after each time-step</a:t>
+            </a:r>
+          </a:p>
+          <a:p>
+            <a:r>
+              <a:rPr lang="en-US" dirty="0" smtClean="0"/>
+              <a:t>Also: over-partitioning by having more stripes than localities/cores</a:t>
+            </a:r>
+          </a:p>
+          <a:p>
+            <a:pPr lvl="1"/>
+            <a:r>
+              <a:rPr lang="en-US" dirty="0" smtClean="0"/>
+              <a:t>Grain-size control</a:t>
+            </a:r>
+            <a:r>
+              <a:rPr lang="en-US" dirty="0" smtClean="0"/>
+              <a:t>!</a:t>
+            </a:r>
+          </a:p>
+          <a:p>
+            <a:r>
+              <a:rPr lang="en-US" dirty="0" smtClean="0"/>
+              <a:t>Apply futurization techniques to increase parallel efficiency</a:t>
             </a:r>
             <a:endParaRPr lang="en-US" dirty="0" smtClean="0"/>
           </a:p>
           <a:p>
             <a:r>
               <a:rPr lang="en-US" dirty="0" smtClean="0"/>
-              <a:t>Pro:</a:t>
+              <a:t>Requires communication between stripes</a:t>
             </a:r>
           </a:p>
           <a:p>
             <a:pPr lvl="1"/>
             <a:r>
               <a:rPr lang="en-US" dirty="0" smtClean="0"/>
-              <a:t>Parallelized outer loop</a:t>
+              <a:t>Some stripes communicate locally</a:t>
             </a:r>
           </a:p>
           <a:p>
             <a:pPr lvl="1"/>
             <a:r>
               <a:rPr lang="en-US" dirty="0" smtClean="0"/>
-              <a:t>Still simple!</a:t>
-            </a:r>
-          </a:p>
-          <a:p>
+              <a:t>Some stripes (boundaries) communicate remotely</a:t>
+            </a:r>
+          </a:p>
+          <a:p>
+            <a:pPr lvl="1"/>
             <a:r>
               <a:rPr lang="en-US" dirty="0" smtClean="0"/>
-              <a:t>Cons:</a:t>
-            </a:r>
-          </a:p>
-          <a:p>
-            <a:pPr lvl="1"/>
-            <a:r>
-              <a:rPr lang="en-US" dirty="0" smtClean="0"/>
-              <a:t>Implicit join after each time step</a:t>
-            </a:r>
-          </a:p>
-          <a:p>
-            <a:endParaRPr lang="en-US" dirty="0"/>
-          </a:p>
-          <a:p>
-            <a:endParaRPr lang="en-US" dirty="0"/>
-          </a:p>
-          <a:p>
-            <a:endParaRPr lang="en-US" dirty="0"/>
+              <a:t>Hugely differing latencies</a:t>
+            </a:r>
           </a:p>
         </p:txBody>
       </p:sp>
@@ -9689,7 +9726,7 @@
     </p:spTree>
     <p:extLst>
       <p:ext uri="{BB962C8B-B14F-4D97-AF65-F5344CB8AC3E}">
-        <p14:creationId xmlns:p14="http://schemas.microsoft.com/office/powerpoint/2010/main" val="1632147652"/>
+        <p14:creationId xmlns:p14="http://schemas.microsoft.com/office/powerpoint/2010/main" val="575528941"/>
       </p:ext>
     </p:extLst>
   </p:cSld>
@@ -9739,12 +9776,8 @@
           <a:lstStyle/>
           <a:p>
             <a:r>
-              <a:rPr lang="en-US" dirty="0"/>
-              <a:t>"Solving" a </a:t>
-            </a:r>
-            <a:r>
               <a:rPr lang="en-US" dirty="0" smtClean="0"/>
-              <a:t>PDE, Distributed</a:t>
+              <a:t>Channels in HPX</a:t>
             </a:r>
             <a:endParaRPr lang="en-US" dirty="0"/>
           </a:p>
@@ -9767,61 +9800,49 @@
           <a:p>
             <a:r>
               <a:rPr lang="en-US" dirty="0" smtClean="0"/>
-              <a:t>Still NUMA aware on each of the nodes</a:t>
-            </a:r>
-          </a:p>
-          <a:p>
+              <a:t>Concept borrowed from Go </a:t>
+            </a:r>
             <a:r>
               <a:rPr lang="en-US" dirty="0" smtClean="0"/>
-              <a:t>Distribute 2D grid over localities as stripes</a:t>
+              <a:t>language</a:t>
+            </a:r>
+          </a:p>
+          <a:p>
+            <a:r>
+              <a:rPr lang="en-US" dirty="0" smtClean="0"/>
+              <a:t>Communication channel for objects of a given type</a:t>
             </a:r>
           </a:p>
           <a:p>
             <a:pPr lvl="1"/>
             <a:r>
               <a:rPr lang="en-US" dirty="0" smtClean="0"/>
-              <a:t>First and last line of each stripe needs to be communicated after each time-step</a:t>
-            </a:r>
-          </a:p>
-          <a:p>
+              <a:t>Two ends: set/get, both optionally asynchronous</a:t>
+            </a:r>
+          </a:p>
+          <a:p>
+            <a:pPr lvl="1"/>
             <a:r>
               <a:rPr lang="en-US" dirty="0" smtClean="0"/>
-              <a:t>Also: over-partitioning by having more stripes than localities/cores</a:t>
+              <a:t>Data will retrieved by get() in the same sequence as it was provided by set()</a:t>
+            </a:r>
+          </a:p>
+          <a:p>
+            <a:r>
+              <a:rPr lang="en-US" dirty="0" smtClean="0"/>
+              <a:t>The channel can cross node-boundaries (but does not have to)</a:t>
             </a:r>
           </a:p>
           <a:p>
             <a:pPr lvl="1"/>
             <a:r>
               <a:rPr lang="en-US" dirty="0" smtClean="0"/>
-              <a:t>Grain-size control!</a:t>
-            </a:r>
-          </a:p>
-          <a:p>
-            <a:r>
-              <a:rPr lang="en-US" dirty="0" smtClean="0"/>
-              <a:t>Requires communication between stripes</a:t>
-            </a:r>
-          </a:p>
-          <a:p>
-            <a:pPr lvl="1"/>
-            <a:r>
-              <a:rPr lang="en-US" dirty="0" smtClean="0"/>
-              <a:t>Some stripes communicate locally</a:t>
-            </a:r>
-          </a:p>
-          <a:p>
-            <a:pPr lvl="1"/>
-            <a:r>
-              <a:rPr lang="en-US" dirty="0" smtClean="0"/>
-              <a:t>Some stripes (boundaries) communicate remotely</a:t>
-            </a:r>
-          </a:p>
-          <a:p>
-            <a:pPr lvl="1"/>
-            <a:r>
-              <a:rPr lang="en-US" dirty="0" smtClean="0"/>
-              <a:t>Hugely differing latencies</a:t>
-            </a:r>
+              <a:t>Perfect facility for boundary exchange between neighboring partitions</a:t>
+            </a:r>
+            <a:endParaRPr lang="en-US" dirty="0" smtClean="0"/>
+          </a:p>
+          <a:p>
+            <a:endParaRPr lang="en-US" dirty="0"/>
           </a:p>
         </p:txBody>
       </p:sp>
@@ -9899,7 +9920,7 @@
     </p:spTree>
     <p:extLst>
       <p:ext uri="{BB962C8B-B14F-4D97-AF65-F5344CB8AC3E}">
-        <p14:creationId xmlns:p14="http://schemas.microsoft.com/office/powerpoint/2010/main" val="575528941"/>
+        <p14:creationId xmlns:p14="http://schemas.microsoft.com/office/powerpoint/2010/main" val="1160172266"/>
       </p:ext>
     </p:extLst>
   </p:cSld>
@@ -9935,6 +9956,44 @@
       </p:grpSpPr>
       <p:sp>
         <p:nvSpPr>
+          <p:cNvPr id="7" name="Rectangle 6"/>
+          <p:cNvSpPr/>
+          <p:nvPr/>
+        </p:nvSpPr>
+        <p:spPr>
+          <a:xfrm>
+            <a:off x="800101" y="1691322"/>
+            <a:ext cx="10492739" cy="4684985"/>
+          </a:xfrm>
+          <a:prstGeom prst="rect">
+            <a:avLst/>
+          </a:prstGeom>
+        </p:spPr>
+        <p:style>
+          <a:lnRef idx="1">
+            <a:schemeClr val="accent1"/>
+          </a:lnRef>
+          <a:fillRef idx="2">
+            <a:schemeClr val="accent1"/>
+          </a:fillRef>
+          <a:effectRef idx="1">
+            <a:schemeClr val="accent1"/>
+          </a:effectRef>
+          <a:fontRef idx="minor">
+            <a:schemeClr val="dk1"/>
+          </a:fontRef>
+        </p:style>
+        <p:txBody>
+          <a:bodyPr rtlCol="0" anchor="ctr"/>
+          <a:lstStyle/>
+          <a:p>
+            <a:pPr algn="ctr"/>
+            <a:endParaRPr lang="en-US"/>
+          </a:p>
+        </p:txBody>
+      </p:sp>
+      <p:sp>
+        <p:nvSpPr>
           <p:cNvPr id="2" name="Title 1"/>
           <p:cNvSpPr>
             <a:spLocks noGrp="1"/>
@@ -9966,18 +10025,715 @@
             <p:ph idx="1"/>
           </p:nvPr>
         </p:nvSpPr>
-        <p:spPr/>
+        <p:spPr>
+          <a:xfrm>
+            <a:off x="1261872" y="1828800"/>
+            <a:ext cx="8595360" cy="4547507"/>
+          </a:xfrm>
+        </p:spPr>
         <p:txBody>
-          <a:bodyPr/>
+          <a:bodyPr>
+            <a:normAutofit fontScale="70000" lnSpcReduction="20000"/>
+          </a:bodyPr>
           <a:lstStyle/>
           <a:p>
-            <a:r>
-              <a:rPr lang="en-US" dirty="0" smtClean="0"/>
-              <a:t>Concept borrowed from Go language</a:t>
-            </a:r>
-          </a:p>
-          <a:p>
-            <a:endParaRPr lang="en-US" dirty="0"/>
+            <a:pPr marL="274320" lvl="1" indent="0">
+              <a:spcBef>
+                <a:spcPts val="600"/>
+              </a:spcBef>
+              <a:buNone/>
+            </a:pPr>
+            <a:r>
+              <a:rPr lang="en-US" dirty="0">
+                <a:latin typeface="Consolas" panose="020B0609020204030204" pitchFamily="49" charset="0"/>
+              </a:rPr>
+              <a:t>void sum(</a:t>
+            </a:r>
+            <a:r>
+              <a:rPr lang="en-US" dirty="0" err="1">
+                <a:latin typeface="Consolas" panose="020B0609020204030204" pitchFamily="49" charset="0"/>
+              </a:rPr>
+              <a:t>std</a:t>
+            </a:r>
+            <a:r>
+              <a:rPr lang="en-US" dirty="0">
+                <a:latin typeface="Consolas" panose="020B0609020204030204" pitchFamily="49" charset="0"/>
+              </a:rPr>
+              <a:t>::vector&lt;</a:t>
+            </a:r>
+            <a:r>
+              <a:rPr lang="en-US" dirty="0" err="1">
+                <a:latin typeface="Consolas" panose="020B0609020204030204" pitchFamily="49" charset="0"/>
+              </a:rPr>
+              <a:t>int</a:t>
+            </a:r>
+            <a:r>
+              <a:rPr lang="en-US" dirty="0">
+                <a:latin typeface="Consolas" panose="020B0609020204030204" pitchFamily="49" charset="0"/>
+              </a:rPr>
+              <a:t>&gt; </a:t>
+            </a:r>
+            <a:r>
+              <a:rPr lang="en-US" dirty="0" err="1">
+                <a:latin typeface="Consolas" panose="020B0609020204030204" pitchFamily="49" charset="0"/>
+              </a:rPr>
+              <a:t>const</a:t>
+            </a:r>
+            <a:r>
+              <a:rPr lang="en-US" dirty="0">
+                <a:latin typeface="Consolas" panose="020B0609020204030204" pitchFamily="49" charset="0"/>
+              </a:rPr>
+              <a:t>&amp; s, </a:t>
+            </a:r>
+            <a:r>
+              <a:rPr lang="en-US" dirty="0" err="1">
+                <a:latin typeface="Consolas" panose="020B0609020204030204" pitchFamily="49" charset="0"/>
+              </a:rPr>
+              <a:t>hpx</a:t>
+            </a:r>
+            <a:r>
+              <a:rPr lang="en-US" dirty="0">
+                <a:latin typeface="Consolas" panose="020B0609020204030204" pitchFamily="49" charset="0"/>
+              </a:rPr>
+              <a:t>::</a:t>
+            </a:r>
+            <a:r>
+              <a:rPr lang="en-US" dirty="0" err="1">
+                <a:latin typeface="Consolas" panose="020B0609020204030204" pitchFamily="49" charset="0"/>
+              </a:rPr>
+              <a:t>lcos</a:t>
+            </a:r>
+            <a:r>
+              <a:rPr lang="en-US" dirty="0">
+                <a:latin typeface="Consolas" panose="020B0609020204030204" pitchFamily="49" charset="0"/>
+              </a:rPr>
+              <a:t>::local::channel&lt;</a:t>
+            </a:r>
+            <a:r>
+              <a:rPr lang="en-US" dirty="0" err="1">
+                <a:latin typeface="Consolas" panose="020B0609020204030204" pitchFamily="49" charset="0"/>
+              </a:rPr>
+              <a:t>int</a:t>
+            </a:r>
+            <a:r>
+              <a:rPr lang="en-US" dirty="0">
+                <a:latin typeface="Consolas" panose="020B0609020204030204" pitchFamily="49" charset="0"/>
+              </a:rPr>
+              <a:t>&gt; c)</a:t>
+            </a:r>
+          </a:p>
+          <a:p>
+            <a:pPr marL="274320" lvl="1" indent="0">
+              <a:spcBef>
+                <a:spcPts val="600"/>
+              </a:spcBef>
+              <a:buNone/>
+            </a:pPr>
+            <a:r>
+              <a:rPr lang="en-US" dirty="0">
+                <a:latin typeface="Consolas" panose="020B0609020204030204" pitchFamily="49" charset="0"/>
+              </a:rPr>
+              <a:t>{</a:t>
+            </a:r>
+          </a:p>
+          <a:p>
+            <a:pPr marL="274320" lvl="1" indent="0">
+              <a:spcBef>
+                <a:spcPts val="600"/>
+              </a:spcBef>
+              <a:buNone/>
+            </a:pPr>
+            <a:r>
+              <a:rPr lang="en-US" dirty="0">
+                <a:latin typeface="Consolas" panose="020B0609020204030204" pitchFamily="49" charset="0"/>
+              </a:rPr>
+              <a:t>    </a:t>
+            </a:r>
+            <a:r>
+              <a:rPr lang="en-US" dirty="0" err="1">
+                <a:latin typeface="Consolas" panose="020B0609020204030204" pitchFamily="49" charset="0"/>
+              </a:rPr>
+              <a:t>c.set</a:t>
+            </a:r>
+            <a:r>
+              <a:rPr lang="en-US" dirty="0">
+                <a:latin typeface="Consolas" panose="020B0609020204030204" pitchFamily="49" charset="0"/>
+              </a:rPr>
+              <a:t>(</a:t>
+            </a:r>
+            <a:r>
+              <a:rPr lang="en-US" dirty="0" err="1">
+                <a:latin typeface="Consolas" panose="020B0609020204030204" pitchFamily="49" charset="0"/>
+              </a:rPr>
+              <a:t>std</a:t>
+            </a:r>
+            <a:r>
+              <a:rPr lang="en-US" dirty="0">
+                <a:latin typeface="Consolas" panose="020B0609020204030204" pitchFamily="49" charset="0"/>
+              </a:rPr>
+              <a:t>::accumulate(</a:t>
+            </a:r>
+            <a:r>
+              <a:rPr lang="en-US" dirty="0" err="1">
+                <a:latin typeface="Consolas" panose="020B0609020204030204" pitchFamily="49" charset="0"/>
+              </a:rPr>
+              <a:t>s.begin</a:t>
+            </a:r>
+            <a:r>
+              <a:rPr lang="en-US" dirty="0">
+                <a:latin typeface="Consolas" panose="020B0609020204030204" pitchFamily="49" charset="0"/>
+              </a:rPr>
+              <a:t>(), </a:t>
+            </a:r>
+            <a:r>
+              <a:rPr lang="en-US" dirty="0" err="1">
+                <a:latin typeface="Consolas" panose="020B0609020204030204" pitchFamily="49" charset="0"/>
+              </a:rPr>
+              <a:t>s.end</a:t>
+            </a:r>
+            <a:r>
+              <a:rPr lang="en-US" dirty="0">
+                <a:latin typeface="Consolas" panose="020B0609020204030204" pitchFamily="49" charset="0"/>
+              </a:rPr>
+              <a:t>(), 0));      // send sum to channel</a:t>
+            </a:r>
+          </a:p>
+          <a:p>
+            <a:pPr marL="274320" lvl="1" indent="0">
+              <a:spcBef>
+                <a:spcPts val="600"/>
+              </a:spcBef>
+              <a:buNone/>
+            </a:pPr>
+            <a:r>
+              <a:rPr lang="en-US" dirty="0">
+                <a:latin typeface="Consolas" panose="020B0609020204030204" pitchFamily="49" charset="0"/>
+              </a:rPr>
+              <a:t>}</a:t>
+            </a:r>
+          </a:p>
+          <a:p>
+            <a:pPr marL="274320" lvl="1" indent="0">
+              <a:spcBef>
+                <a:spcPts val="600"/>
+              </a:spcBef>
+              <a:buNone/>
+            </a:pPr>
+            <a:endParaRPr lang="en-US" dirty="0">
+              <a:latin typeface="Consolas" panose="020B0609020204030204" pitchFamily="49" charset="0"/>
+            </a:endParaRPr>
+          </a:p>
+          <a:p>
+            <a:pPr marL="274320" lvl="1" indent="0">
+              <a:spcBef>
+                <a:spcPts val="600"/>
+              </a:spcBef>
+              <a:buNone/>
+            </a:pPr>
+            <a:r>
+              <a:rPr lang="en-US" dirty="0">
+                <a:latin typeface="Consolas" panose="020B0609020204030204" pitchFamily="49" charset="0"/>
+              </a:rPr>
+              <a:t>void </a:t>
+            </a:r>
+            <a:r>
+              <a:rPr lang="en-US" dirty="0" err="1">
+                <a:latin typeface="Consolas" panose="020B0609020204030204" pitchFamily="49" charset="0"/>
+              </a:rPr>
+              <a:t>calculate_sum</a:t>
+            </a:r>
+            <a:r>
+              <a:rPr lang="en-US" dirty="0">
+                <a:latin typeface="Consolas" panose="020B0609020204030204" pitchFamily="49" charset="0"/>
+              </a:rPr>
+              <a:t>()</a:t>
+            </a:r>
+          </a:p>
+          <a:p>
+            <a:pPr marL="274320" lvl="1" indent="0">
+              <a:spcBef>
+                <a:spcPts val="600"/>
+              </a:spcBef>
+              <a:buNone/>
+            </a:pPr>
+            <a:r>
+              <a:rPr lang="en-US" dirty="0">
+                <a:latin typeface="Consolas" panose="020B0609020204030204" pitchFamily="49" charset="0"/>
+              </a:rPr>
+              <a:t>{</a:t>
+            </a:r>
+          </a:p>
+          <a:p>
+            <a:pPr marL="274320" lvl="1" indent="0">
+              <a:spcBef>
+                <a:spcPts val="600"/>
+              </a:spcBef>
+              <a:buNone/>
+            </a:pPr>
+            <a:r>
+              <a:rPr lang="en-US" dirty="0">
+                <a:latin typeface="Consolas" panose="020B0609020204030204" pitchFamily="49" charset="0"/>
+              </a:rPr>
+              <a:t>    </a:t>
+            </a:r>
+            <a:r>
+              <a:rPr lang="en-US" dirty="0" err="1">
+                <a:latin typeface="Consolas" panose="020B0609020204030204" pitchFamily="49" charset="0"/>
+              </a:rPr>
+              <a:t>std</a:t>
+            </a:r>
+            <a:r>
+              <a:rPr lang="en-US" dirty="0">
+                <a:latin typeface="Consolas" panose="020B0609020204030204" pitchFamily="49" charset="0"/>
+              </a:rPr>
+              <a:t>::vector&lt;</a:t>
+            </a:r>
+            <a:r>
+              <a:rPr lang="en-US" dirty="0" err="1">
+                <a:latin typeface="Consolas" panose="020B0609020204030204" pitchFamily="49" charset="0"/>
+              </a:rPr>
+              <a:t>int</a:t>
+            </a:r>
+            <a:r>
+              <a:rPr lang="en-US" dirty="0">
+                <a:latin typeface="Consolas" panose="020B0609020204030204" pitchFamily="49" charset="0"/>
+              </a:rPr>
+              <a:t>&gt; s = { 7, 2, 8, -9, 4, 0 };</a:t>
+            </a:r>
+          </a:p>
+          <a:p>
+            <a:pPr marL="274320" lvl="1" indent="0">
+              <a:spcBef>
+                <a:spcPts val="600"/>
+              </a:spcBef>
+              <a:buNone/>
+            </a:pPr>
+            <a:r>
+              <a:rPr lang="en-US" dirty="0">
+                <a:latin typeface="Consolas" panose="020B0609020204030204" pitchFamily="49" charset="0"/>
+              </a:rPr>
+              <a:t>    </a:t>
+            </a:r>
+            <a:r>
+              <a:rPr lang="en-US" dirty="0" err="1">
+                <a:latin typeface="Consolas" panose="020B0609020204030204" pitchFamily="49" charset="0"/>
+              </a:rPr>
+              <a:t>hpx</a:t>
+            </a:r>
+            <a:r>
+              <a:rPr lang="en-US" dirty="0">
+                <a:latin typeface="Consolas" panose="020B0609020204030204" pitchFamily="49" charset="0"/>
+              </a:rPr>
+              <a:t>::</a:t>
+            </a:r>
+            <a:r>
+              <a:rPr lang="en-US" dirty="0" err="1">
+                <a:latin typeface="Consolas" panose="020B0609020204030204" pitchFamily="49" charset="0"/>
+              </a:rPr>
+              <a:t>lcos</a:t>
+            </a:r>
+            <a:r>
+              <a:rPr lang="en-US" dirty="0">
+                <a:latin typeface="Consolas" panose="020B0609020204030204" pitchFamily="49" charset="0"/>
+              </a:rPr>
+              <a:t>::local::channel&lt;</a:t>
+            </a:r>
+            <a:r>
+              <a:rPr lang="en-US" dirty="0" err="1">
+                <a:latin typeface="Consolas" panose="020B0609020204030204" pitchFamily="49" charset="0"/>
+              </a:rPr>
+              <a:t>int</a:t>
+            </a:r>
+            <a:r>
+              <a:rPr lang="en-US" dirty="0">
+                <a:latin typeface="Consolas" panose="020B0609020204030204" pitchFamily="49" charset="0"/>
+              </a:rPr>
+              <a:t>&gt; c;</a:t>
+            </a:r>
+          </a:p>
+          <a:p>
+            <a:pPr marL="274320" lvl="1" indent="0">
+              <a:spcBef>
+                <a:spcPts val="600"/>
+              </a:spcBef>
+              <a:buNone/>
+            </a:pPr>
+            <a:endParaRPr lang="en-US" dirty="0">
+              <a:latin typeface="Consolas" panose="020B0609020204030204" pitchFamily="49" charset="0"/>
+            </a:endParaRPr>
+          </a:p>
+          <a:p>
+            <a:pPr marL="274320" lvl="1" indent="0">
+              <a:spcBef>
+                <a:spcPts val="600"/>
+              </a:spcBef>
+              <a:buNone/>
+            </a:pPr>
+            <a:r>
+              <a:rPr lang="en-US" dirty="0">
+                <a:latin typeface="Consolas" panose="020B0609020204030204" pitchFamily="49" charset="0"/>
+              </a:rPr>
+              <a:t>    </a:t>
+            </a:r>
+            <a:r>
+              <a:rPr lang="en-US" dirty="0" err="1">
+                <a:latin typeface="Consolas" panose="020B0609020204030204" pitchFamily="49" charset="0"/>
+              </a:rPr>
+              <a:t>hpx</a:t>
+            </a:r>
+            <a:r>
+              <a:rPr lang="en-US" dirty="0">
+                <a:latin typeface="Consolas" panose="020B0609020204030204" pitchFamily="49" charset="0"/>
+              </a:rPr>
+              <a:t>::apply(&amp;sum, </a:t>
+            </a:r>
+            <a:r>
+              <a:rPr lang="en-US" dirty="0" err="1">
+                <a:latin typeface="Consolas" panose="020B0609020204030204" pitchFamily="49" charset="0"/>
+              </a:rPr>
+              <a:t>std</a:t>
+            </a:r>
+            <a:r>
+              <a:rPr lang="en-US" dirty="0">
+                <a:latin typeface="Consolas" panose="020B0609020204030204" pitchFamily="49" charset="0"/>
+              </a:rPr>
+              <a:t>::vector&lt;</a:t>
+            </a:r>
+            <a:r>
+              <a:rPr lang="en-US" dirty="0" err="1">
+                <a:latin typeface="Consolas" panose="020B0609020204030204" pitchFamily="49" charset="0"/>
+              </a:rPr>
+              <a:t>int</a:t>
+            </a:r>
+            <a:r>
+              <a:rPr lang="en-US" dirty="0">
+                <a:latin typeface="Consolas" panose="020B0609020204030204" pitchFamily="49" charset="0"/>
+              </a:rPr>
+              <a:t>&gt;(</a:t>
+            </a:r>
+            <a:r>
+              <a:rPr lang="en-US" dirty="0" err="1">
+                <a:latin typeface="Consolas" panose="020B0609020204030204" pitchFamily="49" charset="0"/>
+              </a:rPr>
+              <a:t>s.begin</a:t>
+            </a:r>
+            <a:r>
+              <a:rPr lang="en-US" dirty="0">
+                <a:latin typeface="Consolas" panose="020B0609020204030204" pitchFamily="49" charset="0"/>
+              </a:rPr>
+              <a:t>(), </a:t>
+            </a:r>
+            <a:r>
+              <a:rPr lang="en-US" dirty="0" err="1">
+                <a:latin typeface="Consolas" panose="020B0609020204030204" pitchFamily="49" charset="0"/>
+              </a:rPr>
+              <a:t>s.begin</a:t>
+            </a:r>
+            <a:r>
+              <a:rPr lang="en-US" dirty="0">
+                <a:latin typeface="Consolas" panose="020B0609020204030204" pitchFamily="49" charset="0"/>
+              </a:rPr>
+              <a:t>() + </a:t>
+            </a:r>
+            <a:r>
+              <a:rPr lang="en-US" dirty="0" err="1">
+                <a:latin typeface="Consolas" panose="020B0609020204030204" pitchFamily="49" charset="0"/>
+              </a:rPr>
+              <a:t>s.size</a:t>
+            </a:r>
+            <a:r>
+              <a:rPr lang="en-US" dirty="0">
+                <a:latin typeface="Consolas" panose="020B0609020204030204" pitchFamily="49" charset="0"/>
+              </a:rPr>
+              <a:t>()/2), c);</a:t>
+            </a:r>
+          </a:p>
+          <a:p>
+            <a:pPr marL="274320" lvl="1" indent="0">
+              <a:spcBef>
+                <a:spcPts val="600"/>
+              </a:spcBef>
+              <a:buNone/>
+            </a:pPr>
+            <a:r>
+              <a:rPr lang="en-US" dirty="0">
+                <a:latin typeface="Consolas" panose="020B0609020204030204" pitchFamily="49" charset="0"/>
+              </a:rPr>
+              <a:t>    </a:t>
+            </a:r>
+            <a:r>
+              <a:rPr lang="en-US" dirty="0" err="1">
+                <a:latin typeface="Consolas" panose="020B0609020204030204" pitchFamily="49" charset="0"/>
+              </a:rPr>
+              <a:t>hpx</a:t>
+            </a:r>
+            <a:r>
+              <a:rPr lang="en-US" dirty="0">
+                <a:latin typeface="Consolas" panose="020B0609020204030204" pitchFamily="49" charset="0"/>
+              </a:rPr>
+              <a:t>::apply(&amp;sum, </a:t>
+            </a:r>
+            <a:r>
+              <a:rPr lang="en-US" dirty="0" err="1">
+                <a:latin typeface="Consolas" panose="020B0609020204030204" pitchFamily="49" charset="0"/>
+              </a:rPr>
+              <a:t>std</a:t>
+            </a:r>
+            <a:r>
+              <a:rPr lang="en-US" dirty="0">
+                <a:latin typeface="Consolas" panose="020B0609020204030204" pitchFamily="49" charset="0"/>
+              </a:rPr>
+              <a:t>::vector&lt;</a:t>
+            </a:r>
+            <a:r>
+              <a:rPr lang="en-US" dirty="0" err="1">
+                <a:latin typeface="Consolas" panose="020B0609020204030204" pitchFamily="49" charset="0"/>
+              </a:rPr>
+              <a:t>int</a:t>
+            </a:r>
+            <a:r>
+              <a:rPr lang="en-US" dirty="0">
+                <a:latin typeface="Consolas" panose="020B0609020204030204" pitchFamily="49" charset="0"/>
+              </a:rPr>
+              <a:t>&gt;(</a:t>
+            </a:r>
+            <a:r>
+              <a:rPr lang="en-US" dirty="0" err="1">
+                <a:latin typeface="Consolas" panose="020B0609020204030204" pitchFamily="49" charset="0"/>
+              </a:rPr>
+              <a:t>s.begin</a:t>
+            </a:r>
+            <a:r>
+              <a:rPr lang="en-US" dirty="0">
+                <a:latin typeface="Consolas" panose="020B0609020204030204" pitchFamily="49" charset="0"/>
+              </a:rPr>
+              <a:t>() + </a:t>
+            </a:r>
+            <a:r>
+              <a:rPr lang="en-US" dirty="0" err="1">
+                <a:latin typeface="Consolas" panose="020B0609020204030204" pitchFamily="49" charset="0"/>
+              </a:rPr>
+              <a:t>s.size</a:t>
+            </a:r>
+            <a:r>
+              <a:rPr lang="en-US" dirty="0">
+                <a:latin typeface="Consolas" panose="020B0609020204030204" pitchFamily="49" charset="0"/>
+              </a:rPr>
+              <a:t>()/2, </a:t>
+            </a:r>
+            <a:r>
+              <a:rPr lang="en-US" dirty="0" err="1">
+                <a:latin typeface="Consolas" panose="020B0609020204030204" pitchFamily="49" charset="0"/>
+              </a:rPr>
+              <a:t>s.end</a:t>
+            </a:r>
+            <a:r>
+              <a:rPr lang="en-US" dirty="0">
+                <a:latin typeface="Consolas" panose="020B0609020204030204" pitchFamily="49" charset="0"/>
+              </a:rPr>
+              <a:t>()), c);</a:t>
+            </a:r>
+          </a:p>
+          <a:p>
+            <a:pPr marL="274320" lvl="1" indent="0">
+              <a:spcBef>
+                <a:spcPts val="600"/>
+              </a:spcBef>
+              <a:buNone/>
+            </a:pPr>
+            <a:endParaRPr lang="en-US" dirty="0">
+              <a:latin typeface="Consolas" panose="020B0609020204030204" pitchFamily="49" charset="0"/>
+            </a:endParaRPr>
+          </a:p>
+          <a:p>
+            <a:pPr marL="274320" lvl="1" indent="0">
+              <a:spcBef>
+                <a:spcPts val="600"/>
+              </a:spcBef>
+              <a:buNone/>
+            </a:pPr>
+            <a:r>
+              <a:rPr lang="en-US" dirty="0">
+                <a:latin typeface="Consolas" panose="020B0609020204030204" pitchFamily="49" charset="0"/>
+              </a:rPr>
+              <a:t>    </a:t>
+            </a:r>
+            <a:r>
+              <a:rPr lang="en-US" dirty="0" err="1">
+                <a:latin typeface="Consolas" panose="020B0609020204030204" pitchFamily="49" charset="0"/>
+              </a:rPr>
+              <a:t>int</a:t>
+            </a:r>
+            <a:r>
+              <a:rPr lang="en-US" dirty="0">
+                <a:latin typeface="Consolas" panose="020B0609020204030204" pitchFamily="49" charset="0"/>
+              </a:rPr>
+              <a:t> x = </a:t>
+            </a:r>
+            <a:r>
+              <a:rPr lang="en-US" dirty="0" err="1">
+                <a:latin typeface="Consolas" panose="020B0609020204030204" pitchFamily="49" charset="0"/>
+              </a:rPr>
+              <a:t>c.get</a:t>
+            </a:r>
+            <a:r>
+              <a:rPr lang="en-US" dirty="0">
+                <a:latin typeface="Consolas" panose="020B0609020204030204" pitchFamily="49" charset="0"/>
+              </a:rPr>
+              <a:t>(</a:t>
+            </a:r>
+            <a:r>
+              <a:rPr lang="en-US" dirty="0" err="1">
+                <a:latin typeface="Consolas" panose="020B0609020204030204" pitchFamily="49" charset="0"/>
+              </a:rPr>
+              <a:t>hpx</a:t>
+            </a:r>
+            <a:r>
+              <a:rPr lang="en-US" dirty="0">
+                <a:latin typeface="Consolas" panose="020B0609020204030204" pitchFamily="49" charset="0"/>
+              </a:rPr>
+              <a:t>::launch::sync);    // receive from c</a:t>
+            </a:r>
+          </a:p>
+          <a:p>
+            <a:pPr marL="274320" lvl="1" indent="0">
+              <a:spcBef>
+                <a:spcPts val="600"/>
+              </a:spcBef>
+              <a:buNone/>
+            </a:pPr>
+            <a:r>
+              <a:rPr lang="en-US" dirty="0">
+                <a:latin typeface="Consolas" panose="020B0609020204030204" pitchFamily="49" charset="0"/>
+              </a:rPr>
+              <a:t>    </a:t>
+            </a:r>
+            <a:r>
+              <a:rPr lang="en-US" dirty="0" err="1">
+                <a:latin typeface="Consolas" panose="020B0609020204030204" pitchFamily="49" charset="0"/>
+              </a:rPr>
+              <a:t>int</a:t>
+            </a:r>
+            <a:r>
+              <a:rPr lang="en-US" dirty="0">
+                <a:latin typeface="Consolas" panose="020B0609020204030204" pitchFamily="49" charset="0"/>
+              </a:rPr>
+              <a:t> y = </a:t>
+            </a:r>
+            <a:r>
+              <a:rPr lang="en-US" dirty="0" err="1">
+                <a:latin typeface="Consolas" panose="020B0609020204030204" pitchFamily="49" charset="0"/>
+              </a:rPr>
+              <a:t>c.get</a:t>
+            </a:r>
+            <a:r>
+              <a:rPr lang="en-US" dirty="0">
+                <a:latin typeface="Consolas" panose="020B0609020204030204" pitchFamily="49" charset="0"/>
+              </a:rPr>
+              <a:t>(</a:t>
+            </a:r>
+            <a:r>
+              <a:rPr lang="en-US" dirty="0" err="1">
+                <a:latin typeface="Consolas" panose="020B0609020204030204" pitchFamily="49" charset="0"/>
+              </a:rPr>
+              <a:t>hpx</a:t>
+            </a:r>
+            <a:r>
+              <a:rPr lang="en-US" dirty="0">
+                <a:latin typeface="Consolas" panose="020B0609020204030204" pitchFamily="49" charset="0"/>
+              </a:rPr>
+              <a:t>::launch::sync);</a:t>
+            </a:r>
+          </a:p>
+          <a:p>
+            <a:pPr marL="274320" lvl="1" indent="0">
+              <a:spcBef>
+                <a:spcPts val="600"/>
+              </a:spcBef>
+              <a:buNone/>
+            </a:pPr>
+            <a:endParaRPr lang="en-US" dirty="0">
+              <a:latin typeface="Consolas" panose="020B0609020204030204" pitchFamily="49" charset="0"/>
+            </a:endParaRPr>
+          </a:p>
+          <a:p>
+            <a:pPr marL="274320" lvl="1" indent="0">
+              <a:spcBef>
+                <a:spcPts val="600"/>
+              </a:spcBef>
+              <a:buNone/>
+            </a:pPr>
+            <a:r>
+              <a:rPr lang="fr-FR" dirty="0">
+                <a:latin typeface="Consolas" panose="020B0609020204030204" pitchFamily="49" charset="0"/>
+              </a:rPr>
+              <a:t>    </a:t>
+            </a:r>
+            <a:r>
+              <a:rPr lang="fr-FR" dirty="0" err="1">
+                <a:latin typeface="Consolas" panose="020B0609020204030204" pitchFamily="49" charset="0"/>
+              </a:rPr>
+              <a:t>hpx</a:t>
+            </a:r>
+            <a:r>
+              <a:rPr lang="fr-FR" dirty="0">
+                <a:latin typeface="Consolas" panose="020B0609020204030204" pitchFamily="49" charset="0"/>
+              </a:rPr>
+              <a:t>::cout &lt;&lt; "</a:t>
+            </a:r>
+            <a:r>
+              <a:rPr lang="fr-FR" dirty="0" err="1">
+                <a:latin typeface="Consolas" panose="020B0609020204030204" pitchFamily="49" charset="0"/>
+              </a:rPr>
+              <a:t>sum</a:t>
+            </a:r>
+            <a:r>
+              <a:rPr lang="fr-FR" dirty="0">
+                <a:latin typeface="Consolas" panose="020B0609020204030204" pitchFamily="49" charset="0"/>
+              </a:rPr>
+              <a:t>: " &lt;&lt; x + y &lt;&lt; </a:t>
+            </a:r>
+            <a:r>
+              <a:rPr lang="fr-FR" dirty="0" err="1">
+                <a:latin typeface="Consolas" panose="020B0609020204030204" pitchFamily="49" charset="0"/>
+              </a:rPr>
+              <a:t>std</a:t>
+            </a:r>
+            <a:r>
+              <a:rPr lang="fr-FR" dirty="0">
+                <a:latin typeface="Consolas" panose="020B0609020204030204" pitchFamily="49" charset="0"/>
+              </a:rPr>
+              <a:t>::</a:t>
+            </a:r>
+            <a:r>
+              <a:rPr lang="fr-FR" dirty="0" err="1">
+                <a:latin typeface="Consolas" panose="020B0609020204030204" pitchFamily="49" charset="0"/>
+              </a:rPr>
+              <a:t>endl</a:t>
+            </a:r>
+            <a:r>
+              <a:rPr lang="fr-FR" dirty="0">
+                <a:latin typeface="Consolas" panose="020B0609020204030204" pitchFamily="49" charset="0"/>
+              </a:rPr>
+              <a:t>;</a:t>
+            </a:r>
+          </a:p>
+          <a:p>
+            <a:pPr marL="274320" lvl="1" indent="0">
+              <a:spcBef>
+                <a:spcPts val="600"/>
+              </a:spcBef>
+              <a:buNone/>
+            </a:pPr>
+            <a:r>
+              <a:rPr lang="en-US" dirty="0" smtClean="0">
+                <a:latin typeface="Consolas" panose="020B0609020204030204" pitchFamily="49" charset="0"/>
+              </a:rPr>
+              <a:t>}</a:t>
+            </a:r>
+            <a:endParaRPr lang="en-US" dirty="0">
+              <a:latin typeface="Consolas" panose="020B0609020204030204" pitchFamily="49" charset="0"/>
+            </a:endParaRPr>
           </a:p>
         </p:txBody>
       </p:sp>
@@ -10055,7 +10811,7 @@
     </p:spTree>
     <p:extLst>
       <p:ext uri="{BB962C8B-B14F-4D97-AF65-F5344CB8AC3E}">
-        <p14:creationId xmlns:p14="http://schemas.microsoft.com/office/powerpoint/2010/main" val="1160172266"/>
+        <p14:creationId xmlns:p14="http://schemas.microsoft.com/office/powerpoint/2010/main" val="2395229340"/>
       </p:ext>
     </p:extLst>
   </p:cSld>
@@ -10694,41 +11450,132 @@
               <a:t>    </a:t>
             </a:r>
             <a:r>
+              <a:rPr lang="en-US" dirty="0" err="1" smtClean="0">
+                <a:solidFill>
+                  <a:schemeClr val="accent2">
+                    <a:lumMod val="75000"/>
+                  </a:schemeClr>
+                </a:solidFill>
+                <a:latin typeface="Consolas" panose="020B0609020204030204" pitchFamily="49" charset="0"/>
+              </a:rPr>
+              <a:t>hpx</a:t>
+            </a:r>
+            <a:r>
+              <a:rPr lang="en-US" dirty="0" smtClean="0">
+                <a:solidFill>
+                  <a:schemeClr val="accent2">
+                    <a:lumMod val="75000"/>
+                  </a:schemeClr>
+                </a:solidFill>
+                <a:latin typeface="Consolas" panose="020B0609020204030204" pitchFamily="49" charset="0"/>
+              </a:rPr>
+              <a:t>::future&lt;</a:t>
+            </a:r>
+            <a:r>
+              <a:rPr lang="en-US" dirty="0" err="1" smtClean="0">
+                <a:solidFill>
+                  <a:schemeClr val="accent2">
+                    <a:lumMod val="75000"/>
+                  </a:schemeClr>
+                </a:solidFill>
+                <a:latin typeface="Consolas" panose="020B0609020204030204" pitchFamily="49" charset="0"/>
+              </a:rPr>
+              <a:t>int</a:t>
+            </a:r>
+            <a:r>
+              <a:rPr lang="en-US" dirty="0" smtClean="0">
+                <a:solidFill>
+                  <a:schemeClr val="accent2">
+                    <a:lumMod val="75000"/>
+                  </a:schemeClr>
+                </a:solidFill>
+                <a:latin typeface="Consolas" panose="020B0609020204030204" pitchFamily="49" charset="0"/>
+              </a:rPr>
+              <a:t>&gt;</a:t>
+            </a:r>
+            <a:r>
+              <a:rPr lang="en-US" dirty="0" smtClean="0">
+                <a:latin typeface="Consolas" panose="020B0609020204030204" pitchFamily="49" charset="0"/>
+              </a:rPr>
+              <a:t> </a:t>
+            </a:r>
+            <a:r>
+              <a:rPr lang="en-US" dirty="0">
+                <a:latin typeface="Consolas" panose="020B0609020204030204" pitchFamily="49" charset="0"/>
+              </a:rPr>
+              <a:t>x = </a:t>
+            </a:r>
+            <a:r>
               <a:rPr lang="en-US" dirty="0" err="1">
                 <a:latin typeface="Consolas" panose="020B0609020204030204" pitchFamily="49" charset="0"/>
               </a:rPr>
-              <a:t>int</a:t>
+              <a:t>c.get</a:t>
             </a:r>
             <a:r>
               <a:rPr lang="en-US" dirty="0">
                 <a:latin typeface="Consolas" panose="020B0609020204030204" pitchFamily="49" charset="0"/>
               </a:rPr>
-              <a:t> x = </a:t>
+              <a:t>(</a:t>
             </a:r>
             <a:r>
               <a:rPr lang="en-US" dirty="0" err="1">
-                <a:latin typeface="Consolas" panose="020B0609020204030204" pitchFamily="49" charset="0"/>
-              </a:rPr>
-              <a:t>c.get</a:t>
+                <a:solidFill>
+                  <a:schemeClr val="accent2">
+                    <a:lumMod val="75000"/>
+                  </a:schemeClr>
+                </a:solidFill>
+                <a:latin typeface="Consolas" panose="020B0609020204030204" pitchFamily="49" charset="0"/>
+              </a:rPr>
+              <a:t>hpx</a:t>
             </a:r>
             <a:r>
               <a:rPr lang="en-US" dirty="0">
-                <a:latin typeface="Consolas" panose="020B0609020204030204" pitchFamily="49" charset="0"/>
-              </a:rPr>
-              <a:t>(</a:t>
-            </a:r>
-            <a:r>
-              <a:rPr lang="en-US" dirty="0" err="1">
-                <a:latin typeface="Consolas" panose="020B0609020204030204" pitchFamily="49" charset="0"/>
-              </a:rPr>
-              <a:t>hpx</a:t>
+                <a:solidFill>
+                  <a:schemeClr val="accent2">
+                    <a:lumMod val="75000"/>
+                  </a:schemeClr>
+                </a:solidFill>
+                <a:latin typeface="Consolas" panose="020B0609020204030204" pitchFamily="49" charset="0"/>
+              </a:rPr>
+              <a:t>::launch</a:t>
+            </a:r>
+            <a:r>
+              <a:rPr lang="en-US" dirty="0" smtClean="0">
+                <a:solidFill>
+                  <a:schemeClr val="accent2">
+                    <a:lumMod val="75000"/>
+                  </a:schemeClr>
+                </a:solidFill>
+                <a:latin typeface="Consolas" panose="020B0609020204030204" pitchFamily="49" charset="0"/>
+              </a:rPr>
+              <a:t>::</a:t>
+            </a:r>
+            <a:r>
+              <a:rPr lang="en-US" dirty="0" err="1" smtClean="0">
+                <a:solidFill>
+                  <a:schemeClr val="accent2">
+                    <a:lumMod val="75000"/>
+                  </a:schemeClr>
+                </a:solidFill>
+                <a:latin typeface="Consolas" panose="020B0609020204030204" pitchFamily="49" charset="0"/>
+              </a:rPr>
+              <a:t>async</a:t>
             </a:r>
             <a:r>
               <a:rPr lang="en-US" dirty="0">
                 <a:latin typeface="Consolas" panose="020B0609020204030204" pitchFamily="49" charset="0"/>
               </a:rPr>
-              <a:t>::launch::sync);    // receive from c</a:t>
-            </a:r>
+              <a:t>);    // receive from </a:t>
+            </a:r>
+            <a:r>
+              <a:rPr lang="en-US" dirty="0" smtClean="0">
+                <a:latin typeface="Consolas" panose="020B0609020204030204" pitchFamily="49" charset="0"/>
+              </a:rPr>
+              <a:t>c asynchronously</a:t>
+            </a:r>
+            <a:endParaRPr lang="en-US" dirty="0">
+              <a:latin typeface="Consolas" panose="020B0609020204030204" pitchFamily="49" charset="0"/>
+            </a:endParaRPr>
           </a:p>
           <a:p>
             <a:pPr marL="274320" lvl="1" indent="0">
@@ -10738,22 +11585,66 @@
               <a:buNone/>
             </a:pPr>
             <a:r>
+              <a:rPr lang="en-US" dirty="0" smtClean="0">
+                <a:latin typeface="Consolas" panose="020B0609020204030204" pitchFamily="49" charset="0"/>
+              </a:rPr>
+              <a:t>    </a:t>
+            </a:r>
+            <a:r>
+              <a:rPr lang="en-US" dirty="0" err="1">
+                <a:solidFill>
+                  <a:schemeClr val="accent2">
+                    <a:lumMod val="75000"/>
+                  </a:schemeClr>
+                </a:solidFill>
+                <a:latin typeface="Consolas" panose="020B0609020204030204" pitchFamily="49" charset="0"/>
+              </a:rPr>
+              <a:t>hpx</a:t>
+            </a:r>
+            <a:r>
               <a:rPr lang="en-US" dirty="0">
-                <a:latin typeface="Consolas" panose="020B0609020204030204" pitchFamily="49" charset="0"/>
-              </a:rPr>
-              <a:t>    </a:t>
+                <a:solidFill>
+                  <a:schemeClr val="accent2">
+                    <a:lumMod val="75000"/>
+                  </a:schemeClr>
+                </a:solidFill>
+                <a:latin typeface="Consolas" panose="020B0609020204030204" pitchFamily="49" charset="0"/>
+              </a:rPr>
+              <a:t>::future&lt;</a:t>
             </a:r>
             <a:r>
               <a:rPr lang="en-US" dirty="0" err="1">
+                <a:solidFill>
+                  <a:schemeClr val="accent2">
+                    <a:lumMod val="75000"/>
+                  </a:schemeClr>
+                </a:solidFill>
                 <a:latin typeface="Consolas" panose="020B0609020204030204" pitchFamily="49" charset="0"/>
               </a:rPr>
               <a:t>int</a:t>
             </a:r>
             <a:r>
               <a:rPr lang="en-US" dirty="0">
-                <a:latin typeface="Consolas" panose="020B0609020204030204" pitchFamily="49" charset="0"/>
-              </a:rPr>
-              <a:t> y = </a:t>
+                <a:solidFill>
+                  <a:schemeClr val="accent2">
+                    <a:lumMod val="75000"/>
+                  </a:schemeClr>
+                </a:solidFill>
+                <a:latin typeface="Consolas" panose="020B0609020204030204" pitchFamily="49" charset="0"/>
+              </a:rPr>
+              <a:t>&gt;</a:t>
+            </a:r>
+            <a:r>
+              <a:rPr lang="en-US" dirty="0" smtClean="0">
+                <a:latin typeface="Consolas" panose="020B0609020204030204" pitchFamily="49" charset="0"/>
+              </a:rPr>
+              <a:t> </a:t>
+            </a:r>
+            <a:r>
+              <a:rPr lang="en-US" dirty="0">
+                <a:latin typeface="Consolas" panose="020B0609020204030204" pitchFamily="49" charset="0"/>
+              </a:rPr>
+              <a:t>y = </a:t>
             </a:r>
             <a:r>
               <a:rPr lang="en-US" dirty="0" err="1">
@@ -10769,15 +11660,53 @@
             </a:r>
             <a:r>
               <a:rPr lang="en-US" dirty="0" err="1">
+                <a:solidFill>
+                  <a:schemeClr val="accent2">
+                    <a:lumMod val="75000"/>
+                  </a:schemeClr>
+                </a:solidFill>
                 <a:latin typeface="Consolas" panose="020B0609020204030204" pitchFamily="49" charset="0"/>
               </a:rPr>
               <a:t>hpx</a:t>
             </a:r>
             <a:r>
               <a:rPr lang="en-US" dirty="0">
-                <a:latin typeface="Consolas" panose="020B0609020204030204" pitchFamily="49" charset="0"/>
-              </a:rPr>
-              <a:t>::launch::sync);</a:t>
+                <a:solidFill>
+                  <a:schemeClr val="accent2">
+                    <a:lumMod val="75000"/>
+                  </a:schemeClr>
+                </a:solidFill>
+                <a:latin typeface="Consolas" panose="020B0609020204030204" pitchFamily="49" charset="0"/>
+              </a:rPr>
+              <a:t>::launch</a:t>
+            </a:r>
+            <a:r>
+              <a:rPr lang="en-US" dirty="0" smtClean="0">
+                <a:solidFill>
+                  <a:schemeClr val="accent2">
+                    <a:lumMod val="75000"/>
+                  </a:schemeClr>
+                </a:solidFill>
+                <a:latin typeface="Consolas" panose="020B0609020204030204" pitchFamily="49" charset="0"/>
+              </a:rPr>
+              <a:t>::</a:t>
+            </a:r>
+            <a:r>
+              <a:rPr lang="en-US" dirty="0" err="1" smtClean="0">
+                <a:solidFill>
+                  <a:schemeClr val="accent2">
+                    <a:lumMod val="75000"/>
+                  </a:schemeClr>
+                </a:solidFill>
+                <a:latin typeface="Consolas" panose="020B0609020204030204" pitchFamily="49" charset="0"/>
+              </a:rPr>
+              <a:t>async</a:t>
+            </a:r>
+            <a:r>
+              <a:rPr lang="en-US" dirty="0">
+                <a:latin typeface="Consolas" panose="020B0609020204030204" pitchFamily="49" charset="0"/>
+              </a:rPr>
+              <a:t>);</a:t>
             </a:r>
           </a:p>
           <a:p>
@@ -10826,7 +11755,43 @@
               <a:rPr lang="fr-FR" dirty="0">
                 <a:latin typeface="Consolas" panose="020B0609020204030204" pitchFamily="49" charset="0"/>
               </a:rPr>
-              <a:t>: " &lt;&lt; x + y &lt;&lt; </a:t>
+              <a:t>: " &lt;&lt; </a:t>
+            </a:r>
+            <a:r>
+              <a:rPr lang="fr-FR" dirty="0" err="1" smtClean="0">
+                <a:latin typeface="Consolas" panose="020B0609020204030204" pitchFamily="49" charset="0"/>
+              </a:rPr>
+              <a:t>x.get</a:t>
+            </a:r>
+            <a:r>
+              <a:rPr lang="fr-FR" dirty="0" smtClean="0">
+                <a:latin typeface="Consolas" panose="020B0609020204030204" pitchFamily="49" charset="0"/>
+              </a:rPr>
+              <a:t>() </a:t>
+            </a:r>
+            <a:r>
+              <a:rPr lang="fr-FR" dirty="0">
+                <a:latin typeface="Consolas" panose="020B0609020204030204" pitchFamily="49" charset="0"/>
+              </a:rPr>
+              <a:t>+ </a:t>
+            </a:r>
+            <a:r>
+              <a:rPr lang="fr-FR" dirty="0" err="1" smtClean="0">
+                <a:latin typeface="Consolas" panose="020B0609020204030204" pitchFamily="49" charset="0"/>
+              </a:rPr>
+              <a:t>y.get</a:t>
+            </a:r>
+            <a:r>
+              <a:rPr lang="fr-FR" dirty="0" smtClean="0">
+                <a:latin typeface="Consolas" panose="020B0609020204030204" pitchFamily="49" charset="0"/>
+              </a:rPr>
+              <a:t>() </a:t>
+            </a:r>
+            <a:r>
+              <a:rPr lang="fr-FR" dirty="0">
+                <a:latin typeface="Consolas" panose="020B0609020204030204" pitchFamily="49" charset="0"/>
+              </a:rPr>
+              <a:t>&lt;&lt; </a:t>
             </a:r>
             <a:r>
               <a:rPr lang="fr-FR" dirty="0" err="1">
@@ -10946,7 +11911,7 @@
     </p:spTree>
     <p:extLst>
       <p:ext uri="{BB962C8B-B14F-4D97-AF65-F5344CB8AC3E}">
-        <p14:creationId xmlns:p14="http://schemas.microsoft.com/office/powerpoint/2010/main" val="2395229340"/>
+        <p14:creationId xmlns:p14="http://schemas.microsoft.com/office/powerpoint/2010/main" val="4143639589"/>
       </p:ext>
     </p:extLst>
   </p:cSld>
@@ -10989,7 +11954,7 @@
         <p:spPr>
           <a:xfrm>
             <a:off x="800101" y="1691322"/>
-            <a:ext cx="10492739" cy="4684985"/>
+            <a:ext cx="10492739" cy="4415565"/>
           </a:xfrm>
           <a:prstGeom prst="rect">
             <a:avLst/>
@@ -11034,10 +11999,9 @@
           <a:lstStyle/>
           <a:p>
             <a:r>
-              <a:rPr lang="en-US" dirty="0" smtClean="0"/>
-              <a:t>Channels in HPX</a:t>
-            </a:r>
-            <a:endParaRPr lang="en-US" dirty="0"/>
+              <a:rPr lang="en-US" dirty="0"/>
+              <a:t>"Solving" a PDE, Distributed</a:t>
+            </a:r>
           </a:p>
         </p:txBody>
       </p:sp>
@@ -11054,920 +12018,612 @@
         <p:spPr>
           <a:xfrm>
             <a:off x="1261872" y="1828800"/>
-            <a:ext cx="8595360" cy="4547507"/>
+            <a:ext cx="9952088" cy="4351337"/>
           </a:xfrm>
         </p:spPr>
         <p:txBody>
           <a:bodyPr>
-            <a:normAutofit fontScale="70000" lnSpcReduction="20000"/>
+            <a:normAutofit fontScale="85000" lnSpcReduction="10000"/>
           </a:bodyPr>
           <a:lstStyle/>
           <a:p>
             <a:pPr marL="274320" lvl="1" indent="0">
+              <a:buNone/>
+            </a:pPr>
+            <a:r>
+              <a:rPr lang="en-US" dirty="0" smtClean="0">
+                <a:latin typeface="Consolas" panose="020B0609020204030204" pitchFamily="49" charset="0"/>
+                <a:cs typeface="Consolas" panose="020B0609020204030204" pitchFamily="49" charset="0"/>
+              </a:rPr>
+              <a:t>// ... as before</a:t>
+            </a:r>
+          </a:p>
+          <a:p>
+            <a:pPr marL="274320" lvl="1" indent="0">
+              <a:buNone/>
+            </a:pPr>
+            <a:endParaRPr lang="en-US" dirty="0" smtClean="0">
+              <a:latin typeface="Consolas" panose="020B0609020204030204" pitchFamily="49" charset="0"/>
+              <a:cs typeface="Consolas" panose="020B0609020204030204" pitchFamily="49" charset="0"/>
+            </a:endParaRPr>
+          </a:p>
+          <a:p>
+            <a:pPr marL="274320" lvl="1" indent="0">
+              <a:buNone/>
+            </a:pPr>
+            <a:r>
+              <a:rPr lang="en-US" dirty="0" smtClean="0">
+                <a:latin typeface="Consolas" panose="020B0609020204030204" pitchFamily="49" charset="0"/>
+                <a:cs typeface="Consolas" panose="020B0609020204030204" pitchFamily="49" charset="0"/>
+              </a:rPr>
+              <a:t>auto </a:t>
+            </a:r>
+            <a:r>
+              <a:rPr lang="en-US" dirty="0">
+                <a:latin typeface="Consolas" panose="020B0609020204030204" pitchFamily="49" charset="0"/>
+                <a:cs typeface="Consolas" panose="020B0609020204030204" pitchFamily="49" charset="0"/>
+              </a:rPr>
+              <a:t>policy = </a:t>
+            </a:r>
+            <a:r>
+              <a:rPr lang="en-US" dirty="0" err="1">
+                <a:latin typeface="Consolas" panose="020B0609020204030204" pitchFamily="49" charset="0"/>
+                <a:cs typeface="Consolas" panose="020B0609020204030204" pitchFamily="49" charset="0"/>
+              </a:rPr>
+              <a:t>hpx</a:t>
+            </a:r>
+            <a:r>
+              <a:rPr lang="en-US" dirty="0">
+                <a:latin typeface="Consolas" panose="020B0609020204030204" pitchFamily="49" charset="0"/>
+                <a:cs typeface="Consolas" panose="020B0609020204030204" pitchFamily="49" charset="0"/>
+              </a:rPr>
+              <a:t>::parallel::</a:t>
+            </a:r>
+            <a:r>
+              <a:rPr lang="en-US" dirty="0" err="1">
+                <a:latin typeface="Consolas" panose="020B0609020204030204" pitchFamily="49" charset="0"/>
+                <a:cs typeface="Consolas" panose="020B0609020204030204" pitchFamily="49" charset="0"/>
+              </a:rPr>
+              <a:t>par.on</a:t>
+            </a:r>
+            <a:r>
+              <a:rPr lang="en-US" dirty="0">
+                <a:latin typeface="Consolas" panose="020B0609020204030204" pitchFamily="49" charset="0"/>
+                <a:cs typeface="Consolas" panose="020B0609020204030204" pitchFamily="49" charset="0"/>
+              </a:rPr>
+              <a:t>(executor);</a:t>
+            </a:r>
+          </a:p>
+          <a:p>
+            <a:pPr marL="274320" lvl="1" indent="0">
+              <a:buNone/>
+            </a:pPr>
+            <a:r>
+              <a:rPr lang="en-US" dirty="0" smtClean="0">
+                <a:latin typeface="Consolas" panose="020B0609020204030204" pitchFamily="49" charset="0"/>
+                <a:cs typeface="Consolas" panose="020B0609020204030204" pitchFamily="49" charset="0"/>
+              </a:rPr>
+              <a:t>for </a:t>
+            </a:r>
+            <a:r>
+              <a:rPr lang="en-US" dirty="0">
+                <a:latin typeface="Consolas" panose="020B0609020204030204" pitchFamily="49" charset="0"/>
+                <a:cs typeface="Consolas" panose="020B0609020204030204" pitchFamily="49" charset="0"/>
+              </a:rPr>
+              <a:t>(</a:t>
+            </a:r>
+            <a:r>
+              <a:rPr lang="en-US" dirty="0" err="1">
+                <a:latin typeface="Consolas" panose="020B0609020204030204" pitchFamily="49" charset="0"/>
+                <a:cs typeface="Consolas" panose="020B0609020204030204" pitchFamily="49" charset="0"/>
+              </a:rPr>
+              <a:t>std</a:t>
+            </a:r>
+            <a:r>
+              <a:rPr lang="en-US" dirty="0">
+                <a:latin typeface="Consolas" panose="020B0609020204030204" pitchFamily="49" charset="0"/>
+                <a:cs typeface="Consolas" panose="020B0609020204030204" pitchFamily="49" charset="0"/>
+              </a:rPr>
+              <a:t>::</a:t>
+            </a:r>
+            <a:r>
+              <a:rPr lang="en-US" dirty="0" err="1">
+                <a:latin typeface="Consolas" panose="020B0609020204030204" pitchFamily="49" charset="0"/>
+                <a:cs typeface="Consolas" panose="020B0609020204030204" pitchFamily="49" charset="0"/>
+              </a:rPr>
+              <a:t>size_t</a:t>
+            </a:r>
+            <a:r>
+              <a:rPr lang="en-US" dirty="0">
+                <a:latin typeface="Consolas" panose="020B0609020204030204" pitchFamily="49" charset="0"/>
+                <a:cs typeface="Consolas" panose="020B0609020204030204" pitchFamily="49" charset="0"/>
+              </a:rPr>
+              <a:t> t = 0; t </a:t>
+            </a:r>
+            <a:r>
+              <a:rPr lang="en-US" dirty="0" smtClean="0">
+                <a:latin typeface="Consolas" panose="020B0609020204030204" pitchFamily="49" charset="0"/>
+                <a:cs typeface="Consolas" panose="020B0609020204030204" pitchFamily="49" charset="0"/>
+              </a:rPr>
+              <a:t>!= </a:t>
+            </a:r>
+            <a:r>
+              <a:rPr lang="en-US" dirty="0">
+                <a:latin typeface="Consolas" panose="020B0609020204030204" pitchFamily="49" charset="0"/>
+                <a:cs typeface="Consolas" panose="020B0609020204030204" pitchFamily="49" charset="0"/>
+              </a:rPr>
+              <a:t>steps; ++t)</a:t>
+            </a:r>
+          </a:p>
+          <a:p>
+            <a:pPr marL="274320" lvl="1" indent="0">
+              <a:buNone/>
+            </a:pPr>
+            <a:r>
+              <a:rPr lang="en-US" dirty="0" smtClean="0">
+                <a:latin typeface="Consolas" panose="020B0609020204030204" pitchFamily="49" charset="0"/>
+                <a:cs typeface="Consolas" panose="020B0609020204030204" pitchFamily="49" charset="0"/>
+              </a:rPr>
+              <a:t>{</a:t>
+            </a:r>
+          </a:p>
+          <a:p>
+            <a:pPr marL="274320" lvl="1" indent="0">
+              <a:buNone/>
+            </a:pPr>
+            <a:r>
+              <a:rPr lang="en-US" dirty="0">
+                <a:latin typeface="Consolas" panose="020B0609020204030204" pitchFamily="49" charset="0"/>
+                <a:cs typeface="Consolas" panose="020B0609020204030204" pitchFamily="49" charset="0"/>
+              </a:rPr>
+              <a:t> </a:t>
+            </a:r>
+            <a:r>
+              <a:rPr lang="en-US" dirty="0" smtClean="0">
+                <a:latin typeface="Consolas" panose="020B0609020204030204" pitchFamily="49" charset="0"/>
+                <a:cs typeface="Consolas" panose="020B0609020204030204" pitchFamily="49" charset="0"/>
+              </a:rPr>
+              <a:t>   </a:t>
+            </a:r>
+            <a:r>
+              <a:rPr lang="en-US" dirty="0" err="1" smtClean="0">
+                <a:latin typeface="Consolas" panose="020B0609020204030204" pitchFamily="49" charset="0"/>
+                <a:cs typeface="Consolas" panose="020B0609020204030204" pitchFamily="49" charset="0"/>
+              </a:rPr>
+              <a:t>handle_receive_boundaries</a:t>
+            </a:r>
+            <a:r>
+              <a:rPr lang="en-US" dirty="0" smtClean="0">
+                <a:latin typeface="Consolas" panose="020B0609020204030204" pitchFamily="49" charset="0"/>
+                <a:cs typeface="Consolas" panose="020B0609020204030204" pitchFamily="49" charset="0"/>
+              </a:rPr>
+              <a:t>(t, rank);</a:t>
+            </a:r>
+          </a:p>
+          <a:p>
+            <a:pPr marL="280988" lvl="2" indent="0">
               <a:spcBef>
                 <a:spcPts val="600"/>
               </a:spcBef>
               <a:buNone/>
             </a:pPr>
             <a:r>
-              <a:rPr lang="en-US" dirty="0">
-                <a:latin typeface="Consolas" panose="020B0609020204030204" pitchFamily="49" charset="0"/>
-              </a:rPr>
-              <a:t>void sum(</a:t>
-            </a:r>
-            <a:r>
-              <a:rPr lang="en-US" dirty="0" err="1">
-                <a:latin typeface="Consolas" panose="020B0609020204030204" pitchFamily="49" charset="0"/>
-              </a:rPr>
-              <a:t>std</a:t>
-            </a:r>
-            <a:r>
-              <a:rPr lang="en-US" dirty="0">
-                <a:latin typeface="Consolas" panose="020B0609020204030204" pitchFamily="49" charset="0"/>
-              </a:rPr>
-              <a:t>::vector&lt;</a:t>
-            </a:r>
-            <a:r>
-              <a:rPr lang="en-US" dirty="0" err="1">
-                <a:latin typeface="Consolas" panose="020B0609020204030204" pitchFamily="49" charset="0"/>
-              </a:rPr>
-              <a:t>int</a:t>
-            </a:r>
-            <a:r>
-              <a:rPr lang="en-US" dirty="0">
-                <a:latin typeface="Consolas" panose="020B0609020204030204" pitchFamily="49" charset="0"/>
-              </a:rPr>
-              <a:t>&gt; </a:t>
-            </a:r>
-            <a:r>
-              <a:rPr lang="en-US" dirty="0" err="1">
-                <a:latin typeface="Consolas" panose="020B0609020204030204" pitchFamily="49" charset="0"/>
-              </a:rPr>
-              <a:t>const</a:t>
-            </a:r>
-            <a:r>
-              <a:rPr lang="en-US" dirty="0">
-                <a:latin typeface="Consolas" panose="020B0609020204030204" pitchFamily="49" charset="0"/>
-              </a:rPr>
-              <a:t>&amp; s, </a:t>
-            </a:r>
-            <a:r>
-              <a:rPr lang="en-US" dirty="0" err="1">
-                <a:latin typeface="Consolas" panose="020B0609020204030204" pitchFamily="49" charset="0"/>
+              <a:rPr lang="en-US" sz="1800" dirty="0">
+                <a:latin typeface="Consolas" panose="020B0609020204030204" pitchFamily="49" charset="0"/>
+                <a:cs typeface="Consolas" panose="020B0609020204030204" pitchFamily="49" charset="0"/>
+              </a:rPr>
+              <a:t> </a:t>
+            </a:r>
+            <a:r>
+              <a:rPr lang="en-US" sz="1800" dirty="0">
+                <a:latin typeface="Consolas" panose="020B0609020204030204" pitchFamily="49" charset="0"/>
+                <a:cs typeface="Consolas" panose="020B0609020204030204" pitchFamily="49" charset="0"/>
+              </a:rPr>
+              <a:t> </a:t>
+            </a:r>
+            <a:r>
+              <a:rPr lang="en-US" sz="1800" dirty="0" smtClean="0">
+                <a:latin typeface="Consolas" panose="020B0609020204030204" pitchFamily="49" charset="0"/>
+                <a:cs typeface="Consolas" panose="020B0609020204030204" pitchFamily="49" charset="0"/>
+              </a:rPr>
+              <a:t>  </a:t>
+            </a:r>
+            <a:r>
+              <a:rPr lang="en-US" sz="1800" dirty="0" err="1" smtClean="0">
+                <a:latin typeface="Consolas" panose="020B0609020204030204" pitchFamily="49" charset="0"/>
+                <a:cs typeface="Consolas" panose="020B0609020204030204" pitchFamily="49" charset="0"/>
               </a:rPr>
               <a:t>hpx</a:t>
             </a:r>
             <a:r>
-              <a:rPr lang="en-US" dirty="0">
-                <a:latin typeface="Consolas" panose="020B0609020204030204" pitchFamily="49" charset="0"/>
-              </a:rPr>
-              <a:t>::</a:t>
-            </a:r>
-            <a:r>
-              <a:rPr lang="en-US" dirty="0" err="1">
-                <a:latin typeface="Consolas" panose="020B0609020204030204" pitchFamily="49" charset="0"/>
-              </a:rPr>
-              <a:t>lcos</a:t>
-            </a:r>
-            <a:r>
-              <a:rPr lang="en-US" dirty="0">
-                <a:latin typeface="Consolas" panose="020B0609020204030204" pitchFamily="49" charset="0"/>
-              </a:rPr>
-              <a:t>::local::channel&lt;</a:t>
-            </a:r>
-            <a:r>
-              <a:rPr lang="en-US" dirty="0" err="1">
-                <a:latin typeface="Consolas" panose="020B0609020204030204" pitchFamily="49" charset="0"/>
-              </a:rPr>
-              <a:t>int</a:t>
-            </a:r>
-            <a:r>
-              <a:rPr lang="en-US" dirty="0">
-                <a:latin typeface="Consolas" panose="020B0609020204030204" pitchFamily="49" charset="0"/>
-              </a:rPr>
-              <a:t>&gt; c)</a:t>
-            </a:r>
-          </a:p>
-          <a:p>
-            <a:pPr marL="274320" lvl="1" indent="0">
+              <a:rPr lang="en-US" sz="1800" dirty="0">
+                <a:latin typeface="Consolas" panose="020B0609020204030204" pitchFamily="49" charset="0"/>
+                <a:cs typeface="Consolas" panose="020B0609020204030204" pitchFamily="49" charset="0"/>
+              </a:rPr>
+              <a:t>::parallel::</a:t>
+            </a:r>
+            <a:r>
+              <a:rPr lang="en-US" sz="1800" dirty="0" err="1">
+                <a:latin typeface="Consolas" panose="020B0609020204030204" pitchFamily="49" charset="0"/>
+                <a:cs typeface="Consolas" panose="020B0609020204030204" pitchFamily="49" charset="0"/>
+              </a:rPr>
+              <a:t>for_loop</a:t>
+            </a:r>
+            <a:r>
+              <a:rPr lang="en-US" sz="1800" dirty="0">
+                <a:latin typeface="Consolas" panose="020B0609020204030204" pitchFamily="49" charset="0"/>
+                <a:cs typeface="Consolas" panose="020B0609020204030204" pitchFamily="49" charset="0"/>
+              </a:rPr>
+              <a:t>(policy, </a:t>
+            </a:r>
+            <a:r>
+              <a:rPr lang="en-US" sz="1800" dirty="0" err="1">
+                <a:latin typeface="Consolas" panose="020B0609020204030204" pitchFamily="49" charset="0"/>
+                <a:cs typeface="Consolas" panose="020B0609020204030204" pitchFamily="49" charset="0"/>
+              </a:rPr>
+              <a:t>curr</a:t>
+            </a:r>
+            <a:r>
+              <a:rPr lang="en-US" sz="1800" dirty="0">
+                <a:latin typeface="Consolas" panose="020B0609020204030204" pitchFamily="49" charset="0"/>
+                <a:cs typeface="Consolas" panose="020B0609020204030204" pitchFamily="49" charset="0"/>
+              </a:rPr>
+              <a:t> </a:t>
+            </a:r>
+            <a:r>
+              <a:rPr lang="en-US" sz="1800" dirty="0">
+                <a:latin typeface="Consolas" panose="020B0609020204030204" pitchFamily="49" charset="0"/>
+                <a:cs typeface="Consolas" panose="020B0609020204030204" pitchFamily="49" charset="0"/>
+              </a:rPr>
+              <a:t>+ 1, </a:t>
+            </a:r>
+            <a:r>
+              <a:rPr lang="en-US" sz="1800" dirty="0" err="1">
+                <a:latin typeface="Consolas" panose="020B0609020204030204" pitchFamily="49" charset="0"/>
+                <a:cs typeface="Consolas" panose="020B0609020204030204" pitchFamily="49" charset="0"/>
+              </a:rPr>
+              <a:t>curr</a:t>
+            </a:r>
+            <a:r>
+              <a:rPr lang="en-US" sz="1800" dirty="0">
+                <a:latin typeface="Consolas" panose="020B0609020204030204" pitchFamily="49" charset="0"/>
+                <a:cs typeface="Consolas" panose="020B0609020204030204" pitchFamily="49" charset="0"/>
+              </a:rPr>
+              <a:t> + Ny-1,  </a:t>
+            </a:r>
+            <a:r>
+              <a:rPr lang="en-US" sz="1800" dirty="0">
+                <a:latin typeface="Consolas" panose="020B0609020204030204" pitchFamily="49" charset="0"/>
+                <a:cs typeface="Consolas" panose="020B0609020204030204" pitchFamily="49" charset="0"/>
+              </a:rPr>
+              <a:t>   </a:t>
+            </a:r>
+            <a:r>
+              <a:rPr lang="en-US" sz="1800" dirty="0">
+                <a:latin typeface="Consolas" panose="020B0609020204030204" pitchFamily="49" charset="0"/>
+                <a:cs typeface="Consolas" panose="020B0609020204030204" pitchFamily="49" charset="0"/>
+              </a:rPr>
+              <a:t>// [begin, end)</a:t>
+            </a:r>
+          </a:p>
+          <a:p>
+            <a:pPr marL="280988" lvl="2" indent="0">
               <a:spcBef>
                 <a:spcPts val="600"/>
               </a:spcBef>
               <a:buNone/>
             </a:pPr>
             <a:r>
-              <a:rPr lang="en-US" dirty="0">
-                <a:latin typeface="Consolas" panose="020B0609020204030204" pitchFamily="49" charset="0"/>
-              </a:rPr>
-              <a:t>{</a:t>
-            </a:r>
-          </a:p>
-          <a:p>
-            <a:pPr marL="274320" lvl="1" indent="0">
+              <a:rPr lang="en-US" sz="1800" dirty="0" smtClean="0">
+                <a:latin typeface="Consolas" panose="020B0609020204030204" pitchFamily="49" charset="0"/>
+                <a:cs typeface="Consolas" panose="020B0609020204030204" pitchFamily="49" charset="0"/>
+              </a:rPr>
+              <a:t>        </a:t>
+            </a:r>
+            <a:r>
+              <a:rPr lang="en-US" sz="1800" dirty="0" err="1" smtClean="0">
+                <a:latin typeface="Consolas" panose="020B0609020204030204" pitchFamily="49" charset="0"/>
+                <a:cs typeface="Consolas" panose="020B0609020204030204" pitchFamily="49" charset="0"/>
+              </a:rPr>
+              <a:t>hpx</a:t>
+            </a:r>
+            <a:r>
+              <a:rPr lang="en-US" sz="1800" dirty="0">
+                <a:latin typeface="Consolas" panose="020B0609020204030204" pitchFamily="49" charset="0"/>
+                <a:cs typeface="Consolas" panose="020B0609020204030204" pitchFamily="49" charset="0"/>
+              </a:rPr>
+              <a:t>::parallel::induction(</a:t>
+            </a:r>
+            <a:r>
+              <a:rPr lang="en-US" sz="1800" dirty="0" err="1">
+                <a:latin typeface="Consolas" panose="020B0609020204030204" pitchFamily="49" charset="0"/>
+                <a:cs typeface="Consolas" panose="020B0609020204030204" pitchFamily="49" charset="0"/>
+              </a:rPr>
+              <a:t>next.middle</a:t>
+            </a:r>
+            <a:r>
+              <a:rPr lang="en-US" sz="1800" dirty="0">
+                <a:latin typeface="Consolas" panose="020B0609020204030204" pitchFamily="49" charset="0"/>
+                <a:cs typeface="Consolas" panose="020B0609020204030204" pitchFamily="49" charset="0"/>
+              </a:rPr>
+              <a:t> + </a:t>
+            </a:r>
+            <a:r>
+              <a:rPr lang="en-US" sz="1800" dirty="0" err="1">
+                <a:latin typeface="Consolas" panose="020B0609020204030204" pitchFamily="49" charset="0"/>
+                <a:cs typeface="Consolas" panose="020B0609020204030204" pitchFamily="49" charset="0"/>
+              </a:rPr>
+              <a:t>Nx</a:t>
+            </a:r>
+            <a:r>
+              <a:rPr lang="en-US" sz="1800" dirty="0">
+                <a:latin typeface="Consolas" panose="020B0609020204030204" pitchFamily="49" charset="0"/>
+                <a:cs typeface="Consolas" panose="020B0609020204030204" pitchFamily="49" charset="0"/>
+              </a:rPr>
+              <a:t>, </a:t>
+            </a:r>
+            <a:r>
+              <a:rPr lang="en-US" sz="1800" dirty="0" err="1">
+                <a:latin typeface="Consolas" panose="020B0609020204030204" pitchFamily="49" charset="0"/>
+                <a:cs typeface="Consolas" panose="020B0609020204030204" pitchFamily="49" charset="0"/>
+              </a:rPr>
+              <a:t>Nx</a:t>
+            </a:r>
+            <a:r>
+              <a:rPr lang="en-US" sz="1800" dirty="0">
+                <a:latin typeface="Consolas" panose="020B0609020204030204" pitchFamily="49" charset="0"/>
+                <a:cs typeface="Consolas" panose="020B0609020204030204" pitchFamily="49" charset="0"/>
+              </a:rPr>
+              <a:t>),    </a:t>
+            </a:r>
+            <a:r>
+              <a:rPr lang="en-US" sz="1800" dirty="0" smtClean="0">
+                <a:latin typeface="Consolas" panose="020B0609020204030204" pitchFamily="49" charset="0"/>
+                <a:cs typeface="Consolas" panose="020B0609020204030204" pitchFamily="49" charset="0"/>
+              </a:rPr>
+              <a:t>    // </a:t>
+            </a:r>
+            <a:r>
+              <a:rPr lang="en-US" sz="1800" dirty="0">
+                <a:latin typeface="Consolas" panose="020B0609020204030204" pitchFamily="49" charset="0"/>
+                <a:cs typeface="Consolas" panose="020B0609020204030204" pitchFamily="49" charset="0"/>
+              </a:rPr>
+              <a:t>[start, stride]</a:t>
+            </a:r>
+          </a:p>
+          <a:p>
+            <a:pPr marL="280988" lvl="2" indent="0">
               <a:spcBef>
                 <a:spcPts val="600"/>
               </a:spcBef>
               <a:buNone/>
             </a:pPr>
             <a:r>
-              <a:rPr lang="en-US" dirty="0">
-                <a:latin typeface="Consolas" panose="020B0609020204030204" pitchFamily="49" charset="0"/>
-              </a:rPr>
-              <a:t>    </a:t>
-            </a:r>
-            <a:r>
-              <a:rPr lang="en-US" dirty="0" err="1">
-                <a:latin typeface="Consolas" panose="020B0609020204030204" pitchFamily="49" charset="0"/>
-              </a:rPr>
-              <a:t>c.set</a:t>
-            </a:r>
-            <a:r>
-              <a:rPr lang="en-US" dirty="0">
-                <a:latin typeface="Consolas" panose="020B0609020204030204" pitchFamily="49" charset="0"/>
-              </a:rPr>
-              <a:t>(</a:t>
-            </a:r>
-            <a:r>
-              <a:rPr lang="en-US" dirty="0" err="1">
-                <a:latin typeface="Consolas" panose="020B0609020204030204" pitchFamily="49" charset="0"/>
+              <a:rPr lang="en-US" sz="1800" dirty="0">
+                <a:latin typeface="Consolas" panose="020B0609020204030204" pitchFamily="49" charset="0"/>
+                <a:cs typeface="Consolas" panose="020B0609020204030204" pitchFamily="49" charset="0"/>
+              </a:rPr>
+              <a:t>      </a:t>
+            </a:r>
+            <a:r>
+              <a:rPr lang="en-US" sz="1800" dirty="0" smtClean="0">
+                <a:latin typeface="Consolas" panose="020B0609020204030204" pitchFamily="49" charset="0"/>
+                <a:cs typeface="Consolas" panose="020B0609020204030204" pitchFamily="49" charset="0"/>
+              </a:rPr>
+              <a:t>  [</a:t>
+            </a:r>
+            <a:r>
+              <a:rPr lang="en-US" sz="1800" dirty="0" err="1">
+                <a:latin typeface="Consolas" panose="020B0609020204030204" pitchFamily="49" charset="0"/>
+                <a:cs typeface="Consolas" panose="020B0609020204030204" pitchFamily="49" charset="0"/>
+              </a:rPr>
+              <a:t>Nx</a:t>
+            </a:r>
+            <a:r>
+              <a:rPr lang="en-US" sz="1800" dirty="0">
+                <a:latin typeface="Consolas" panose="020B0609020204030204" pitchFamily="49" charset="0"/>
+                <a:cs typeface="Consolas" panose="020B0609020204030204" pitchFamily="49" charset="0"/>
+              </a:rPr>
+              <a:t>](iterator it, </a:t>
+            </a:r>
+            <a:r>
+              <a:rPr lang="en-US" sz="1800" dirty="0" err="1">
+                <a:latin typeface="Consolas" panose="020B0609020204030204" pitchFamily="49" charset="0"/>
+                <a:cs typeface="Consolas" panose="020B0609020204030204" pitchFamily="49" charset="0"/>
               </a:rPr>
               <a:t>std</a:t>
             </a:r>
             <a:r>
-              <a:rPr lang="en-US" dirty="0">
-                <a:latin typeface="Consolas" panose="020B0609020204030204" pitchFamily="49" charset="0"/>
-              </a:rPr>
-              <a:t>::accumulate(</a:t>
-            </a:r>
-            <a:r>
-              <a:rPr lang="en-US" dirty="0" err="1">
-                <a:latin typeface="Consolas" panose="020B0609020204030204" pitchFamily="49" charset="0"/>
-              </a:rPr>
-              <a:t>s.begin</a:t>
-            </a:r>
-            <a:r>
-              <a:rPr lang="en-US" dirty="0">
-                <a:latin typeface="Consolas" panose="020B0609020204030204" pitchFamily="49" charset="0"/>
-              </a:rPr>
-              <a:t>(), </a:t>
-            </a:r>
-            <a:r>
-              <a:rPr lang="en-US" dirty="0" err="1">
-                <a:latin typeface="Consolas" panose="020B0609020204030204" pitchFamily="49" charset="0"/>
-              </a:rPr>
-              <a:t>s.end</a:t>
-            </a:r>
-            <a:r>
-              <a:rPr lang="en-US" dirty="0">
-                <a:latin typeface="Consolas" panose="020B0609020204030204" pitchFamily="49" charset="0"/>
-              </a:rPr>
-              <a:t>(), 0));      // send sum to channel</a:t>
-            </a:r>
-          </a:p>
-          <a:p>
-            <a:pPr marL="274320" lvl="1" indent="0">
+              <a:rPr lang="en-US" sz="1800" dirty="0">
+                <a:latin typeface="Consolas" panose="020B0609020204030204" pitchFamily="49" charset="0"/>
+                <a:cs typeface="Consolas" panose="020B0609020204030204" pitchFamily="49" charset="0"/>
+              </a:rPr>
+              <a:t>::vector&lt;double&gt;::iterator result)</a:t>
+            </a:r>
+          </a:p>
+          <a:p>
+            <a:pPr marL="280988" lvl="2" indent="0">
               <a:spcBef>
                 <a:spcPts val="600"/>
               </a:spcBef>
               <a:buNone/>
             </a:pPr>
             <a:r>
-              <a:rPr lang="en-US" dirty="0">
-                <a:latin typeface="Consolas" panose="020B0609020204030204" pitchFamily="49" charset="0"/>
-              </a:rPr>
-              <a:t>}</a:t>
-            </a:r>
-          </a:p>
-          <a:p>
-            <a:pPr marL="274320" lvl="1" indent="0">
+              <a:rPr lang="en-US" sz="1800" dirty="0">
+                <a:latin typeface="Consolas" panose="020B0609020204030204" pitchFamily="49" charset="0"/>
+                <a:cs typeface="Consolas" panose="020B0609020204030204" pitchFamily="49" charset="0"/>
+              </a:rPr>
+              <a:t>      </a:t>
+            </a:r>
+            <a:r>
+              <a:rPr lang="en-US" sz="1800" dirty="0" smtClean="0">
+                <a:latin typeface="Consolas" panose="020B0609020204030204" pitchFamily="49" charset="0"/>
+                <a:cs typeface="Consolas" panose="020B0609020204030204" pitchFamily="49" charset="0"/>
+              </a:rPr>
+              <a:t>  {</a:t>
+            </a:r>
+            <a:endParaRPr lang="en-US" sz="1800" dirty="0">
+              <a:latin typeface="Consolas" panose="020B0609020204030204" pitchFamily="49" charset="0"/>
+              <a:cs typeface="Consolas" panose="020B0609020204030204" pitchFamily="49" charset="0"/>
+            </a:endParaRPr>
+          </a:p>
+          <a:p>
+            <a:pPr marL="280988" lvl="2" indent="0">
               <a:spcBef>
                 <a:spcPts val="600"/>
               </a:spcBef>
               <a:buNone/>
             </a:pPr>
-            <a:endParaRPr lang="en-US" dirty="0">
-              <a:latin typeface="Consolas" panose="020B0609020204030204" pitchFamily="49" charset="0"/>
-            </a:endParaRPr>
-          </a:p>
-          <a:p>
-            <a:pPr marL="274320" lvl="1" indent="0">
+            <a:r>
+              <a:rPr lang="en-US" sz="1800" dirty="0" smtClean="0">
+                <a:latin typeface="Consolas" panose="020B0609020204030204" pitchFamily="49" charset="0"/>
+                <a:cs typeface="Consolas" panose="020B0609020204030204" pitchFamily="49" charset="0"/>
+              </a:rPr>
+              <a:t>            </a:t>
+            </a:r>
+            <a:r>
+              <a:rPr lang="en-US" sz="1800" dirty="0" err="1">
+                <a:latin typeface="Consolas" panose="020B0609020204030204" pitchFamily="49" charset="0"/>
+                <a:cs typeface="Consolas" panose="020B0609020204030204" pitchFamily="49" charset="0"/>
+              </a:rPr>
+              <a:t>line_update</a:t>
+            </a:r>
+            <a:r>
+              <a:rPr lang="en-US" sz="1800" dirty="0">
+                <a:latin typeface="Consolas" panose="020B0609020204030204" pitchFamily="49" charset="0"/>
+                <a:cs typeface="Consolas" panose="020B0609020204030204" pitchFamily="49" charset="0"/>
+              </a:rPr>
+              <a:t>(*it, *it + </a:t>
+            </a:r>
+            <a:r>
+              <a:rPr lang="en-US" sz="1800" dirty="0" err="1">
+                <a:latin typeface="Consolas" panose="020B0609020204030204" pitchFamily="49" charset="0"/>
+                <a:cs typeface="Consolas" panose="020B0609020204030204" pitchFamily="49" charset="0"/>
+              </a:rPr>
+              <a:t>Nx</a:t>
+            </a:r>
+            <a:r>
+              <a:rPr lang="en-US" sz="1800" dirty="0">
+                <a:latin typeface="Consolas" panose="020B0609020204030204" pitchFamily="49" charset="0"/>
+                <a:cs typeface="Consolas" panose="020B0609020204030204" pitchFamily="49" charset="0"/>
+              </a:rPr>
+              <a:t>, result);</a:t>
+            </a:r>
+          </a:p>
+          <a:p>
+            <a:pPr marL="280988" lvl="2" indent="0">
               <a:spcBef>
                 <a:spcPts val="600"/>
               </a:spcBef>
               <a:buNone/>
             </a:pPr>
             <a:r>
-              <a:rPr lang="en-US" dirty="0">
-                <a:latin typeface="Consolas" panose="020B0609020204030204" pitchFamily="49" charset="0"/>
-              </a:rPr>
-              <a:t>void </a:t>
-            </a:r>
-            <a:r>
-              <a:rPr lang="en-US" dirty="0" err="1">
-                <a:latin typeface="Consolas" panose="020B0609020204030204" pitchFamily="49" charset="0"/>
-              </a:rPr>
-              <a:t>calculate_sum</a:t>
-            </a:r>
-            <a:r>
-              <a:rPr lang="en-US" dirty="0">
-                <a:latin typeface="Consolas" panose="020B0609020204030204" pitchFamily="49" charset="0"/>
-              </a:rPr>
-              <a:t>()</a:t>
-            </a:r>
-          </a:p>
-          <a:p>
-            <a:pPr marL="274320" lvl="1" indent="0">
+              <a:rPr lang="en-US" sz="1800" dirty="0" smtClean="0">
+                <a:latin typeface="Consolas" panose="020B0609020204030204" pitchFamily="49" charset="0"/>
+                <a:cs typeface="Consolas" panose="020B0609020204030204" pitchFamily="49" charset="0"/>
+              </a:rPr>
+              <a:t>        });</a:t>
+            </a:r>
+            <a:endParaRPr lang="en-US" sz="1800" dirty="0">
+              <a:latin typeface="Consolas" panose="020B0609020204030204" pitchFamily="49" charset="0"/>
+              <a:cs typeface="Consolas" panose="020B0609020204030204" pitchFamily="49" charset="0"/>
+            </a:endParaRPr>
+          </a:p>
+          <a:p>
+            <a:pPr marL="280988" lvl="2" indent="0">
               <a:spcBef>
                 <a:spcPts val="600"/>
               </a:spcBef>
               <a:buNone/>
             </a:pPr>
             <a:r>
-              <a:rPr lang="en-US" dirty="0">
-                <a:latin typeface="Consolas" panose="020B0609020204030204" pitchFamily="49" charset="0"/>
-              </a:rPr>
-              <a:t>{</a:t>
-            </a:r>
-          </a:p>
-          <a:p>
-            <a:pPr marL="274320" lvl="1" indent="0">
+              <a:rPr lang="en-US" sz="1800" dirty="0" smtClean="0">
+                <a:latin typeface="Consolas" panose="020B0609020204030204" pitchFamily="49" charset="0"/>
+                <a:cs typeface="Consolas" panose="020B0609020204030204" pitchFamily="49" charset="0"/>
+              </a:rPr>
+              <a:t>    </a:t>
+            </a:r>
+            <a:r>
+              <a:rPr lang="en-US" sz="1800" dirty="0" err="1" smtClean="0">
+                <a:latin typeface="Consolas" panose="020B0609020204030204" pitchFamily="49" charset="0"/>
+                <a:cs typeface="Consolas" panose="020B0609020204030204" pitchFamily="49" charset="0"/>
+              </a:rPr>
+              <a:t>handle_send_boundaries</a:t>
+            </a:r>
+            <a:r>
+              <a:rPr lang="en-US" sz="1800" dirty="0" smtClean="0">
+                <a:latin typeface="Consolas" panose="020B0609020204030204" pitchFamily="49" charset="0"/>
+                <a:cs typeface="Consolas" panose="020B0609020204030204" pitchFamily="49" charset="0"/>
+              </a:rPr>
+              <a:t>(t, rank);</a:t>
+            </a:r>
+          </a:p>
+          <a:p>
+            <a:pPr marL="280988" lvl="2" indent="0">
               <a:spcBef>
                 <a:spcPts val="600"/>
               </a:spcBef>
               <a:buNone/>
             </a:pPr>
             <a:r>
-              <a:rPr lang="en-US" dirty="0">
-                <a:latin typeface="Consolas" panose="020B0609020204030204" pitchFamily="49" charset="0"/>
+              <a:rPr lang="en-US" sz="1800" dirty="0" smtClean="0">
+                <a:latin typeface="Consolas" panose="020B0609020204030204" pitchFamily="49" charset="0"/>
+                <a:cs typeface="Consolas" panose="020B0609020204030204" pitchFamily="49" charset="0"/>
               </a:rPr>
               <a:t>    </a:t>
             </a:r>
             <a:r>
-              <a:rPr lang="en-US" dirty="0" err="1">
-                <a:latin typeface="Consolas" panose="020B0609020204030204" pitchFamily="49" charset="0"/>
+              <a:rPr lang="en-US" sz="1800" dirty="0" err="1" smtClean="0">
+                <a:latin typeface="Consolas" panose="020B0609020204030204" pitchFamily="49" charset="0"/>
+                <a:cs typeface="Consolas" panose="020B0609020204030204" pitchFamily="49" charset="0"/>
               </a:rPr>
               <a:t>std</a:t>
             </a:r>
             <a:r>
-              <a:rPr lang="en-US" dirty="0">
-                <a:latin typeface="Consolas" panose="020B0609020204030204" pitchFamily="49" charset="0"/>
-              </a:rPr>
-              <a:t>::vector&lt;</a:t>
-            </a:r>
-            <a:r>
-              <a:rPr lang="en-US" dirty="0" err="1">
-                <a:latin typeface="Consolas" panose="020B0609020204030204" pitchFamily="49" charset="0"/>
-              </a:rPr>
-              <a:t>int</a:t>
-            </a:r>
-            <a:r>
-              <a:rPr lang="en-US" dirty="0">
-                <a:latin typeface="Consolas" panose="020B0609020204030204" pitchFamily="49" charset="0"/>
-              </a:rPr>
-              <a:t>&gt; s = { 7, 2, 8, -9, 4, 0 };</a:t>
-            </a:r>
+              <a:rPr lang="en-US" sz="1800" dirty="0">
+                <a:latin typeface="Consolas" panose="020B0609020204030204" pitchFamily="49" charset="0"/>
+                <a:cs typeface="Consolas" panose="020B0609020204030204" pitchFamily="49" charset="0"/>
+              </a:rPr>
+              <a:t>::swap(</a:t>
+            </a:r>
+            <a:r>
+              <a:rPr lang="en-US" sz="1800" dirty="0" err="1">
+                <a:latin typeface="Consolas" panose="020B0609020204030204" pitchFamily="49" charset="0"/>
+                <a:cs typeface="Consolas" panose="020B0609020204030204" pitchFamily="49" charset="0"/>
+              </a:rPr>
+              <a:t>curr</a:t>
+            </a:r>
+            <a:r>
+              <a:rPr lang="en-US" sz="1800" dirty="0">
+                <a:latin typeface="Consolas" panose="020B0609020204030204" pitchFamily="49" charset="0"/>
+                <a:cs typeface="Consolas" panose="020B0609020204030204" pitchFamily="49" charset="0"/>
+              </a:rPr>
+              <a:t>, next);</a:t>
+            </a:r>
+            <a:endParaRPr lang="en-US" sz="1800" dirty="0">
+              <a:latin typeface="Consolas" panose="020B0609020204030204" pitchFamily="49" charset="0"/>
+              <a:cs typeface="Consolas" panose="020B0609020204030204" pitchFamily="49" charset="0"/>
+            </a:endParaRPr>
           </a:p>
           <a:p>
             <a:pPr marL="274320" lvl="1" indent="0">
-              <a:spcBef>
-                <a:spcPts val="600"/>
-              </a:spcBef>
               <a:buNone/>
             </a:pPr>
             <a:r>
-              <a:rPr lang="en-US" dirty="0">
-                <a:latin typeface="Consolas" panose="020B0609020204030204" pitchFamily="49" charset="0"/>
-              </a:rPr>
-              <a:t>    </a:t>
-            </a:r>
-            <a:r>
-              <a:rPr lang="en-US" dirty="0" err="1">
-                <a:latin typeface="Consolas" panose="020B0609020204030204" pitchFamily="49" charset="0"/>
-              </a:rPr>
-              <a:t>hpx</a:t>
-            </a:r>
-            <a:r>
-              <a:rPr lang="en-US" dirty="0">
-                <a:latin typeface="Consolas" panose="020B0609020204030204" pitchFamily="49" charset="0"/>
-              </a:rPr>
-              <a:t>::</a:t>
-            </a:r>
-            <a:r>
-              <a:rPr lang="en-US" dirty="0" err="1">
-                <a:latin typeface="Consolas" panose="020B0609020204030204" pitchFamily="49" charset="0"/>
-              </a:rPr>
-              <a:t>lcos</a:t>
-            </a:r>
-            <a:r>
-              <a:rPr lang="en-US" dirty="0">
-                <a:latin typeface="Consolas" panose="020B0609020204030204" pitchFamily="49" charset="0"/>
-              </a:rPr>
-              <a:t>::local::channel&lt;</a:t>
-            </a:r>
-            <a:r>
-              <a:rPr lang="en-US" dirty="0" err="1">
-                <a:latin typeface="Consolas" panose="020B0609020204030204" pitchFamily="49" charset="0"/>
-              </a:rPr>
-              <a:t>int</a:t>
-            </a:r>
-            <a:r>
-              <a:rPr lang="en-US" dirty="0">
-                <a:latin typeface="Consolas" panose="020B0609020204030204" pitchFamily="49" charset="0"/>
-              </a:rPr>
-              <a:t>&gt; c;</a:t>
+              <a:rPr lang="en-US" dirty="0" smtClean="0">
+                <a:latin typeface="Consolas" panose="020B0609020204030204" pitchFamily="49" charset="0"/>
+                <a:cs typeface="Consolas" panose="020B0609020204030204" pitchFamily="49" charset="0"/>
+              </a:rPr>
+              <a:t>}</a:t>
             </a:r>
           </a:p>
           <a:p>
             <a:pPr marL="274320" lvl="1" indent="0">
-              <a:spcBef>
-                <a:spcPts val="600"/>
-              </a:spcBef>
               <a:buNone/>
             </a:pPr>
             <a:endParaRPr lang="en-US" dirty="0">
               <a:latin typeface="Consolas" panose="020B0609020204030204" pitchFamily="49" charset="0"/>
-            </a:endParaRPr>
-          </a:p>
-          <a:p>
-            <a:pPr marL="274320" lvl="1" indent="0">
-              <a:spcBef>
-                <a:spcPts val="600"/>
-              </a:spcBef>
-              <a:buNone/>
-            </a:pPr>
-            <a:r>
-              <a:rPr lang="en-US" dirty="0">
-                <a:latin typeface="Consolas" panose="020B0609020204030204" pitchFamily="49" charset="0"/>
-              </a:rPr>
-              <a:t>    </a:t>
-            </a:r>
-            <a:r>
-              <a:rPr lang="en-US" dirty="0" err="1">
-                <a:latin typeface="Consolas" panose="020B0609020204030204" pitchFamily="49" charset="0"/>
-              </a:rPr>
-              <a:t>hpx</a:t>
-            </a:r>
-            <a:r>
-              <a:rPr lang="en-US" dirty="0">
-                <a:latin typeface="Consolas" panose="020B0609020204030204" pitchFamily="49" charset="0"/>
-              </a:rPr>
-              <a:t>::apply(&amp;sum, </a:t>
-            </a:r>
-            <a:r>
-              <a:rPr lang="en-US" dirty="0" err="1">
-                <a:latin typeface="Consolas" panose="020B0609020204030204" pitchFamily="49" charset="0"/>
-              </a:rPr>
-              <a:t>std</a:t>
-            </a:r>
-            <a:r>
-              <a:rPr lang="en-US" dirty="0">
-                <a:latin typeface="Consolas" panose="020B0609020204030204" pitchFamily="49" charset="0"/>
-              </a:rPr>
-              <a:t>::vector&lt;</a:t>
-            </a:r>
-            <a:r>
-              <a:rPr lang="en-US" dirty="0" err="1">
-                <a:latin typeface="Consolas" panose="020B0609020204030204" pitchFamily="49" charset="0"/>
-              </a:rPr>
-              <a:t>int</a:t>
-            </a:r>
-            <a:r>
-              <a:rPr lang="en-US" dirty="0">
-                <a:latin typeface="Consolas" panose="020B0609020204030204" pitchFamily="49" charset="0"/>
-              </a:rPr>
-              <a:t>&gt;(</a:t>
-            </a:r>
-            <a:r>
-              <a:rPr lang="en-US" dirty="0" err="1">
-                <a:latin typeface="Consolas" panose="020B0609020204030204" pitchFamily="49" charset="0"/>
-              </a:rPr>
-              <a:t>s.begin</a:t>
-            </a:r>
-            <a:r>
-              <a:rPr lang="en-US" dirty="0">
-                <a:latin typeface="Consolas" panose="020B0609020204030204" pitchFamily="49" charset="0"/>
-              </a:rPr>
-              <a:t>(), </a:t>
-            </a:r>
-            <a:r>
-              <a:rPr lang="en-US" dirty="0" err="1">
-                <a:latin typeface="Consolas" panose="020B0609020204030204" pitchFamily="49" charset="0"/>
-              </a:rPr>
-              <a:t>s.begin</a:t>
-            </a:r>
-            <a:r>
-              <a:rPr lang="en-US" dirty="0">
-                <a:latin typeface="Consolas" panose="020B0609020204030204" pitchFamily="49" charset="0"/>
-              </a:rPr>
-              <a:t>() + </a:t>
-            </a:r>
-            <a:r>
-              <a:rPr lang="en-US" dirty="0" err="1">
-                <a:latin typeface="Consolas" panose="020B0609020204030204" pitchFamily="49" charset="0"/>
-              </a:rPr>
-              <a:t>s.size</a:t>
-            </a:r>
-            <a:r>
-              <a:rPr lang="en-US" dirty="0">
-                <a:latin typeface="Consolas" panose="020B0609020204030204" pitchFamily="49" charset="0"/>
-              </a:rPr>
-              <a:t>()/2), c);</a:t>
-            </a:r>
-          </a:p>
-          <a:p>
-            <a:pPr marL="274320" lvl="1" indent="0">
-              <a:spcBef>
-                <a:spcPts val="600"/>
-              </a:spcBef>
-              <a:buNone/>
-            </a:pPr>
-            <a:r>
-              <a:rPr lang="en-US" dirty="0">
-                <a:latin typeface="Consolas" panose="020B0609020204030204" pitchFamily="49" charset="0"/>
-              </a:rPr>
-              <a:t>    </a:t>
-            </a:r>
-            <a:r>
-              <a:rPr lang="en-US" dirty="0" err="1">
-                <a:latin typeface="Consolas" panose="020B0609020204030204" pitchFamily="49" charset="0"/>
-              </a:rPr>
-              <a:t>hpx</a:t>
-            </a:r>
-            <a:r>
-              <a:rPr lang="en-US" dirty="0">
-                <a:latin typeface="Consolas" panose="020B0609020204030204" pitchFamily="49" charset="0"/>
-              </a:rPr>
-              <a:t>::apply(&amp;sum, </a:t>
-            </a:r>
-            <a:r>
-              <a:rPr lang="en-US" dirty="0" err="1">
-                <a:latin typeface="Consolas" panose="020B0609020204030204" pitchFamily="49" charset="0"/>
-              </a:rPr>
-              <a:t>std</a:t>
-            </a:r>
-            <a:r>
-              <a:rPr lang="en-US" dirty="0">
-                <a:latin typeface="Consolas" panose="020B0609020204030204" pitchFamily="49" charset="0"/>
-              </a:rPr>
-              <a:t>::vector&lt;</a:t>
-            </a:r>
-            <a:r>
-              <a:rPr lang="en-US" dirty="0" err="1">
-                <a:latin typeface="Consolas" panose="020B0609020204030204" pitchFamily="49" charset="0"/>
-              </a:rPr>
-              <a:t>int</a:t>
-            </a:r>
-            <a:r>
-              <a:rPr lang="en-US" dirty="0">
-                <a:latin typeface="Consolas" panose="020B0609020204030204" pitchFamily="49" charset="0"/>
-              </a:rPr>
-              <a:t>&gt;(</a:t>
-            </a:r>
-            <a:r>
-              <a:rPr lang="en-US" dirty="0" err="1">
-                <a:latin typeface="Consolas" panose="020B0609020204030204" pitchFamily="49" charset="0"/>
-              </a:rPr>
-              <a:t>s.begin</a:t>
-            </a:r>
-            <a:r>
-              <a:rPr lang="en-US" dirty="0">
-                <a:latin typeface="Consolas" panose="020B0609020204030204" pitchFamily="49" charset="0"/>
-              </a:rPr>
-              <a:t>() + </a:t>
-            </a:r>
-            <a:r>
-              <a:rPr lang="en-US" dirty="0" err="1">
-                <a:latin typeface="Consolas" panose="020B0609020204030204" pitchFamily="49" charset="0"/>
-              </a:rPr>
-              <a:t>s.size</a:t>
-            </a:r>
-            <a:r>
-              <a:rPr lang="en-US" dirty="0">
-                <a:latin typeface="Consolas" panose="020B0609020204030204" pitchFamily="49" charset="0"/>
-              </a:rPr>
-              <a:t>()/2, </a:t>
-            </a:r>
-            <a:r>
-              <a:rPr lang="en-US" dirty="0" err="1">
-                <a:latin typeface="Consolas" panose="020B0609020204030204" pitchFamily="49" charset="0"/>
-              </a:rPr>
-              <a:t>s.end</a:t>
-            </a:r>
-            <a:r>
-              <a:rPr lang="en-US" dirty="0">
-                <a:latin typeface="Consolas" panose="020B0609020204030204" pitchFamily="49" charset="0"/>
-              </a:rPr>
-              <a:t>()), c);</a:t>
-            </a:r>
-          </a:p>
-          <a:p>
-            <a:pPr marL="274320" lvl="1" indent="0">
-              <a:spcBef>
-                <a:spcPts val="600"/>
-              </a:spcBef>
-              <a:buNone/>
-            </a:pPr>
-            <a:endParaRPr lang="en-US" dirty="0">
-              <a:latin typeface="Consolas" panose="020B0609020204030204" pitchFamily="49" charset="0"/>
-            </a:endParaRPr>
-          </a:p>
-          <a:p>
-            <a:pPr marL="274320" lvl="1" indent="0">
-              <a:spcBef>
-                <a:spcPts val="600"/>
-              </a:spcBef>
-              <a:buNone/>
-            </a:pPr>
-            <a:r>
-              <a:rPr lang="en-US" dirty="0">
-                <a:latin typeface="Consolas" panose="020B0609020204030204" pitchFamily="49" charset="0"/>
-              </a:rPr>
-              <a:t>    </a:t>
-            </a:r>
-            <a:r>
-              <a:rPr lang="en-US" dirty="0" err="1" smtClean="0">
-                <a:solidFill>
-                  <a:schemeClr val="accent2">
-                    <a:lumMod val="75000"/>
-                  </a:schemeClr>
-                </a:solidFill>
-                <a:latin typeface="Consolas" panose="020B0609020204030204" pitchFamily="49" charset="0"/>
-              </a:rPr>
-              <a:t>hpx</a:t>
-            </a:r>
-            <a:r>
-              <a:rPr lang="en-US" dirty="0" smtClean="0">
-                <a:solidFill>
-                  <a:schemeClr val="accent2">
-                    <a:lumMod val="75000"/>
-                  </a:schemeClr>
-                </a:solidFill>
-                <a:latin typeface="Consolas" panose="020B0609020204030204" pitchFamily="49" charset="0"/>
-              </a:rPr>
-              <a:t>::future&lt;</a:t>
-            </a:r>
-            <a:r>
-              <a:rPr lang="en-US" dirty="0" err="1" smtClean="0">
-                <a:solidFill>
-                  <a:schemeClr val="accent2">
-                    <a:lumMod val="75000"/>
-                  </a:schemeClr>
-                </a:solidFill>
-                <a:latin typeface="Consolas" panose="020B0609020204030204" pitchFamily="49" charset="0"/>
-              </a:rPr>
-              <a:t>int</a:t>
-            </a:r>
-            <a:r>
-              <a:rPr lang="en-US" dirty="0" smtClean="0">
-                <a:solidFill>
-                  <a:schemeClr val="accent2">
-                    <a:lumMod val="75000"/>
-                  </a:schemeClr>
-                </a:solidFill>
-                <a:latin typeface="Consolas" panose="020B0609020204030204" pitchFamily="49" charset="0"/>
-              </a:rPr>
-              <a:t>&gt;</a:t>
-            </a:r>
-            <a:r>
-              <a:rPr lang="en-US" dirty="0" smtClean="0">
-                <a:latin typeface="Consolas" panose="020B0609020204030204" pitchFamily="49" charset="0"/>
-              </a:rPr>
-              <a:t> </a:t>
-            </a:r>
-            <a:r>
-              <a:rPr lang="en-US" dirty="0">
-                <a:latin typeface="Consolas" panose="020B0609020204030204" pitchFamily="49" charset="0"/>
-              </a:rPr>
-              <a:t>x = </a:t>
-            </a:r>
-            <a:r>
-              <a:rPr lang="en-US" dirty="0" err="1">
-                <a:latin typeface="Consolas" panose="020B0609020204030204" pitchFamily="49" charset="0"/>
-              </a:rPr>
-              <a:t>c.get</a:t>
-            </a:r>
-            <a:r>
-              <a:rPr lang="en-US" dirty="0">
-                <a:latin typeface="Consolas" panose="020B0609020204030204" pitchFamily="49" charset="0"/>
-              </a:rPr>
-              <a:t>(</a:t>
-            </a:r>
-            <a:r>
-              <a:rPr lang="en-US" dirty="0" err="1">
-                <a:solidFill>
-                  <a:schemeClr val="accent2">
-                    <a:lumMod val="75000"/>
-                  </a:schemeClr>
-                </a:solidFill>
-                <a:latin typeface="Consolas" panose="020B0609020204030204" pitchFamily="49" charset="0"/>
-              </a:rPr>
-              <a:t>hpx</a:t>
-            </a:r>
-            <a:r>
-              <a:rPr lang="en-US" dirty="0">
-                <a:solidFill>
-                  <a:schemeClr val="accent2">
-                    <a:lumMod val="75000"/>
-                  </a:schemeClr>
-                </a:solidFill>
-                <a:latin typeface="Consolas" panose="020B0609020204030204" pitchFamily="49" charset="0"/>
-              </a:rPr>
-              <a:t>::launch</a:t>
-            </a:r>
-            <a:r>
-              <a:rPr lang="en-US" dirty="0" smtClean="0">
-                <a:solidFill>
-                  <a:schemeClr val="accent2">
-                    <a:lumMod val="75000"/>
-                  </a:schemeClr>
-                </a:solidFill>
-                <a:latin typeface="Consolas" panose="020B0609020204030204" pitchFamily="49" charset="0"/>
-              </a:rPr>
-              <a:t>::</a:t>
-            </a:r>
-            <a:r>
-              <a:rPr lang="en-US" dirty="0" err="1" smtClean="0">
-                <a:solidFill>
-                  <a:schemeClr val="accent2">
-                    <a:lumMod val="75000"/>
-                  </a:schemeClr>
-                </a:solidFill>
-                <a:latin typeface="Consolas" panose="020B0609020204030204" pitchFamily="49" charset="0"/>
-              </a:rPr>
-              <a:t>async</a:t>
-            </a:r>
-            <a:r>
-              <a:rPr lang="en-US" dirty="0">
-                <a:latin typeface="Consolas" panose="020B0609020204030204" pitchFamily="49" charset="0"/>
-              </a:rPr>
-              <a:t>);    // receive from </a:t>
-            </a:r>
-            <a:r>
-              <a:rPr lang="en-US" dirty="0" smtClean="0">
-                <a:latin typeface="Consolas" panose="020B0609020204030204" pitchFamily="49" charset="0"/>
-              </a:rPr>
-              <a:t>c asynchronously</a:t>
-            </a:r>
-            <a:endParaRPr lang="en-US" dirty="0">
-              <a:latin typeface="Consolas" panose="020B0609020204030204" pitchFamily="49" charset="0"/>
-            </a:endParaRPr>
-          </a:p>
-          <a:p>
-            <a:pPr marL="274320" lvl="1" indent="0">
-              <a:spcBef>
-                <a:spcPts val="600"/>
-              </a:spcBef>
-              <a:buNone/>
-            </a:pPr>
-            <a:r>
-              <a:rPr lang="en-US" dirty="0" smtClean="0">
-                <a:latin typeface="Consolas" panose="020B0609020204030204" pitchFamily="49" charset="0"/>
-              </a:rPr>
-              <a:t>    </a:t>
-            </a:r>
-            <a:r>
-              <a:rPr lang="en-US" dirty="0" err="1">
-                <a:solidFill>
-                  <a:schemeClr val="accent2">
-                    <a:lumMod val="75000"/>
-                  </a:schemeClr>
-                </a:solidFill>
-                <a:latin typeface="Consolas" panose="020B0609020204030204" pitchFamily="49" charset="0"/>
-              </a:rPr>
-              <a:t>hpx</a:t>
-            </a:r>
-            <a:r>
-              <a:rPr lang="en-US" dirty="0">
-                <a:solidFill>
-                  <a:schemeClr val="accent2">
-                    <a:lumMod val="75000"/>
-                  </a:schemeClr>
-                </a:solidFill>
-                <a:latin typeface="Consolas" panose="020B0609020204030204" pitchFamily="49" charset="0"/>
-              </a:rPr>
-              <a:t>::future&lt;</a:t>
-            </a:r>
-            <a:r>
-              <a:rPr lang="en-US" dirty="0" err="1">
-                <a:solidFill>
-                  <a:schemeClr val="accent2">
-                    <a:lumMod val="75000"/>
-                  </a:schemeClr>
-                </a:solidFill>
-                <a:latin typeface="Consolas" panose="020B0609020204030204" pitchFamily="49" charset="0"/>
-              </a:rPr>
-              <a:t>int</a:t>
-            </a:r>
-            <a:r>
-              <a:rPr lang="en-US" dirty="0">
-                <a:solidFill>
-                  <a:schemeClr val="accent2">
-                    <a:lumMod val="75000"/>
-                  </a:schemeClr>
-                </a:solidFill>
-                <a:latin typeface="Consolas" panose="020B0609020204030204" pitchFamily="49" charset="0"/>
-              </a:rPr>
-              <a:t>&gt;</a:t>
-            </a:r>
-            <a:r>
-              <a:rPr lang="en-US" dirty="0" smtClean="0">
-                <a:latin typeface="Consolas" panose="020B0609020204030204" pitchFamily="49" charset="0"/>
-              </a:rPr>
-              <a:t> </a:t>
-            </a:r>
-            <a:r>
-              <a:rPr lang="en-US" dirty="0">
-                <a:latin typeface="Consolas" panose="020B0609020204030204" pitchFamily="49" charset="0"/>
-              </a:rPr>
-              <a:t>y = </a:t>
-            </a:r>
-            <a:r>
-              <a:rPr lang="en-US" dirty="0" err="1">
-                <a:latin typeface="Consolas" panose="020B0609020204030204" pitchFamily="49" charset="0"/>
-              </a:rPr>
-              <a:t>c.get</a:t>
-            </a:r>
-            <a:r>
-              <a:rPr lang="en-US" dirty="0">
-                <a:latin typeface="Consolas" panose="020B0609020204030204" pitchFamily="49" charset="0"/>
-              </a:rPr>
-              <a:t>(</a:t>
-            </a:r>
-            <a:r>
-              <a:rPr lang="en-US" dirty="0" err="1">
-                <a:solidFill>
-                  <a:schemeClr val="accent2">
-                    <a:lumMod val="75000"/>
-                  </a:schemeClr>
-                </a:solidFill>
-                <a:latin typeface="Consolas" panose="020B0609020204030204" pitchFamily="49" charset="0"/>
-              </a:rPr>
-              <a:t>hpx</a:t>
-            </a:r>
-            <a:r>
-              <a:rPr lang="en-US" dirty="0">
-                <a:solidFill>
-                  <a:schemeClr val="accent2">
-                    <a:lumMod val="75000"/>
-                  </a:schemeClr>
-                </a:solidFill>
-                <a:latin typeface="Consolas" panose="020B0609020204030204" pitchFamily="49" charset="0"/>
-              </a:rPr>
-              <a:t>::launch</a:t>
-            </a:r>
-            <a:r>
-              <a:rPr lang="en-US" dirty="0" smtClean="0">
-                <a:solidFill>
-                  <a:schemeClr val="accent2">
-                    <a:lumMod val="75000"/>
-                  </a:schemeClr>
-                </a:solidFill>
-                <a:latin typeface="Consolas" panose="020B0609020204030204" pitchFamily="49" charset="0"/>
-              </a:rPr>
-              <a:t>::</a:t>
-            </a:r>
-            <a:r>
-              <a:rPr lang="en-US" dirty="0" err="1" smtClean="0">
-                <a:solidFill>
-                  <a:schemeClr val="accent2">
-                    <a:lumMod val="75000"/>
-                  </a:schemeClr>
-                </a:solidFill>
-                <a:latin typeface="Consolas" panose="020B0609020204030204" pitchFamily="49" charset="0"/>
-              </a:rPr>
-              <a:t>async</a:t>
-            </a:r>
-            <a:r>
-              <a:rPr lang="en-US" dirty="0">
-                <a:latin typeface="Consolas" panose="020B0609020204030204" pitchFamily="49" charset="0"/>
-              </a:rPr>
-              <a:t>);</a:t>
-            </a:r>
-          </a:p>
-          <a:p>
-            <a:pPr marL="274320" lvl="1" indent="0">
-              <a:spcBef>
-                <a:spcPts val="600"/>
-              </a:spcBef>
-              <a:buNone/>
-            </a:pPr>
-            <a:endParaRPr lang="en-US" dirty="0">
-              <a:latin typeface="Consolas" panose="020B0609020204030204" pitchFamily="49" charset="0"/>
-            </a:endParaRPr>
-          </a:p>
-          <a:p>
-            <a:pPr marL="274320" lvl="1" indent="0">
-              <a:spcBef>
-                <a:spcPts val="600"/>
-              </a:spcBef>
-              <a:buNone/>
-            </a:pPr>
-            <a:r>
-              <a:rPr lang="fr-FR" dirty="0">
-                <a:latin typeface="Consolas" panose="020B0609020204030204" pitchFamily="49" charset="0"/>
-              </a:rPr>
-              <a:t>    </a:t>
-            </a:r>
-            <a:r>
-              <a:rPr lang="fr-FR" dirty="0" err="1">
-                <a:latin typeface="Consolas" panose="020B0609020204030204" pitchFamily="49" charset="0"/>
-              </a:rPr>
-              <a:t>hpx</a:t>
-            </a:r>
-            <a:r>
-              <a:rPr lang="fr-FR" dirty="0">
-                <a:latin typeface="Consolas" panose="020B0609020204030204" pitchFamily="49" charset="0"/>
-              </a:rPr>
-              <a:t>::cout &lt;&lt; "</a:t>
-            </a:r>
-            <a:r>
-              <a:rPr lang="fr-FR" dirty="0" err="1">
-                <a:latin typeface="Consolas" panose="020B0609020204030204" pitchFamily="49" charset="0"/>
-              </a:rPr>
-              <a:t>sum</a:t>
-            </a:r>
-            <a:r>
-              <a:rPr lang="fr-FR" dirty="0">
-                <a:latin typeface="Consolas" panose="020B0609020204030204" pitchFamily="49" charset="0"/>
-              </a:rPr>
-              <a:t>: " &lt;&lt; </a:t>
-            </a:r>
-            <a:r>
-              <a:rPr lang="fr-FR" dirty="0" err="1" smtClean="0">
-                <a:latin typeface="Consolas" panose="020B0609020204030204" pitchFamily="49" charset="0"/>
-              </a:rPr>
-              <a:t>x.get</a:t>
-            </a:r>
-            <a:r>
-              <a:rPr lang="fr-FR" dirty="0" smtClean="0">
-                <a:latin typeface="Consolas" panose="020B0609020204030204" pitchFamily="49" charset="0"/>
-              </a:rPr>
-              <a:t>() </a:t>
-            </a:r>
-            <a:r>
-              <a:rPr lang="fr-FR" dirty="0">
-                <a:latin typeface="Consolas" panose="020B0609020204030204" pitchFamily="49" charset="0"/>
-              </a:rPr>
-              <a:t>+ </a:t>
-            </a:r>
-            <a:r>
-              <a:rPr lang="fr-FR" dirty="0" err="1" smtClean="0">
-                <a:latin typeface="Consolas" panose="020B0609020204030204" pitchFamily="49" charset="0"/>
-              </a:rPr>
-              <a:t>y.get</a:t>
-            </a:r>
-            <a:r>
-              <a:rPr lang="fr-FR" dirty="0" smtClean="0">
-                <a:latin typeface="Consolas" panose="020B0609020204030204" pitchFamily="49" charset="0"/>
-              </a:rPr>
-              <a:t>() </a:t>
-            </a:r>
-            <a:r>
-              <a:rPr lang="fr-FR" dirty="0">
-                <a:latin typeface="Consolas" panose="020B0609020204030204" pitchFamily="49" charset="0"/>
-              </a:rPr>
-              <a:t>&lt;&lt; </a:t>
-            </a:r>
-            <a:r>
-              <a:rPr lang="fr-FR" dirty="0" err="1">
-                <a:latin typeface="Consolas" panose="020B0609020204030204" pitchFamily="49" charset="0"/>
-              </a:rPr>
-              <a:t>std</a:t>
-            </a:r>
-            <a:r>
-              <a:rPr lang="fr-FR" dirty="0">
-                <a:latin typeface="Consolas" panose="020B0609020204030204" pitchFamily="49" charset="0"/>
-              </a:rPr>
-              <a:t>::</a:t>
-            </a:r>
-            <a:r>
-              <a:rPr lang="fr-FR" dirty="0" err="1">
-                <a:latin typeface="Consolas" panose="020B0609020204030204" pitchFamily="49" charset="0"/>
-              </a:rPr>
-              <a:t>endl</a:t>
-            </a:r>
-            <a:r>
-              <a:rPr lang="fr-FR" dirty="0">
-                <a:latin typeface="Consolas" panose="020B0609020204030204" pitchFamily="49" charset="0"/>
-              </a:rPr>
-              <a:t>;</a:t>
-            </a:r>
-          </a:p>
-          <a:p>
-            <a:pPr marL="274320" lvl="1" indent="0">
-              <a:spcBef>
-                <a:spcPts val="600"/>
-              </a:spcBef>
-              <a:buNone/>
-            </a:pPr>
-            <a:r>
-              <a:rPr lang="en-US" dirty="0" smtClean="0">
-                <a:latin typeface="Consolas" panose="020B0609020204030204" pitchFamily="49" charset="0"/>
-              </a:rPr>
-              <a:t>}</a:t>
-            </a:r>
-            <a:endParaRPr lang="en-US" dirty="0">
-              <a:latin typeface="Consolas" panose="020B0609020204030204" pitchFamily="49" charset="0"/>
+              <a:cs typeface="Consolas" panose="020B0609020204030204" pitchFamily="49" charset="0"/>
             </a:endParaRPr>
           </a:p>
         </p:txBody>
@@ -12046,7 +12702,7 @@
     </p:spTree>
     <p:extLst>
       <p:ext uri="{BB962C8B-B14F-4D97-AF65-F5344CB8AC3E}">
-        <p14:creationId xmlns:p14="http://schemas.microsoft.com/office/powerpoint/2010/main" val="4143639589"/>
+        <p14:creationId xmlns:p14="http://schemas.microsoft.com/office/powerpoint/2010/main" val="2736074195"/>
       </p:ext>
     </p:extLst>
   </p:cSld>
@@ -12056,7 +12712,1313 @@
   <p:timing>
     <p:tnLst>
       <p:par>
-        <p:cTn id="1" dur="indefinite" restart="never" nodeType="tmRoot"/>
+        <p:cTn id="1" dur="indefinite" restart="never" nodeType="tmRoot">
+          <p:childTnLst>
+            <p:seq concurrent="1" nextAc="seek">
+              <p:cTn id="2" dur="indefinite" nodeType="mainSeq">
+                <p:childTnLst>
+                  <p:par>
+                    <p:cTn id="3" fill="hold">
+                      <p:stCondLst>
+                        <p:cond delay="indefinite"/>
+                        <p:cond evt="onBegin" delay="0">
+                          <p:tn val="2"/>
+                        </p:cond>
+                      </p:stCondLst>
+                      <p:childTnLst>
+                        <p:par>
+                          <p:cTn id="4" fill="hold">
+                            <p:stCondLst>
+                              <p:cond delay="0"/>
+                            </p:stCondLst>
+                            <p:childTnLst>
+                              <p:par>
+                                <p:cTn id="5" presetID="2" presetClass="entr" presetSubtype="8" fill="hold" nodeType="withEffect">
+                                  <p:stCondLst>
+                                    <p:cond delay="0"/>
+                                  </p:stCondLst>
+                                  <p:childTnLst>
+                                    <p:set>
+                                      <p:cBhvr>
+                                        <p:cTn id="6" dur="1" fill="hold">
+                                          <p:stCondLst>
+                                            <p:cond delay="0"/>
+                                          </p:stCondLst>
+                                        </p:cTn>
+                                        <p:tgtEl>
+                                          <p:spTgt spid="3">
+                                            <p:txEl>
+                                              <p:pRg st="0" end="0"/>
+                                            </p:txEl>
+                                          </p:spTgt>
+                                        </p:tgtEl>
+                                        <p:attrNameLst>
+                                          <p:attrName>style.visibility</p:attrName>
+                                        </p:attrNameLst>
+                                      </p:cBhvr>
+                                      <p:to>
+                                        <p:strVal val="visible"/>
+                                      </p:to>
+                                    </p:set>
+                                    <p:anim calcmode="lin" valueType="num">
+                                      <p:cBhvr additive="base">
+                                        <p:cTn id="7" dur="500" fill="hold"/>
+                                        <p:tgtEl>
+                                          <p:spTgt spid="3">
+                                            <p:txEl>
+                                              <p:pRg st="0" end="0"/>
+                                            </p:txEl>
+                                          </p:spTgt>
+                                        </p:tgtEl>
+                                        <p:attrNameLst>
+                                          <p:attrName>ppt_x</p:attrName>
+                                        </p:attrNameLst>
+                                      </p:cBhvr>
+                                      <p:tavLst>
+                                        <p:tav tm="0">
+                                          <p:val>
+                                            <p:strVal val="0-#ppt_w/2"/>
+                                          </p:val>
+                                        </p:tav>
+                                        <p:tav tm="100000">
+                                          <p:val>
+                                            <p:strVal val="#ppt_x"/>
+                                          </p:val>
+                                        </p:tav>
+                                      </p:tavLst>
+                                    </p:anim>
+                                    <p:anim calcmode="lin" valueType="num">
+                                      <p:cBhvr additive="base">
+                                        <p:cTn id="8" dur="500" fill="hold"/>
+                                        <p:tgtEl>
+                                          <p:spTgt spid="3">
+                                            <p:txEl>
+                                              <p:pRg st="0" end="0"/>
+                                            </p:txEl>
+                                          </p:spTgt>
+                                        </p:tgtEl>
+                                        <p:attrNameLst>
+                                          <p:attrName>ppt_y</p:attrName>
+                                        </p:attrNameLst>
+                                      </p:cBhvr>
+                                      <p:tavLst>
+                                        <p:tav tm="0">
+                                          <p:val>
+                                            <p:strVal val="#ppt_y"/>
+                                          </p:val>
+                                        </p:tav>
+                                        <p:tav tm="100000">
+                                          <p:val>
+                                            <p:strVal val="#ppt_y"/>
+                                          </p:val>
+                                        </p:tav>
+                                      </p:tavLst>
+                                    </p:anim>
+                                  </p:childTnLst>
+                                </p:cTn>
+                              </p:par>
+                              <p:par>
+                                <p:cTn id="9" presetID="2" presetClass="entr" presetSubtype="8" fill="hold" nodeType="withEffect">
+                                  <p:stCondLst>
+                                    <p:cond delay="0"/>
+                                  </p:stCondLst>
+                                  <p:childTnLst>
+                                    <p:set>
+                                      <p:cBhvr>
+                                        <p:cTn id="10" dur="1" fill="hold">
+                                          <p:stCondLst>
+                                            <p:cond delay="0"/>
+                                          </p:stCondLst>
+                                        </p:cTn>
+                                        <p:tgtEl>
+                                          <p:spTgt spid="3">
+                                            <p:txEl>
+                                              <p:pRg st="2" end="2"/>
+                                            </p:txEl>
+                                          </p:spTgt>
+                                        </p:tgtEl>
+                                        <p:attrNameLst>
+                                          <p:attrName>style.visibility</p:attrName>
+                                        </p:attrNameLst>
+                                      </p:cBhvr>
+                                      <p:to>
+                                        <p:strVal val="visible"/>
+                                      </p:to>
+                                    </p:set>
+                                    <p:anim calcmode="lin" valueType="num">
+                                      <p:cBhvr additive="base">
+                                        <p:cTn id="11" dur="500" fill="hold"/>
+                                        <p:tgtEl>
+                                          <p:spTgt spid="3">
+                                            <p:txEl>
+                                              <p:pRg st="2" end="2"/>
+                                            </p:txEl>
+                                          </p:spTgt>
+                                        </p:tgtEl>
+                                        <p:attrNameLst>
+                                          <p:attrName>ppt_x</p:attrName>
+                                        </p:attrNameLst>
+                                      </p:cBhvr>
+                                      <p:tavLst>
+                                        <p:tav tm="0">
+                                          <p:val>
+                                            <p:strVal val="0-#ppt_w/2"/>
+                                          </p:val>
+                                        </p:tav>
+                                        <p:tav tm="100000">
+                                          <p:val>
+                                            <p:strVal val="#ppt_x"/>
+                                          </p:val>
+                                        </p:tav>
+                                      </p:tavLst>
+                                    </p:anim>
+                                    <p:anim calcmode="lin" valueType="num">
+                                      <p:cBhvr additive="base">
+                                        <p:cTn id="12" dur="500" fill="hold"/>
+                                        <p:tgtEl>
+                                          <p:spTgt spid="3">
+                                            <p:txEl>
+                                              <p:pRg st="2" end="2"/>
+                                            </p:txEl>
+                                          </p:spTgt>
+                                        </p:tgtEl>
+                                        <p:attrNameLst>
+                                          <p:attrName>ppt_y</p:attrName>
+                                        </p:attrNameLst>
+                                      </p:cBhvr>
+                                      <p:tavLst>
+                                        <p:tav tm="0">
+                                          <p:val>
+                                            <p:strVal val="#ppt_y"/>
+                                          </p:val>
+                                        </p:tav>
+                                        <p:tav tm="100000">
+                                          <p:val>
+                                            <p:strVal val="#ppt_y"/>
+                                          </p:val>
+                                        </p:tav>
+                                      </p:tavLst>
+                                    </p:anim>
+                                  </p:childTnLst>
+                                </p:cTn>
+                              </p:par>
+                              <p:par>
+                                <p:cTn id="13" presetID="2" presetClass="entr" presetSubtype="8" fill="hold" nodeType="withEffect">
+                                  <p:stCondLst>
+                                    <p:cond delay="0"/>
+                                  </p:stCondLst>
+                                  <p:childTnLst>
+                                    <p:set>
+                                      <p:cBhvr>
+                                        <p:cTn id="14" dur="1" fill="hold">
+                                          <p:stCondLst>
+                                            <p:cond delay="0"/>
+                                          </p:stCondLst>
+                                        </p:cTn>
+                                        <p:tgtEl>
+                                          <p:spTgt spid="3">
+                                            <p:txEl>
+                                              <p:pRg st="3" end="3"/>
+                                            </p:txEl>
+                                          </p:spTgt>
+                                        </p:tgtEl>
+                                        <p:attrNameLst>
+                                          <p:attrName>style.visibility</p:attrName>
+                                        </p:attrNameLst>
+                                      </p:cBhvr>
+                                      <p:to>
+                                        <p:strVal val="visible"/>
+                                      </p:to>
+                                    </p:set>
+                                    <p:anim calcmode="lin" valueType="num">
+                                      <p:cBhvr additive="base">
+                                        <p:cTn id="15" dur="500" fill="hold"/>
+                                        <p:tgtEl>
+                                          <p:spTgt spid="3">
+                                            <p:txEl>
+                                              <p:pRg st="3" end="3"/>
+                                            </p:txEl>
+                                          </p:spTgt>
+                                        </p:tgtEl>
+                                        <p:attrNameLst>
+                                          <p:attrName>ppt_x</p:attrName>
+                                        </p:attrNameLst>
+                                      </p:cBhvr>
+                                      <p:tavLst>
+                                        <p:tav tm="0">
+                                          <p:val>
+                                            <p:strVal val="0-#ppt_w/2"/>
+                                          </p:val>
+                                        </p:tav>
+                                        <p:tav tm="100000">
+                                          <p:val>
+                                            <p:strVal val="#ppt_x"/>
+                                          </p:val>
+                                        </p:tav>
+                                      </p:tavLst>
+                                    </p:anim>
+                                    <p:anim calcmode="lin" valueType="num">
+                                      <p:cBhvr additive="base">
+                                        <p:cTn id="16" dur="500" fill="hold"/>
+                                        <p:tgtEl>
+                                          <p:spTgt spid="3">
+                                            <p:txEl>
+                                              <p:pRg st="3" end="3"/>
+                                            </p:txEl>
+                                          </p:spTgt>
+                                        </p:tgtEl>
+                                        <p:attrNameLst>
+                                          <p:attrName>ppt_y</p:attrName>
+                                        </p:attrNameLst>
+                                      </p:cBhvr>
+                                      <p:tavLst>
+                                        <p:tav tm="0">
+                                          <p:val>
+                                            <p:strVal val="#ppt_y"/>
+                                          </p:val>
+                                        </p:tav>
+                                        <p:tav tm="100000">
+                                          <p:val>
+                                            <p:strVal val="#ppt_y"/>
+                                          </p:val>
+                                        </p:tav>
+                                      </p:tavLst>
+                                    </p:anim>
+                                  </p:childTnLst>
+                                </p:cTn>
+                              </p:par>
+                              <p:par>
+                                <p:cTn id="17" presetID="2" presetClass="entr" presetSubtype="8" fill="hold" nodeType="withEffect">
+                                  <p:stCondLst>
+                                    <p:cond delay="0"/>
+                                  </p:stCondLst>
+                                  <p:childTnLst>
+                                    <p:set>
+                                      <p:cBhvr>
+                                        <p:cTn id="18" dur="1" fill="hold">
+                                          <p:stCondLst>
+                                            <p:cond delay="0"/>
+                                          </p:stCondLst>
+                                        </p:cTn>
+                                        <p:tgtEl>
+                                          <p:spTgt spid="3">
+                                            <p:txEl>
+                                              <p:pRg st="4" end="4"/>
+                                            </p:txEl>
+                                          </p:spTgt>
+                                        </p:tgtEl>
+                                        <p:attrNameLst>
+                                          <p:attrName>style.visibility</p:attrName>
+                                        </p:attrNameLst>
+                                      </p:cBhvr>
+                                      <p:to>
+                                        <p:strVal val="visible"/>
+                                      </p:to>
+                                    </p:set>
+                                    <p:anim calcmode="lin" valueType="num">
+                                      <p:cBhvr additive="base">
+                                        <p:cTn id="19" dur="500" fill="hold"/>
+                                        <p:tgtEl>
+                                          <p:spTgt spid="3">
+                                            <p:txEl>
+                                              <p:pRg st="4" end="4"/>
+                                            </p:txEl>
+                                          </p:spTgt>
+                                        </p:tgtEl>
+                                        <p:attrNameLst>
+                                          <p:attrName>ppt_x</p:attrName>
+                                        </p:attrNameLst>
+                                      </p:cBhvr>
+                                      <p:tavLst>
+                                        <p:tav tm="0">
+                                          <p:val>
+                                            <p:strVal val="0-#ppt_w/2"/>
+                                          </p:val>
+                                        </p:tav>
+                                        <p:tav tm="100000">
+                                          <p:val>
+                                            <p:strVal val="#ppt_x"/>
+                                          </p:val>
+                                        </p:tav>
+                                      </p:tavLst>
+                                    </p:anim>
+                                    <p:anim calcmode="lin" valueType="num">
+                                      <p:cBhvr additive="base">
+                                        <p:cTn id="20" dur="500" fill="hold"/>
+                                        <p:tgtEl>
+                                          <p:spTgt spid="3">
+                                            <p:txEl>
+                                              <p:pRg st="4" end="4"/>
+                                            </p:txEl>
+                                          </p:spTgt>
+                                        </p:tgtEl>
+                                        <p:attrNameLst>
+                                          <p:attrName>ppt_y</p:attrName>
+                                        </p:attrNameLst>
+                                      </p:cBhvr>
+                                      <p:tavLst>
+                                        <p:tav tm="0">
+                                          <p:val>
+                                            <p:strVal val="#ppt_y"/>
+                                          </p:val>
+                                        </p:tav>
+                                        <p:tav tm="100000">
+                                          <p:val>
+                                            <p:strVal val="#ppt_y"/>
+                                          </p:val>
+                                        </p:tav>
+                                      </p:tavLst>
+                                    </p:anim>
+                                  </p:childTnLst>
+                                </p:cTn>
+                              </p:par>
+                              <p:par>
+                                <p:cTn id="21" presetID="2" presetClass="entr" presetSubtype="8" fill="hold" nodeType="withEffect">
+                                  <p:stCondLst>
+                                    <p:cond delay="0"/>
+                                  </p:stCondLst>
+                                  <p:childTnLst>
+                                    <p:set>
+                                      <p:cBhvr>
+                                        <p:cTn id="22" dur="1" fill="hold">
+                                          <p:stCondLst>
+                                            <p:cond delay="0"/>
+                                          </p:stCondLst>
+                                        </p:cTn>
+                                        <p:tgtEl>
+                                          <p:spTgt spid="3">
+                                            <p:txEl>
+                                              <p:pRg st="14" end="14"/>
+                                            </p:txEl>
+                                          </p:spTgt>
+                                        </p:tgtEl>
+                                        <p:attrNameLst>
+                                          <p:attrName>style.visibility</p:attrName>
+                                        </p:attrNameLst>
+                                      </p:cBhvr>
+                                      <p:to>
+                                        <p:strVal val="visible"/>
+                                      </p:to>
+                                    </p:set>
+                                    <p:anim calcmode="lin" valueType="num">
+                                      <p:cBhvr additive="base">
+                                        <p:cTn id="23" dur="500" fill="hold"/>
+                                        <p:tgtEl>
+                                          <p:spTgt spid="3">
+                                            <p:txEl>
+                                              <p:pRg st="14" end="14"/>
+                                            </p:txEl>
+                                          </p:spTgt>
+                                        </p:tgtEl>
+                                        <p:attrNameLst>
+                                          <p:attrName>ppt_x</p:attrName>
+                                        </p:attrNameLst>
+                                      </p:cBhvr>
+                                      <p:tavLst>
+                                        <p:tav tm="0">
+                                          <p:val>
+                                            <p:strVal val="0-#ppt_w/2"/>
+                                          </p:val>
+                                        </p:tav>
+                                        <p:tav tm="100000">
+                                          <p:val>
+                                            <p:strVal val="#ppt_x"/>
+                                          </p:val>
+                                        </p:tav>
+                                      </p:tavLst>
+                                    </p:anim>
+                                    <p:anim calcmode="lin" valueType="num">
+                                      <p:cBhvr additive="base">
+                                        <p:cTn id="24" dur="500" fill="hold"/>
+                                        <p:tgtEl>
+                                          <p:spTgt spid="3">
+                                            <p:txEl>
+                                              <p:pRg st="14" end="14"/>
+                                            </p:txEl>
+                                          </p:spTgt>
+                                        </p:tgtEl>
+                                        <p:attrNameLst>
+                                          <p:attrName>ppt_y</p:attrName>
+                                        </p:attrNameLst>
+                                      </p:cBhvr>
+                                      <p:tavLst>
+                                        <p:tav tm="0">
+                                          <p:val>
+                                            <p:strVal val="#ppt_y"/>
+                                          </p:val>
+                                        </p:tav>
+                                        <p:tav tm="100000">
+                                          <p:val>
+                                            <p:strVal val="#ppt_y"/>
+                                          </p:val>
+                                        </p:tav>
+                                      </p:tavLst>
+                                    </p:anim>
+                                  </p:childTnLst>
+                                </p:cTn>
+                              </p:par>
+                            </p:childTnLst>
+                          </p:cTn>
+                        </p:par>
+                      </p:childTnLst>
+                    </p:cTn>
+                  </p:par>
+                  <p:par>
+                    <p:cTn id="25" fill="hold">
+                      <p:stCondLst>
+                        <p:cond delay="indefinite"/>
+                      </p:stCondLst>
+                      <p:childTnLst>
+                        <p:par>
+                          <p:cTn id="26" fill="hold">
+                            <p:stCondLst>
+                              <p:cond delay="0"/>
+                            </p:stCondLst>
+                            <p:childTnLst>
+                              <p:par>
+                                <p:cTn id="27" presetID="2" presetClass="entr" presetSubtype="8" fill="hold" nodeType="clickEffect">
+                                  <p:stCondLst>
+                                    <p:cond delay="0"/>
+                                  </p:stCondLst>
+                                  <p:childTnLst>
+                                    <p:set>
+                                      <p:cBhvr>
+                                        <p:cTn id="28" dur="1" fill="hold">
+                                          <p:stCondLst>
+                                            <p:cond delay="0"/>
+                                          </p:stCondLst>
+                                        </p:cTn>
+                                        <p:tgtEl>
+                                          <p:spTgt spid="3">
+                                            <p:txEl>
+                                              <p:pRg st="5" end="5"/>
+                                            </p:txEl>
+                                          </p:spTgt>
+                                        </p:tgtEl>
+                                        <p:attrNameLst>
+                                          <p:attrName>style.visibility</p:attrName>
+                                        </p:attrNameLst>
+                                      </p:cBhvr>
+                                      <p:to>
+                                        <p:strVal val="visible"/>
+                                      </p:to>
+                                    </p:set>
+                                    <p:anim calcmode="lin" valueType="num">
+                                      <p:cBhvr additive="base">
+                                        <p:cTn id="29" dur="500" fill="hold"/>
+                                        <p:tgtEl>
+                                          <p:spTgt spid="3">
+                                            <p:txEl>
+                                              <p:pRg st="5" end="5"/>
+                                            </p:txEl>
+                                          </p:spTgt>
+                                        </p:tgtEl>
+                                        <p:attrNameLst>
+                                          <p:attrName>ppt_x</p:attrName>
+                                        </p:attrNameLst>
+                                      </p:cBhvr>
+                                      <p:tavLst>
+                                        <p:tav tm="0">
+                                          <p:val>
+                                            <p:strVal val="0-#ppt_w/2"/>
+                                          </p:val>
+                                        </p:tav>
+                                        <p:tav tm="100000">
+                                          <p:val>
+                                            <p:strVal val="#ppt_x"/>
+                                          </p:val>
+                                        </p:tav>
+                                      </p:tavLst>
+                                    </p:anim>
+                                    <p:anim calcmode="lin" valueType="num">
+                                      <p:cBhvr additive="base">
+                                        <p:cTn id="30" dur="500" fill="hold"/>
+                                        <p:tgtEl>
+                                          <p:spTgt spid="3">
+                                            <p:txEl>
+                                              <p:pRg st="5" end="5"/>
+                                            </p:txEl>
+                                          </p:spTgt>
+                                        </p:tgtEl>
+                                        <p:attrNameLst>
+                                          <p:attrName>ppt_y</p:attrName>
+                                        </p:attrNameLst>
+                                      </p:cBhvr>
+                                      <p:tavLst>
+                                        <p:tav tm="0">
+                                          <p:val>
+                                            <p:strVal val="#ppt_y"/>
+                                          </p:val>
+                                        </p:tav>
+                                        <p:tav tm="100000">
+                                          <p:val>
+                                            <p:strVal val="#ppt_y"/>
+                                          </p:val>
+                                        </p:tav>
+                                      </p:tavLst>
+                                    </p:anim>
+                                  </p:childTnLst>
+                                </p:cTn>
+                              </p:par>
+                            </p:childTnLst>
+                          </p:cTn>
+                        </p:par>
+                      </p:childTnLst>
+                    </p:cTn>
+                  </p:par>
+                  <p:par>
+                    <p:cTn id="31" fill="hold">
+                      <p:stCondLst>
+                        <p:cond delay="indefinite"/>
+                      </p:stCondLst>
+                      <p:childTnLst>
+                        <p:par>
+                          <p:cTn id="32" fill="hold">
+                            <p:stCondLst>
+                              <p:cond delay="0"/>
+                            </p:stCondLst>
+                            <p:childTnLst>
+                              <p:par>
+                                <p:cTn id="33" presetID="2" presetClass="entr" presetSubtype="8" fill="hold" nodeType="clickEffect">
+                                  <p:stCondLst>
+                                    <p:cond delay="0"/>
+                                  </p:stCondLst>
+                                  <p:childTnLst>
+                                    <p:set>
+                                      <p:cBhvr>
+                                        <p:cTn id="34" dur="1" fill="hold">
+                                          <p:stCondLst>
+                                            <p:cond delay="0"/>
+                                          </p:stCondLst>
+                                        </p:cTn>
+                                        <p:tgtEl>
+                                          <p:spTgt spid="3">
+                                            <p:txEl>
+                                              <p:pRg st="6" end="6"/>
+                                            </p:txEl>
+                                          </p:spTgt>
+                                        </p:tgtEl>
+                                        <p:attrNameLst>
+                                          <p:attrName>style.visibility</p:attrName>
+                                        </p:attrNameLst>
+                                      </p:cBhvr>
+                                      <p:to>
+                                        <p:strVal val="visible"/>
+                                      </p:to>
+                                    </p:set>
+                                    <p:anim calcmode="lin" valueType="num">
+                                      <p:cBhvr additive="base">
+                                        <p:cTn id="35" dur="500" fill="hold"/>
+                                        <p:tgtEl>
+                                          <p:spTgt spid="3">
+                                            <p:txEl>
+                                              <p:pRg st="6" end="6"/>
+                                            </p:txEl>
+                                          </p:spTgt>
+                                        </p:tgtEl>
+                                        <p:attrNameLst>
+                                          <p:attrName>ppt_x</p:attrName>
+                                        </p:attrNameLst>
+                                      </p:cBhvr>
+                                      <p:tavLst>
+                                        <p:tav tm="0">
+                                          <p:val>
+                                            <p:strVal val="0-#ppt_w/2"/>
+                                          </p:val>
+                                        </p:tav>
+                                        <p:tav tm="100000">
+                                          <p:val>
+                                            <p:strVal val="#ppt_x"/>
+                                          </p:val>
+                                        </p:tav>
+                                      </p:tavLst>
+                                    </p:anim>
+                                    <p:anim calcmode="lin" valueType="num">
+                                      <p:cBhvr additive="base">
+                                        <p:cTn id="36" dur="500" fill="hold"/>
+                                        <p:tgtEl>
+                                          <p:spTgt spid="3">
+                                            <p:txEl>
+                                              <p:pRg st="6" end="6"/>
+                                            </p:txEl>
+                                          </p:spTgt>
+                                        </p:tgtEl>
+                                        <p:attrNameLst>
+                                          <p:attrName>ppt_y</p:attrName>
+                                        </p:attrNameLst>
+                                      </p:cBhvr>
+                                      <p:tavLst>
+                                        <p:tav tm="0">
+                                          <p:val>
+                                            <p:strVal val="#ppt_y"/>
+                                          </p:val>
+                                        </p:tav>
+                                        <p:tav tm="100000">
+                                          <p:val>
+                                            <p:strVal val="#ppt_y"/>
+                                          </p:val>
+                                        </p:tav>
+                                      </p:tavLst>
+                                    </p:anim>
+                                  </p:childTnLst>
+                                </p:cTn>
+                              </p:par>
+                              <p:par>
+                                <p:cTn id="37" presetID="2" presetClass="entr" presetSubtype="8" fill="hold" nodeType="withEffect">
+                                  <p:stCondLst>
+                                    <p:cond delay="0"/>
+                                  </p:stCondLst>
+                                  <p:childTnLst>
+                                    <p:set>
+                                      <p:cBhvr>
+                                        <p:cTn id="38" dur="1" fill="hold">
+                                          <p:stCondLst>
+                                            <p:cond delay="0"/>
+                                          </p:stCondLst>
+                                        </p:cTn>
+                                        <p:tgtEl>
+                                          <p:spTgt spid="3">
+                                            <p:txEl>
+                                              <p:pRg st="7" end="7"/>
+                                            </p:txEl>
+                                          </p:spTgt>
+                                        </p:tgtEl>
+                                        <p:attrNameLst>
+                                          <p:attrName>style.visibility</p:attrName>
+                                        </p:attrNameLst>
+                                      </p:cBhvr>
+                                      <p:to>
+                                        <p:strVal val="visible"/>
+                                      </p:to>
+                                    </p:set>
+                                    <p:anim calcmode="lin" valueType="num">
+                                      <p:cBhvr additive="base">
+                                        <p:cTn id="39" dur="500" fill="hold"/>
+                                        <p:tgtEl>
+                                          <p:spTgt spid="3">
+                                            <p:txEl>
+                                              <p:pRg st="7" end="7"/>
+                                            </p:txEl>
+                                          </p:spTgt>
+                                        </p:tgtEl>
+                                        <p:attrNameLst>
+                                          <p:attrName>ppt_x</p:attrName>
+                                        </p:attrNameLst>
+                                      </p:cBhvr>
+                                      <p:tavLst>
+                                        <p:tav tm="0">
+                                          <p:val>
+                                            <p:strVal val="0-#ppt_w/2"/>
+                                          </p:val>
+                                        </p:tav>
+                                        <p:tav tm="100000">
+                                          <p:val>
+                                            <p:strVal val="#ppt_x"/>
+                                          </p:val>
+                                        </p:tav>
+                                      </p:tavLst>
+                                    </p:anim>
+                                    <p:anim calcmode="lin" valueType="num">
+                                      <p:cBhvr additive="base">
+                                        <p:cTn id="40" dur="500" fill="hold"/>
+                                        <p:tgtEl>
+                                          <p:spTgt spid="3">
+                                            <p:txEl>
+                                              <p:pRg st="7" end="7"/>
+                                            </p:txEl>
+                                          </p:spTgt>
+                                        </p:tgtEl>
+                                        <p:attrNameLst>
+                                          <p:attrName>ppt_y</p:attrName>
+                                        </p:attrNameLst>
+                                      </p:cBhvr>
+                                      <p:tavLst>
+                                        <p:tav tm="0">
+                                          <p:val>
+                                            <p:strVal val="#ppt_y"/>
+                                          </p:val>
+                                        </p:tav>
+                                        <p:tav tm="100000">
+                                          <p:val>
+                                            <p:strVal val="#ppt_y"/>
+                                          </p:val>
+                                        </p:tav>
+                                      </p:tavLst>
+                                    </p:anim>
+                                  </p:childTnLst>
+                                </p:cTn>
+                              </p:par>
+                              <p:par>
+                                <p:cTn id="41" presetID="2" presetClass="entr" presetSubtype="8" fill="hold" nodeType="withEffect">
+                                  <p:stCondLst>
+                                    <p:cond delay="0"/>
+                                  </p:stCondLst>
+                                  <p:childTnLst>
+                                    <p:set>
+                                      <p:cBhvr>
+                                        <p:cTn id="42" dur="1" fill="hold">
+                                          <p:stCondLst>
+                                            <p:cond delay="0"/>
+                                          </p:stCondLst>
+                                        </p:cTn>
+                                        <p:tgtEl>
+                                          <p:spTgt spid="3">
+                                            <p:txEl>
+                                              <p:pRg st="8" end="8"/>
+                                            </p:txEl>
+                                          </p:spTgt>
+                                        </p:tgtEl>
+                                        <p:attrNameLst>
+                                          <p:attrName>style.visibility</p:attrName>
+                                        </p:attrNameLst>
+                                      </p:cBhvr>
+                                      <p:to>
+                                        <p:strVal val="visible"/>
+                                      </p:to>
+                                    </p:set>
+                                    <p:anim calcmode="lin" valueType="num">
+                                      <p:cBhvr additive="base">
+                                        <p:cTn id="43" dur="500" fill="hold"/>
+                                        <p:tgtEl>
+                                          <p:spTgt spid="3">
+                                            <p:txEl>
+                                              <p:pRg st="8" end="8"/>
+                                            </p:txEl>
+                                          </p:spTgt>
+                                        </p:tgtEl>
+                                        <p:attrNameLst>
+                                          <p:attrName>ppt_x</p:attrName>
+                                        </p:attrNameLst>
+                                      </p:cBhvr>
+                                      <p:tavLst>
+                                        <p:tav tm="0">
+                                          <p:val>
+                                            <p:strVal val="0-#ppt_w/2"/>
+                                          </p:val>
+                                        </p:tav>
+                                        <p:tav tm="100000">
+                                          <p:val>
+                                            <p:strVal val="#ppt_x"/>
+                                          </p:val>
+                                        </p:tav>
+                                      </p:tavLst>
+                                    </p:anim>
+                                    <p:anim calcmode="lin" valueType="num">
+                                      <p:cBhvr additive="base">
+                                        <p:cTn id="44" dur="500" fill="hold"/>
+                                        <p:tgtEl>
+                                          <p:spTgt spid="3">
+                                            <p:txEl>
+                                              <p:pRg st="8" end="8"/>
+                                            </p:txEl>
+                                          </p:spTgt>
+                                        </p:tgtEl>
+                                        <p:attrNameLst>
+                                          <p:attrName>ppt_y</p:attrName>
+                                        </p:attrNameLst>
+                                      </p:cBhvr>
+                                      <p:tavLst>
+                                        <p:tav tm="0">
+                                          <p:val>
+                                            <p:strVal val="#ppt_y"/>
+                                          </p:val>
+                                        </p:tav>
+                                        <p:tav tm="100000">
+                                          <p:val>
+                                            <p:strVal val="#ppt_y"/>
+                                          </p:val>
+                                        </p:tav>
+                                      </p:tavLst>
+                                    </p:anim>
+                                  </p:childTnLst>
+                                </p:cTn>
+                              </p:par>
+                              <p:par>
+                                <p:cTn id="45" presetID="2" presetClass="entr" presetSubtype="8" fill="hold" nodeType="withEffect">
+                                  <p:stCondLst>
+                                    <p:cond delay="0"/>
+                                  </p:stCondLst>
+                                  <p:childTnLst>
+                                    <p:set>
+                                      <p:cBhvr>
+                                        <p:cTn id="46" dur="1" fill="hold">
+                                          <p:stCondLst>
+                                            <p:cond delay="0"/>
+                                          </p:stCondLst>
+                                        </p:cTn>
+                                        <p:tgtEl>
+                                          <p:spTgt spid="3">
+                                            <p:txEl>
+                                              <p:pRg st="9" end="9"/>
+                                            </p:txEl>
+                                          </p:spTgt>
+                                        </p:tgtEl>
+                                        <p:attrNameLst>
+                                          <p:attrName>style.visibility</p:attrName>
+                                        </p:attrNameLst>
+                                      </p:cBhvr>
+                                      <p:to>
+                                        <p:strVal val="visible"/>
+                                      </p:to>
+                                    </p:set>
+                                    <p:anim calcmode="lin" valueType="num">
+                                      <p:cBhvr additive="base">
+                                        <p:cTn id="47" dur="500" fill="hold"/>
+                                        <p:tgtEl>
+                                          <p:spTgt spid="3">
+                                            <p:txEl>
+                                              <p:pRg st="9" end="9"/>
+                                            </p:txEl>
+                                          </p:spTgt>
+                                        </p:tgtEl>
+                                        <p:attrNameLst>
+                                          <p:attrName>ppt_x</p:attrName>
+                                        </p:attrNameLst>
+                                      </p:cBhvr>
+                                      <p:tavLst>
+                                        <p:tav tm="0">
+                                          <p:val>
+                                            <p:strVal val="0-#ppt_w/2"/>
+                                          </p:val>
+                                        </p:tav>
+                                        <p:tav tm="100000">
+                                          <p:val>
+                                            <p:strVal val="#ppt_x"/>
+                                          </p:val>
+                                        </p:tav>
+                                      </p:tavLst>
+                                    </p:anim>
+                                    <p:anim calcmode="lin" valueType="num">
+                                      <p:cBhvr additive="base">
+                                        <p:cTn id="48" dur="500" fill="hold"/>
+                                        <p:tgtEl>
+                                          <p:spTgt spid="3">
+                                            <p:txEl>
+                                              <p:pRg st="9" end="9"/>
+                                            </p:txEl>
+                                          </p:spTgt>
+                                        </p:tgtEl>
+                                        <p:attrNameLst>
+                                          <p:attrName>ppt_y</p:attrName>
+                                        </p:attrNameLst>
+                                      </p:cBhvr>
+                                      <p:tavLst>
+                                        <p:tav tm="0">
+                                          <p:val>
+                                            <p:strVal val="#ppt_y"/>
+                                          </p:val>
+                                        </p:tav>
+                                        <p:tav tm="100000">
+                                          <p:val>
+                                            <p:strVal val="#ppt_y"/>
+                                          </p:val>
+                                        </p:tav>
+                                      </p:tavLst>
+                                    </p:anim>
+                                  </p:childTnLst>
+                                </p:cTn>
+                              </p:par>
+                              <p:par>
+                                <p:cTn id="49" presetID="2" presetClass="entr" presetSubtype="8" fill="hold" nodeType="withEffect">
+                                  <p:stCondLst>
+                                    <p:cond delay="0"/>
+                                  </p:stCondLst>
+                                  <p:childTnLst>
+                                    <p:set>
+                                      <p:cBhvr>
+                                        <p:cTn id="50" dur="1" fill="hold">
+                                          <p:stCondLst>
+                                            <p:cond delay="0"/>
+                                          </p:stCondLst>
+                                        </p:cTn>
+                                        <p:tgtEl>
+                                          <p:spTgt spid="3">
+                                            <p:txEl>
+                                              <p:pRg st="10" end="10"/>
+                                            </p:txEl>
+                                          </p:spTgt>
+                                        </p:tgtEl>
+                                        <p:attrNameLst>
+                                          <p:attrName>style.visibility</p:attrName>
+                                        </p:attrNameLst>
+                                      </p:cBhvr>
+                                      <p:to>
+                                        <p:strVal val="visible"/>
+                                      </p:to>
+                                    </p:set>
+                                    <p:anim calcmode="lin" valueType="num">
+                                      <p:cBhvr additive="base">
+                                        <p:cTn id="51" dur="500" fill="hold"/>
+                                        <p:tgtEl>
+                                          <p:spTgt spid="3">
+                                            <p:txEl>
+                                              <p:pRg st="10" end="10"/>
+                                            </p:txEl>
+                                          </p:spTgt>
+                                        </p:tgtEl>
+                                        <p:attrNameLst>
+                                          <p:attrName>ppt_x</p:attrName>
+                                        </p:attrNameLst>
+                                      </p:cBhvr>
+                                      <p:tavLst>
+                                        <p:tav tm="0">
+                                          <p:val>
+                                            <p:strVal val="0-#ppt_w/2"/>
+                                          </p:val>
+                                        </p:tav>
+                                        <p:tav tm="100000">
+                                          <p:val>
+                                            <p:strVal val="#ppt_x"/>
+                                          </p:val>
+                                        </p:tav>
+                                      </p:tavLst>
+                                    </p:anim>
+                                    <p:anim calcmode="lin" valueType="num">
+                                      <p:cBhvr additive="base">
+                                        <p:cTn id="52" dur="500" fill="hold"/>
+                                        <p:tgtEl>
+                                          <p:spTgt spid="3">
+                                            <p:txEl>
+                                              <p:pRg st="10" end="10"/>
+                                            </p:txEl>
+                                          </p:spTgt>
+                                        </p:tgtEl>
+                                        <p:attrNameLst>
+                                          <p:attrName>ppt_y</p:attrName>
+                                        </p:attrNameLst>
+                                      </p:cBhvr>
+                                      <p:tavLst>
+                                        <p:tav tm="0">
+                                          <p:val>
+                                            <p:strVal val="#ppt_y"/>
+                                          </p:val>
+                                        </p:tav>
+                                        <p:tav tm="100000">
+                                          <p:val>
+                                            <p:strVal val="#ppt_y"/>
+                                          </p:val>
+                                        </p:tav>
+                                      </p:tavLst>
+                                    </p:anim>
+                                  </p:childTnLst>
+                                </p:cTn>
+                              </p:par>
+                              <p:par>
+                                <p:cTn id="53" presetID="2" presetClass="entr" presetSubtype="8" fill="hold" nodeType="withEffect">
+                                  <p:stCondLst>
+                                    <p:cond delay="0"/>
+                                  </p:stCondLst>
+                                  <p:childTnLst>
+                                    <p:set>
+                                      <p:cBhvr>
+                                        <p:cTn id="54" dur="1" fill="hold">
+                                          <p:stCondLst>
+                                            <p:cond delay="0"/>
+                                          </p:stCondLst>
+                                        </p:cTn>
+                                        <p:tgtEl>
+                                          <p:spTgt spid="3">
+                                            <p:txEl>
+                                              <p:pRg st="11" end="11"/>
+                                            </p:txEl>
+                                          </p:spTgt>
+                                        </p:tgtEl>
+                                        <p:attrNameLst>
+                                          <p:attrName>style.visibility</p:attrName>
+                                        </p:attrNameLst>
+                                      </p:cBhvr>
+                                      <p:to>
+                                        <p:strVal val="visible"/>
+                                      </p:to>
+                                    </p:set>
+                                    <p:anim calcmode="lin" valueType="num">
+                                      <p:cBhvr additive="base">
+                                        <p:cTn id="55" dur="500" fill="hold"/>
+                                        <p:tgtEl>
+                                          <p:spTgt spid="3">
+                                            <p:txEl>
+                                              <p:pRg st="11" end="11"/>
+                                            </p:txEl>
+                                          </p:spTgt>
+                                        </p:tgtEl>
+                                        <p:attrNameLst>
+                                          <p:attrName>ppt_x</p:attrName>
+                                        </p:attrNameLst>
+                                      </p:cBhvr>
+                                      <p:tavLst>
+                                        <p:tav tm="0">
+                                          <p:val>
+                                            <p:strVal val="0-#ppt_w/2"/>
+                                          </p:val>
+                                        </p:tav>
+                                        <p:tav tm="100000">
+                                          <p:val>
+                                            <p:strVal val="#ppt_x"/>
+                                          </p:val>
+                                        </p:tav>
+                                      </p:tavLst>
+                                    </p:anim>
+                                    <p:anim calcmode="lin" valueType="num">
+                                      <p:cBhvr additive="base">
+                                        <p:cTn id="56" dur="500" fill="hold"/>
+                                        <p:tgtEl>
+                                          <p:spTgt spid="3">
+                                            <p:txEl>
+                                              <p:pRg st="11" end="11"/>
+                                            </p:txEl>
+                                          </p:spTgt>
+                                        </p:tgtEl>
+                                        <p:attrNameLst>
+                                          <p:attrName>ppt_y</p:attrName>
+                                        </p:attrNameLst>
+                                      </p:cBhvr>
+                                      <p:tavLst>
+                                        <p:tav tm="0">
+                                          <p:val>
+                                            <p:strVal val="#ppt_y"/>
+                                          </p:val>
+                                        </p:tav>
+                                        <p:tav tm="100000">
+                                          <p:val>
+                                            <p:strVal val="#ppt_y"/>
+                                          </p:val>
+                                        </p:tav>
+                                      </p:tavLst>
+                                    </p:anim>
+                                  </p:childTnLst>
+                                </p:cTn>
+                              </p:par>
+                            </p:childTnLst>
+                          </p:cTn>
+                        </p:par>
+                      </p:childTnLst>
+                    </p:cTn>
+                  </p:par>
+                  <p:par>
+                    <p:cTn id="57" fill="hold">
+                      <p:stCondLst>
+                        <p:cond delay="indefinite"/>
+                      </p:stCondLst>
+                      <p:childTnLst>
+                        <p:par>
+                          <p:cTn id="58" fill="hold">
+                            <p:stCondLst>
+                              <p:cond delay="0"/>
+                            </p:stCondLst>
+                            <p:childTnLst>
+                              <p:par>
+                                <p:cTn id="59" presetID="2" presetClass="entr" presetSubtype="8" fill="hold" nodeType="clickEffect">
+                                  <p:stCondLst>
+                                    <p:cond delay="0"/>
+                                  </p:stCondLst>
+                                  <p:childTnLst>
+                                    <p:set>
+                                      <p:cBhvr>
+                                        <p:cTn id="60" dur="1" fill="hold">
+                                          <p:stCondLst>
+                                            <p:cond delay="0"/>
+                                          </p:stCondLst>
+                                        </p:cTn>
+                                        <p:tgtEl>
+                                          <p:spTgt spid="3">
+                                            <p:txEl>
+                                              <p:pRg st="12" end="12"/>
+                                            </p:txEl>
+                                          </p:spTgt>
+                                        </p:tgtEl>
+                                        <p:attrNameLst>
+                                          <p:attrName>style.visibility</p:attrName>
+                                        </p:attrNameLst>
+                                      </p:cBhvr>
+                                      <p:to>
+                                        <p:strVal val="visible"/>
+                                      </p:to>
+                                    </p:set>
+                                    <p:anim calcmode="lin" valueType="num">
+                                      <p:cBhvr additive="base">
+                                        <p:cTn id="61" dur="500" fill="hold"/>
+                                        <p:tgtEl>
+                                          <p:spTgt spid="3">
+                                            <p:txEl>
+                                              <p:pRg st="12" end="12"/>
+                                            </p:txEl>
+                                          </p:spTgt>
+                                        </p:tgtEl>
+                                        <p:attrNameLst>
+                                          <p:attrName>ppt_x</p:attrName>
+                                        </p:attrNameLst>
+                                      </p:cBhvr>
+                                      <p:tavLst>
+                                        <p:tav tm="0">
+                                          <p:val>
+                                            <p:strVal val="0-#ppt_w/2"/>
+                                          </p:val>
+                                        </p:tav>
+                                        <p:tav tm="100000">
+                                          <p:val>
+                                            <p:strVal val="#ppt_x"/>
+                                          </p:val>
+                                        </p:tav>
+                                      </p:tavLst>
+                                    </p:anim>
+                                    <p:anim calcmode="lin" valueType="num">
+                                      <p:cBhvr additive="base">
+                                        <p:cTn id="62" dur="500" fill="hold"/>
+                                        <p:tgtEl>
+                                          <p:spTgt spid="3">
+                                            <p:txEl>
+                                              <p:pRg st="12" end="12"/>
+                                            </p:txEl>
+                                          </p:spTgt>
+                                        </p:tgtEl>
+                                        <p:attrNameLst>
+                                          <p:attrName>ppt_y</p:attrName>
+                                        </p:attrNameLst>
+                                      </p:cBhvr>
+                                      <p:tavLst>
+                                        <p:tav tm="0">
+                                          <p:val>
+                                            <p:strVal val="#ppt_y"/>
+                                          </p:val>
+                                        </p:tav>
+                                        <p:tav tm="100000">
+                                          <p:val>
+                                            <p:strVal val="#ppt_y"/>
+                                          </p:val>
+                                        </p:tav>
+                                      </p:tavLst>
+                                    </p:anim>
+                                  </p:childTnLst>
+                                </p:cTn>
+                              </p:par>
+                            </p:childTnLst>
+                          </p:cTn>
+                        </p:par>
+                      </p:childTnLst>
+                    </p:cTn>
+                  </p:par>
+                  <p:par>
+                    <p:cTn id="63" fill="hold">
+                      <p:stCondLst>
+                        <p:cond delay="indefinite"/>
+                      </p:stCondLst>
+                      <p:childTnLst>
+                        <p:par>
+                          <p:cTn id="64" fill="hold">
+                            <p:stCondLst>
+                              <p:cond delay="0"/>
+                            </p:stCondLst>
+                            <p:childTnLst>
+                              <p:par>
+                                <p:cTn id="65" presetID="2" presetClass="entr" presetSubtype="8" fill="hold" nodeType="clickEffect">
+                                  <p:stCondLst>
+                                    <p:cond delay="0"/>
+                                  </p:stCondLst>
+                                  <p:childTnLst>
+                                    <p:set>
+                                      <p:cBhvr>
+                                        <p:cTn id="66" dur="1" fill="hold">
+                                          <p:stCondLst>
+                                            <p:cond delay="0"/>
+                                          </p:stCondLst>
+                                        </p:cTn>
+                                        <p:tgtEl>
+                                          <p:spTgt spid="3">
+                                            <p:txEl>
+                                              <p:pRg st="13" end="13"/>
+                                            </p:txEl>
+                                          </p:spTgt>
+                                        </p:tgtEl>
+                                        <p:attrNameLst>
+                                          <p:attrName>style.visibility</p:attrName>
+                                        </p:attrNameLst>
+                                      </p:cBhvr>
+                                      <p:to>
+                                        <p:strVal val="visible"/>
+                                      </p:to>
+                                    </p:set>
+                                    <p:anim calcmode="lin" valueType="num">
+                                      <p:cBhvr additive="base">
+                                        <p:cTn id="67" dur="500" fill="hold"/>
+                                        <p:tgtEl>
+                                          <p:spTgt spid="3">
+                                            <p:txEl>
+                                              <p:pRg st="13" end="13"/>
+                                            </p:txEl>
+                                          </p:spTgt>
+                                        </p:tgtEl>
+                                        <p:attrNameLst>
+                                          <p:attrName>ppt_x</p:attrName>
+                                        </p:attrNameLst>
+                                      </p:cBhvr>
+                                      <p:tavLst>
+                                        <p:tav tm="0">
+                                          <p:val>
+                                            <p:strVal val="0-#ppt_w/2"/>
+                                          </p:val>
+                                        </p:tav>
+                                        <p:tav tm="100000">
+                                          <p:val>
+                                            <p:strVal val="#ppt_x"/>
+                                          </p:val>
+                                        </p:tav>
+                                      </p:tavLst>
+                                    </p:anim>
+                                    <p:anim calcmode="lin" valueType="num">
+                                      <p:cBhvr additive="base">
+                                        <p:cTn id="68" dur="500" fill="hold"/>
+                                        <p:tgtEl>
+                                          <p:spTgt spid="3">
+                                            <p:txEl>
+                                              <p:pRg st="13" end="13"/>
+                                            </p:txEl>
+                                          </p:spTgt>
+                                        </p:tgtEl>
+                                        <p:attrNameLst>
+                                          <p:attrName>ppt_y</p:attrName>
+                                        </p:attrNameLst>
+                                      </p:cBhvr>
+                                      <p:tavLst>
+                                        <p:tav tm="0">
+                                          <p:val>
+                                            <p:strVal val="#ppt_y"/>
+                                          </p:val>
+                                        </p:tav>
+                                        <p:tav tm="100000">
+                                          <p:val>
+                                            <p:strVal val="#ppt_y"/>
+                                          </p:val>
+                                        </p:tav>
+                                      </p:tavLst>
+                                    </p:anim>
+                                  </p:childTnLst>
+                                </p:cTn>
+                              </p:par>
+                            </p:childTnLst>
+                          </p:cTn>
+                        </p:par>
+                      </p:childTnLst>
+                    </p:cTn>
+                  </p:par>
+                </p:childTnLst>
+              </p:cTn>
+              <p:prevCondLst>
+                <p:cond evt="onPrev" delay="0">
+                  <p:tgtEl>
+                    <p:sldTgt/>
+                  </p:tgtEl>
+                </p:cond>
+              </p:prevCondLst>
+              <p:nextCondLst>
+                <p:cond evt="onNext" delay="0">
+                  <p:tgtEl>
+                    <p:sldTgt/>
+                  </p:tgtEl>
+                </p:cond>
+              </p:nextCondLst>
+            </p:seq>
+          </p:childTnLst>
+        </p:cTn>
       </p:par>
     </p:tnLst>
   </p:timing>
@@ -12427,6 +14389,44 @@
       </p:grpSpPr>
       <p:sp>
         <p:nvSpPr>
+          <p:cNvPr id="7" name="Rectangle 6"/>
+          <p:cNvSpPr/>
+          <p:nvPr/>
+        </p:nvSpPr>
+        <p:spPr>
+          <a:xfrm>
+            <a:off x="800101" y="1691322"/>
+            <a:ext cx="10492739" cy="4415565"/>
+          </a:xfrm>
+          <a:prstGeom prst="rect">
+            <a:avLst/>
+          </a:prstGeom>
+        </p:spPr>
+        <p:style>
+          <a:lnRef idx="1">
+            <a:schemeClr val="accent1"/>
+          </a:lnRef>
+          <a:fillRef idx="2">
+            <a:schemeClr val="accent1"/>
+          </a:fillRef>
+          <a:effectRef idx="1">
+            <a:schemeClr val="accent1"/>
+          </a:effectRef>
+          <a:fontRef idx="minor">
+            <a:schemeClr val="dk1"/>
+          </a:fontRef>
+        </p:style>
+        <p:txBody>
+          <a:bodyPr rtlCol="0" anchor="ctr"/>
+          <a:lstStyle/>
+          <a:p>
+            <a:pPr algn="ctr"/>
+            <a:endParaRPr lang="en-US"/>
+          </a:p>
+        </p:txBody>
+      </p:sp>
+      <p:sp>
+        <p:nvSpPr>
           <p:cNvPr id="2" name="Title 1"/>
           <p:cNvSpPr>
             <a:spLocks noGrp="1"/>
@@ -12442,45 +14442,699 @@
           <a:p>
             <a:r>
               <a:rPr lang="en-US" dirty="0"/>
-              <a:t>"Solving" a PDE on a 2D Grid</a:t>
-            </a:r>
+              <a:t>"Solving" a PDE, </a:t>
+            </a:r>
+            <a:r>
+              <a:rPr lang="en-US" dirty="0" err="1" smtClean="0"/>
+              <a:t>Futurized</a:t>
+            </a:r>
+            <a:endParaRPr lang="en-US" dirty="0"/>
           </a:p>
         </p:txBody>
       </p:sp>
-      <p:pic>
-        <p:nvPicPr>
-          <p:cNvPr id="7" name="Content Placeholder 6"/>
-          <p:cNvPicPr>
-            <a:picLocks noGrp="1" noChangeAspect="1"/>
-          </p:cNvPicPr>
+      <p:sp>
+        <p:nvSpPr>
+          <p:cNvPr id="3" name="Content Placeholder 2"/>
+          <p:cNvSpPr>
+            <a:spLocks noGrp="1"/>
+          </p:cNvSpPr>
           <p:nvPr>
             <p:ph idx="1"/>
           </p:nvPr>
-        </p:nvPicPr>
-        <p:blipFill>
-          <a:blip r:embed="rId2" cstate="print">
-            <a:extLst>
-              <a:ext uri="{28A0092B-C50C-407E-A947-70E740481C1C}">
-                <a14:useLocalDpi xmlns:a14="http://schemas.microsoft.com/office/drawing/2010/main" val="0"/>
-              </a:ext>
-            </a:extLst>
-          </a:blip>
-          <a:stretch>
-            <a:fillRect/>
-          </a:stretch>
-        </p:blipFill>
+        </p:nvSpPr>
         <p:spPr>
           <a:xfrm>
-            <a:off x="2247900" y="1943100"/>
-            <a:ext cx="6962141" cy="4351338"/>
+            <a:off x="1261872" y="1828800"/>
+            <a:ext cx="9952088" cy="4351337"/>
           </a:xfrm>
-          <a:ln>
-            <a:solidFill>
-              <a:schemeClr val="tx1"/>
-            </a:solidFill>
-          </a:ln>
         </p:spPr>
-      </p:pic>
+        <p:txBody>
+          <a:bodyPr>
+            <a:normAutofit fontScale="85000" lnSpcReduction="20000"/>
+          </a:bodyPr>
+          <a:lstStyle/>
+          <a:p>
+            <a:pPr marL="274320" lvl="1" indent="0">
+              <a:buNone/>
+            </a:pPr>
+            <a:r>
+              <a:rPr lang="en-US" dirty="0" smtClean="0">
+                <a:latin typeface="Consolas" panose="020B0609020204030204" pitchFamily="49" charset="0"/>
+                <a:cs typeface="Consolas" panose="020B0609020204030204" pitchFamily="49" charset="0"/>
+              </a:rPr>
+              <a:t>// ... as before</a:t>
+            </a:r>
+          </a:p>
+          <a:p>
+            <a:pPr marL="274320" lvl="1" indent="0">
+              <a:buNone/>
+            </a:pPr>
+            <a:endParaRPr lang="en-US" dirty="0" smtClean="0">
+              <a:latin typeface="Consolas" panose="020B0609020204030204" pitchFamily="49" charset="0"/>
+              <a:cs typeface="Consolas" panose="020B0609020204030204" pitchFamily="49" charset="0"/>
+            </a:endParaRPr>
+          </a:p>
+          <a:p>
+            <a:pPr marL="274320" lvl="1" indent="0">
+              <a:buNone/>
+            </a:pPr>
+            <a:r>
+              <a:rPr lang="en-US" dirty="0" smtClean="0">
+                <a:latin typeface="Consolas" panose="020B0609020204030204" pitchFamily="49" charset="0"/>
+                <a:cs typeface="Consolas" panose="020B0609020204030204" pitchFamily="49" charset="0"/>
+              </a:rPr>
+              <a:t>auto </a:t>
+            </a:r>
+            <a:r>
+              <a:rPr lang="en-US" dirty="0">
+                <a:latin typeface="Consolas" panose="020B0609020204030204" pitchFamily="49" charset="0"/>
+                <a:cs typeface="Consolas" panose="020B0609020204030204" pitchFamily="49" charset="0"/>
+              </a:rPr>
+              <a:t>policy = </a:t>
+            </a:r>
+            <a:r>
+              <a:rPr lang="en-US" dirty="0" err="1">
+                <a:latin typeface="Consolas" panose="020B0609020204030204" pitchFamily="49" charset="0"/>
+                <a:cs typeface="Consolas" panose="020B0609020204030204" pitchFamily="49" charset="0"/>
+              </a:rPr>
+              <a:t>hpx</a:t>
+            </a:r>
+            <a:r>
+              <a:rPr lang="en-US" dirty="0">
+                <a:latin typeface="Consolas" panose="020B0609020204030204" pitchFamily="49" charset="0"/>
+                <a:cs typeface="Consolas" panose="020B0609020204030204" pitchFamily="49" charset="0"/>
+              </a:rPr>
+              <a:t>::parallel::</a:t>
+            </a:r>
+            <a:r>
+              <a:rPr lang="en-US" dirty="0" smtClean="0">
+                <a:latin typeface="Consolas" panose="020B0609020204030204" pitchFamily="49" charset="0"/>
+                <a:cs typeface="Consolas" panose="020B0609020204030204" pitchFamily="49" charset="0"/>
+              </a:rPr>
+              <a:t>par</a:t>
+            </a:r>
+            <a:r>
+              <a:rPr lang="en-US" dirty="0" smtClean="0">
+                <a:solidFill>
+                  <a:schemeClr val="accent2">
+                    <a:lumMod val="75000"/>
+                  </a:schemeClr>
+                </a:solidFill>
+                <a:latin typeface="Consolas" panose="020B0609020204030204" pitchFamily="49" charset="0"/>
+                <a:cs typeface="Consolas" panose="020B0609020204030204" pitchFamily="49" charset="0"/>
+              </a:rPr>
+              <a:t>(task)</a:t>
+            </a:r>
+            <a:r>
+              <a:rPr lang="en-US" dirty="0" smtClean="0">
+                <a:latin typeface="Consolas" panose="020B0609020204030204" pitchFamily="49" charset="0"/>
+                <a:cs typeface="Consolas" panose="020B0609020204030204" pitchFamily="49" charset="0"/>
+              </a:rPr>
+              <a:t>.on(executor</a:t>
+            </a:r>
+            <a:r>
+              <a:rPr lang="en-US" dirty="0">
+                <a:latin typeface="Consolas" panose="020B0609020204030204" pitchFamily="49" charset="0"/>
+                <a:cs typeface="Consolas" panose="020B0609020204030204" pitchFamily="49" charset="0"/>
+              </a:rPr>
+              <a:t>);</a:t>
+            </a:r>
+          </a:p>
+          <a:p>
+            <a:pPr marL="274320" lvl="1" indent="0">
+              <a:buNone/>
+            </a:pPr>
+            <a:r>
+              <a:rPr lang="en-US" dirty="0">
+                <a:latin typeface="Consolas" panose="020B0609020204030204" pitchFamily="49" charset="0"/>
+                <a:cs typeface="Consolas" panose="020B0609020204030204" pitchFamily="49" charset="0"/>
+              </a:rPr>
+              <a:t>f</a:t>
+            </a:r>
+            <a:r>
+              <a:rPr lang="en-US" dirty="0" smtClean="0">
+                <a:latin typeface="Consolas" panose="020B0609020204030204" pitchFamily="49" charset="0"/>
+                <a:cs typeface="Consolas" panose="020B0609020204030204" pitchFamily="49" charset="0"/>
+              </a:rPr>
+              <a:t>uture&lt;void&gt; </a:t>
+            </a:r>
+            <a:r>
+              <a:rPr lang="en-US" dirty="0" err="1" smtClean="0">
+                <a:latin typeface="Consolas" panose="020B0609020204030204" pitchFamily="49" charset="0"/>
+                <a:cs typeface="Consolas" panose="020B0609020204030204" pitchFamily="49" charset="0"/>
+              </a:rPr>
+              <a:t>all_is_done</a:t>
+            </a:r>
+            <a:r>
+              <a:rPr lang="en-US" dirty="0" smtClean="0">
+                <a:latin typeface="Consolas" panose="020B0609020204030204" pitchFamily="49" charset="0"/>
+                <a:cs typeface="Consolas" panose="020B0609020204030204" pitchFamily="49" charset="0"/>
+              </a:rPr>
+              <a:t> = </a:t>
+            </a:r>
+            <a:r>
+              <a:rPr lang="en-US" dirty="0" err="1" smtClean="0">
+                <a:latin typeface="Consolas" panose="020B0609020204030204" pitchFamily="49" charset="0"/>
+                <a:cs typeface="Consolas" panose="020B0609020204030204" pitchFamily="49" charset="0"/>
+              </a:rPr>
+              <a:t>make_ready_future</a:t>
+            </a:r>
+            <a:r>
+              <a:rPr lang="en-US" dirty="0" smtClean="0">
+                <a:latin typeface="Consolas" panose="020B0609020204030204" pitchFamily="49" charset="0"/>
+                <a:cs typeface="Consolas" panose="020B0609020204030204" pitchFamily="49" charset="0"/>
+              </a:rPr>
+              <a:t>();</a:t>
+            </a:r>
+          </a:p>
+          <a:p>
+            <a:pPr marL="274320" lvl="1" indent="0">
+              <a:buNone/>
+            </a:pPr>
+            <a:r>
+              <a:rPr lang="en-US" dirty="0" smtClean="0">
+                <a:latin typeface="Consolas" panose="020B0609020204030204" pitchFamily="49" charset="0"/>
+                <a:cs typeface="Consolas" panose="020B0609020204030204" pitchFamily="49" charset="0"/>
+              </a:rPr>
+              <a:t>for </a:t>
+            </a:r>
+            <a:r>
+              <a:rPr lang="en-US" dirty="0">
+                <a:latin typeface="Consolas" panose="020B0609020204030204" pitchFamily="49" charset="0"/>
+                <a:cs typeface="Consolas" panose="020B0609020204030204" pitchFamily="49" charset="0"/>
+              </a:rPr>
+              <a:t>(</a:t>
+            </a:r>
+            <a:r>
+              <a:rPr lang="en-US" dirty="0" err="1">
+                <a:latin typeface="Consolas" panose="020B0609020204030204" pitchFamily="49" charset="0"/>
+                <a:cs typeface="Consolas" panose="020B0609020204030204" pitchFamily="49" charset="0"/>
+              </a:rPr>
+              <a:t>std</a:t>
+            </a:r>
+            <a:r>
+              <a:rPr lang="en-US" dirty="0">
+                <a:latin typeface="Consolas" panose="020B0609020204030204" pitchFamily="49" charset="0"/>
+                <a:cs typeface="Consolas" panose="020B0609020204030204" pitchFamily="49" charset="0"/>
+              </a:rPr>
+              <a:t>::</a:t>
+            </a:r>
+            <a:r>
+              <a:rPr lang="en-US" dirty="0" err="1">
+                <a:latin typeface="Consolas" panose="020B0609020204030204" pitchFamily="49" charset="0"/>
+                <a:cs typeface="Consolas" panose="020B0609020204030204" pitchFamily="49" charset="0"/>
+              </a:rPr>
+              <a:t>size_t</a:t>
+            </a:r>
+            <a:r>
+              <a:rPr lang="en-US" dirty="0">
+                <a:latin typeface="Consolas" panose="020B0609020204030204" pitchFamily="49" charset="0"/>
+                <a:cs typeface="Consolas" panose="020B0609020204030204" pitchFamily="49" charset="0"/>
+              </a:rPr>
+              <a:t> t = 0; t </a:t>
+            </a:r>
+            <a:r>
+              <a:rPr lang="en-US" dirty="0" smtClean="0">
+                <a:latin typeface="Consolas" panose="020B0609020204030204" pitchFamily="49" charset="0"/>
+                <a:cs typeface="Consolas" panose="020B0609020204030204" pitchFamily="49" charset="0"/>
+              </a:rPr>
+              <a:t>!= </a:t>
+            </a:r>
+            <a:r>
+              <a:rPr lang="en-US" dirty="0">
+                <a:latin typeface="Consolas" panose="020B0609020204030204" pitchFamily="49" charset="0"/>
+                <a:cs typeface="Consolas" panose="020B0609020204030204" pitchFamily="49" charset="0"/>
+              </a:rPr>
+              <a:t>steps; ++t)</a:t>
+            </a:r>
+          </a:p>
+          <a:p>
+            <a:pPr marL="274320" lvl="1" indent="0">
+              <a:buNone/>
+            </a:pPr>
+            <a:r>
+              <a:rPr lang="en-US" dirty="0" smtClean="0">
+                <a:latin typeface="Consolas" panose="020B0609020204030204" pitchFamily="49" charset="0"/>
+                <a:cs typeface="Consolas" panose="020B0609020204030204" pitchFamily="49" charset="0"/>
+              </a:rPr>
+              <a:t>{</a:t>
+            </a:r>
+          </a:p>
+          <a:p>
+            <a:pPr marL="274320" lvl="1" indent="0">
+              <a:buNone/>
+            </a:pPr>
+            <a:r>
+              <a:rPr lang="en-US" dirty="0" smtClean="0">
+                <a:latin typeface="Consolas" panose="020B0609020204030204" pitchFamily="49" charset="0"/>
+                <a:cs typeface="Consolas" panose="020B0609020204030204" pitchFamily="49" charset="0"/>
+              </a:rPr>
+              <a:t>    </a:t>
+            </a:r>
+            <a:r>
+              <a:rPr lang="en-US" dirty="0" err="1" smtClean="0">
+                <a:latin typeface="Consolas" panose="020B0609020204030204" pitchFamily="49" charset="0"/>
+                <a:cs typeface="Consolas" panose="020B0609020204030204" pitchFamily="49" charset="0"/>
+              </a:rPr>
+              <a:t>all_is_done</a:t>
+            </a:r>
+            <a:r>
+              <a:rPr lang="en-US" dirty="0" smtClean="0">
+                <a:latin typeface="Consolas" panose="020B0609020204030204" pitchFamily="49" charset="0"/>
+                <a:cs typeface="Consolas" panose="020B0609020204030204" pitchFamily="49" charset="0"/>
+              </a:rPr>
+              <a:t> = </a:t>
+            </a:r>
+          </a:p>
+          <a:p>
+            <a:pPr marL="274320" lvl="1" indent="0">
+              <a:buNone/>
+            </a:pPr>
+            <a:r>
+              <a:rPr lang="en-US" dirty="0">
+                <a:latin typeface="Consolas" panose="020B0609020204030204" pitchFamily="49" charset="0"/>
+                <a:cs typeface="Consolas" panose="020B0609020204030204" pitchFamily="49" charset="0"/>
+              </a:rPr>
+              <a:t> </a:t>
+            </a:r>
+            <a:r>
+              <a:rPr lang="en-US" dirty="0" smtClean="0">
+                <a:latin typeface="Consolas" panose="020B0609020204030204" pitchFamily="49" charset="0"/>
+                <a:cs typeface="Consolas" panose="020B0609020204030204" pitchFamily="49" charset="0"/>
+              </a:rPr>
+              <a:t>       </a:t>
+            </a:r>
+            <a:r>
+              <a:rPr lang="en-US" dirty="0" err="1" smtClean="0">
+                <a:latin typeface="Consolas" panose="020B0609020204030204" pitchFamily="49" charset="0"/>
+                <a:cs typeface="Consolas" panose="020B0609020204030204" pitchFamily="49" charset="0"/>
+              </a:rPr>
+              <a:t>all_is_done.then</a:t>
+            </a:r>
+            <a:r>
+              <a:rPr lang="en-US" dirty="0" smtClean="0">
+                <a:latin typeface="Consolas" panose="020B0609020204030204" pitchFamily="49" charset="0"/>
+                <a:cs typeface="Consolas" panose="020B0609020204030204" pitchFamily="49" charset="0"/>
+              </a:rPr>
+              <a:t>([&amp;](auto f) </a:t>
+            </a:r>
+          </a:p>
+          <a:p>
+            <a:pPr marL="274320" lvl="1" indent="0">
+              <a:buNone/>
+            </a:pPr>
+            <a:r>
+              <a:rPr lang="en-US" dirty="0">
+                <a:latin typeface="Consolas" panose="020B0609020204030204" pitchFamily="49" charset="0"/>
+                <a:cs typeface="Consolas" panose="020B0609020204030204" pitchFamily="49" charset="0"/>
+              </a:rPr>
+              <a:t> </a:t>
+            </a:r>
+            <a:r>
+              <a:rPr lang="en-US" dirty="0" smtClean="0">
+                <a:latin typeface="Consolas" panose="020B0609020204030204" pitchFamily="49" charset="0"/>
+                <a:cs typeface="Consolas" panose="020B0609020204030204" pitchFamily="49" charset="0"/>
+              </a:rPr>
+              <a:t>       {</a:t>
+            </a:r>
+          </a:p>
+          <a:p>
+            <a:pPr marL="274320" lvl="1" indent="0">
+              <a:buNone/>
+            </a:pPr>
+            <a:r>
+              <a:rPr lang="en-US" dirty="0">
+                <a:latin typeface="Consolas" panose="020B0609020204030204" pitchFamily="49" charset="0"/>
+                <a:cs typeface="Consolas" panose="020B0609020204030204" pitchFamily="49" charset="0"/>
+              </a:rPr>
+              <a:t> </a:t>
+            </a:r>
+            <a:r>
+              <a:rPr lang="en-US" dirty="0" smtClean="0">
+                <a:latin typeface="Consolas" panose="020B0609020204030204" pitchFamily="49" charset="0"/>
+                <a:cs typeface="Consolas" panose="020B0609020204030204" pitchFamily="49" charset="0"/>
+              </a:rPr>
+              <a:t>           future&lt;void&gt; </a:t>
+            </a:r>
+            <a:r>
+              <a:rPr lang="en-US" dirty="0" err="1" smtClean="0">
+                <a:latin typeface="Consolas" panose="020B0609020204030204" pitchFamily="49" charset="0"/>
+                <a:cs typeface="Consolas" panose="020B0609020204030204" pitchFamily="49" charset="0"/>
+              </a:rPr>
+              <a:t>receive_done</a:t>
+            </a:r>
+            <a:r>
+              <a:rPr lang="en-US" dirty="0" smtClean="0">
+                <a:latin typeface="Consolas" panose="020B0609020204030204" pitchFamily="49" charset="0"/>
+                <a:cs typeface="Consolas" panose="020B0609020204030204" pitchFamily="49" charset="0"/>
+              </a:rPr>
+              <a:t> = </a:t>
+            </a:r>
+            <a:r>
+              <a:rPr lang="en-US" dirty="0" err="1" smtClean="0">
+                <a:latin typeface="Consolas" panose="020B0609020204030204" pitchFamily="49" charset="0"/>
+                <a:cs typeface="Consolas" panose="020B0609020204030204" pitchFamily="49" charset="0"/>
+              </a:rPr>
+              <a:t>handle_receive_boundaries</a:t>
+            </a:r>
+            <a:r>
+              <a:rPr lang="en-US" dirty="0" smtClean="0">
+                <a:latin typeface="Consolas" panose="020B0609020204030204" pitchFamily="49" charset="0"/>
+                <a:cs typeface="Consolas" panose="020B0609020204030204" pitchFamily="49" charset="0"/>
+              </a:rPr>
+              <a:t>(t, rank);</a:t>
+            </a:r>
+          </a:p>
+          <a:p>
+            <a:pPr marL="280988" lvl="2" indent="0">
+              <a:spcBef>
+                <a:spcPts val="600"/>
+              </a:spcBef>
+              <a:buNone/>
+            </a:pPr>
+            <a:r>
+              <a:rPr lang="de-DE" sz="1800" dirty="0" smtClean="0">
+                <a:latin typeface="Consolas" panose="020B0609020204030204" pitchFamily="49" charset="0"/>
+                <a:cs typeface="Consolas" panose="020B0609020204030204" pitchFamily="49" charset="0"/>
+              </a:rPr>
+              <a:t>            future&lt;void</a:t>
+            </a:r>
+            <a:r>
+              <a:rPr lang="en-US" sz="1800" dirty="0" smtClean="0">
+                <a:latin typeface="Consolas" panose="020B0609020204030204" pitchFamily="49" charset="0"/>
+                <a:cs typeface="Consolas" panose="020B0609020204030204" pitchFamily="49" charset="0"/>
+              </a:rPr>
+              <a:t>&gt; </a:t>
+            </a:r>
+            <a:r>
+              <a:rPr lang="en-US" sz="1800" dirty="0" err="1" smtClean="0">
+                <a:latin typeface="Consolas" panose="020B0609020204030204" pitchFamily="49" charset="0"/>
+                <a:cs typeface="Consolas" panose="020B0609020204030204" pitchFamily="49" charset="0"/>
+              </a:rPr>
+              <a:t>work_done</a:t>
+            </a:r>
+            <a:r>
+              <a:rPr lang="en-US" sz="1800" dirty="0" smtClean="0">
+                <a:latin typeface="Consolas" panose="020B0609020204030204" pitchFamily="49" charset="0"/>
+                <a:cs typeface="Consolas" panose="020B0609020204030204" pitchFamily="49" charset="0"/>
+              </a:rPr>
+              <a:t> = </a:t>
+            </a:r>
+            <a:r>
+              <a:rPr lang="en-US" sz="1800" dirty="0" err="1" smtClean="0">
+                <a:latin typeface="Consolas" panose="020B0609020204030204" pitchFamily="49" charset="0"/>
+                <a:cs typeface="Consolas" panose="020B0609020204030204" pitchFamily="49" charset="0"/>
+              </a:rPr>
+              <a:t>hpx</a:t>
+            </a:r>
+            <a:r>
+              <a:rPr lang="en-US" sz="1800" dirty="0">
+                <a:latin typeface="Consolas" panose="020B0609020204030204" pitchFamily="49" charset="0"/>
+                <a:cs typeface="Consolas" panose="020B0609020204030204" pitchFamily="49" charset="0"/>
+              </a:rPr>
+              <a:t>::parallel::</a:t>
+            </a:r>
+            <a:r>
+              <a:rPr lang="en-US" sz="1800" dirty="0" err="1">
+                <a:latin typeface="Consolas" panose="020B0609020204030204" pitchFamily="49" charset="0"/>
+                <a:cs typeface="Consolas" panose="020B0609020204030204" pitchFamily="49" charset="0"/>
+              </a:rPr>
+              <a:t>for_loop</a:t>
+            </a:r>
+            <a:r>
+              <a:rPr lang="en-US" sz="1800" dirty="0">
+                <a:latin typeface="Consolas" panose="020B0609020204030204" pitchFamily="49" charset="0"/>
+                <a:cs typeface="Consolas" panose="020B0609020204030204" pitchFamily="49" charset="0"/>
+              </a:rPr>
+              <a:t>(policy</a:t>
+            </a:r>
+            <a:r>
+              <a:rPr lang="en-US" sz="1800" dirty="0" smtClean="0">
+                <a:latin typeface="Consolas" panose="020B0609020204030204" pitchFamily="49" charset="0"/>
+                <a:cs typeface="Consolas" panose="020B0609020204030204" pitchFamily="49" charset="0"/>
+              </a:rPr>
+              <a:t>, ...);</a:t>
+            </a:r>
+            <a:endParaRPr lang="en-US" sz="1800" dirty="0">
+              <a:latin typeface="Consolas" panose="020B0609020204030204" pitchFamily="49" charset="0"/>
+              <a:cs typeface="Consolas" panose="020B0609020204030204" pitchFamily="49" charset="0"/>
+            </a:endParaRPr>
+          </a:p>
+          <a:p>
+            <a:pPr marL="280988" lvl="2" indent="0">
+              <a:spcBef>
+                <a:spcPts val="600"/>
+              </a:spcBef>
+              <a:buNone/>
+            </a:pPr>
+            <a:r>
+              <a:rPr lang="en-US" sz="1800" dirty="0" smtClean="0">
+                <a:latin typeface="Consolas" panose="020B0609020204030204" pitchFamily="49" charset="0"/>
+                <a:cs typeface="Consolas" panose="020B0609020204030204" pitchFamily="49" charset="0"/>
+              </a:rPr>
+              <a:t>            </a:t>
+            </a:r>
+            <a:r>
+              <a:rPr lang="de-DE" sz="1800" dirty="0">
+                <a:latin typeface="Consolas" panose="020B0609020204030204" pitchFamily="49" charset="0"/>
+                <a:cs typeface="Consolas" panose="020B0609020204030204" pitchFamily="49" charset="0"/>
+              </a:rPr>
+              <a:t>future&lt;void</a:t>
+            </a:r>
+            <a:r>
+              <a:rPr lang="en-US" sz="1800" dirty="0">
+                <a:latin typeface="Consolas" panose="020B0609020204030204" pitchFamily="49" charset="0"/>
+                <a:cs typeface="Consolas" panose="020B0609020204030204" pitchFamily="49" charset="0"/>
+              </a:rPr>
+              <a:t>&gt; </a:t>
+            </a:r>
+            <a:r>
+              <a:rPr lang="en-US" sz="1800" dirty="0" err="1" smtClean="0">
+                <a:latin typeface="Consolas" panose="020B0609020204030204" pitchFamily="49" charset="0"/>
+                <a:cs typeface="Consolas" panose="020B0609020204030204" pitchFamily="49" charset="0"/>
+              </a:rPr>
+              <a:t>send_done</a:t>
+            </a:r>
+            <a:r>
+              <a:rPr lang="en-US" sz="1800" dirty="0" smtClean="0">
+                <a:latin typeface="Consolas" panose="020B0609020204030204" pitchFamily="49" charset="0"/>
+                <a:cs typeface="Consolas" panose="020B0609020204030204" pitchFamily="49" charset="0"/>
+              </a:rPr>
+              <a:t> =</a:t>
+            </a:r>
+            <a:r>
+              <a:rPr lang="en-US" sz="1800" dirty="0">
+                <a:latin typeface="Consolas" panose="020B0609020204030204" pitchFamily="49" charset="0"/>
+                <a:cs typeface="Consolas" panose="020B0609020204030204" pitchFamily="49" charset="0"/>
+              </a:rPr>
+              <a:t> </a:t>
+            </a:r>
+            <a:r>
+              <a:rPr lang="en-US" dirty="0" err="1">
+                <a:latin typeface="Consolas" panose="020B0609020204030204" pitchFamily="49" charset="0"/>
+                <a:cs typeface="Consolas" panose="020B0609020204030204" pitchFamily="49" charset="0"/>
+              </a:rPr>
+              <a:t>handle_</a:t>
+            </a:r>
+            <a:r>
+              <a:rPr lang="en-US" sz="1800" dirty="0" err="1" smtClean="0">
+                <a:latin typeface="Consolas" panose="020B0609020204030204" pitchFamily="49" charset="0"/>
+                <a:cs typeface="Consolas" panose="020B0609020204030204" pitchFamily="49" charset="0"/>
+              </a:rPr>
+              <a:t>send_boundaries</a:t>
+            </a:r>
+            <a:r>
+              <a:rPr lang="en-US" sz="1800" dirty="0" smtClean="0">
+                <a:latin typeface="Consolas" panose="020B0609020204030204" pitchFamily="49" charset="0"/>
+                <a:cs typeface="Consolas" panose="020B0609020204030204" pitchFamily="49" charset="0"/>
+              </a:rPr>
+              <a:t>(t, rank);</a:t>
+            </a:r>
+          </a:p>
+          <a:p>
+            <a:pPr marL="280988" lvl="2" indent="0">
+              <a:spcBef>
+                <a:spcPts val="600"/>
+              </a:spcBef>
+              <a:buNone/>
+            </a:pPr>
+            <a:r>
+              <a:rPr lang="en-US" sz="1800" dirty="0">
+                <a:latin typeface="Consolas" panose="020B0609020204030204" pitchFamily="49" charset="0"/>
+                <a:cs typeface="Consolas" panose="020B0609020204030204" pitchFamily="49" charset="0"/>
+              </a:rPr>
+              <a:t> </a:t>
+            </a:r>
+            <a:r>
+              <a:rPr lang="en-US" sz="1800" dirty="0" smtClean="0">
+                <a:latin typeface="Consolas" panose="020B0609020204030204" pitchFamily="49" charset="0"/>
+                <a:cs typeface="Consolas" panose="020B0609020204030204" pitchFamily="49" charset="0"/>
+              </a:rPr>
+              <a:t>           return </a:t>
+            </a:r>
+            <a:r>
+              <a:rPr lang="en-US" sz="1800" dirty="0" err="1" smtClean="0">
+                <a:latin typeface="Consolas" panose="020B0609020204030204" pitchFamily="49" charset="0"/>
+                <a:cs typeface="Consolas" panose="020B0609020204030204" pitchFamily="49" charset="0"/>
+              </a:rPr>
+              <a:t>when_all</a:t>
+            </a:r>
+            <a:r>
+              <a:rPr lang="en-US" sz="1800" dirty="0" smtClean="0">
+                <a:latin typeface="Consolas" panose="020B0609020204030204" pitchFamily="49" charset="0"/>
+                <a:cs typeface="Consolas" panose="020B0609020204030204" pitchFamily="49" charset="0"/>
+              </a:rPr>
+              <a:t>(</a:t>
+            </a:r>
+            <a:r>
+              <a:rPr lang="en-US" sz="1800" dirty="0" err="1" smtClean="0">
+                <a:latin typeface="Consolas" panose="020B0609020204030204" pitchFamily="49" charset="0"/>
+                <a:cs typeface="Consolas" panose="020B0609020204030204" pitchFamily="49" charset="0"/>
+              </a:rPr>
+              <a:t>receive_done</a:t>
+            </a:r>
+            <a:r>
+              <a:rPr lang="en-US" sz="1800" dirty="0" smtClean="0">
+                <a:latin typeface="Consolas" panose="020B0609020204030204" pitchFamily="49" charset="0"/>
+                <a:cs typeface="Consolas" panose="020B0609020204030204" pitchFamily="49" charset="0"/>
+              </a:rPr>
+              <a:t>, </a:t>
+            </a:r>
+            <a:r>
+              <a:rPr lang="en-US" sz="1800" dirty="0" err="1" smtClean="0">
+                <a:latin typeface="Consolas" panose="020B0609020204030204" pitchFamily="49" charset="0"/>
+                <a:cs typeface="Consolas" panose="020B0609020204030204" pitchFamily="49" charset="0"/>
+              </a:rPr>
+              <a:t>work_done</a:t>
+            </a:r>
+            <a:r>
+              <a:rPr lang="en-US" sz="1800" dirty="0" smtClean="0">
+                <a:latin typeface="Consolas" panose="020B0609020204030204" pitchFamily="49" charset="0"/>
+                <a:cs typeface="Consolas" panose="020B0609020204030204" pitchFamily="49" charset="0"/>
+              </a:rPr>
+              <a:t>, </a:t>
+            </a:r>
+            <a:r>
+              <a:rPr lang="en-US" sz="1800" dirty="0" err="1" smtClean="0">
+                <a:latin typeface="Consolas" panose="020B0609020204030204" pitchFamily="49" charset="0"/>
+                <a:cs typeface="Consolas" panose="020B0609020204030204" pitchFamily="49" charset="0"/>
+              </a:rPr>
+              <a:t>send_done</a:t>
+            </a:r>
+            <a:r>
+              <a:rPr lang="en-US" sz="1800" dirty="0" smtClean="0">
+                <a:latin typeface="Consolas" panose="020B0609020204030204" pitchFamily="49" charset="0"/>
+                <a:cs typeface="Consolas" panose="020B0609020204030204" pitchFamily="49" charset="0"/>
+              </a:rPr>
+              <a:t>);</a:t>
+            </a:r>
+          </a:p>
+          <a:p>
+            <a:pPr marL="280988" lvl="2" indent="0">
+              <a:spcBef>
+                <a:spcPts val="600"/>
+              </a:spcBef>
+              <a:buNone/>
+            </a:pPr>
+            <a:r>
+              <a:rPr lang="en-US" sz="1800" dirty="0">
+                <a:latin typeface="Consolas" panose="020B0609020204030204" pitchFamily="49" charset="0"/>
+                <a:cs typeface="Consolas" panose="020B0609020204030204" pitchFamily="49" charset="0"/>
+              </a:rPr>
+              <a:t> </a:t>
+            </a:r>
+            <a:r>
+              <a:rPr lang="en-US" sz="1800" dirty="0" smtClean="0">
+                <a:latin typeface="Consolas" panose="020B0609020204030204" pitchFamily="49" charset="0"/>
+                <a:cs typeface="Consolas" panose="020B0609020204030204" pitchFamily="49" charset="0"/>
+              </a:rPr>
+              <a:t>       }</a:t>
+            </a:r>
+          </a:p>
+          <a:p>
+            <a:pPr marL="280988" lvl="2" indent="0">
+              <a:spcBef>
+                <a:spcPts val="600"/>
+              </a:spcBef>
+              <a:buNone/>
+            </a:pPr>
+            <a:r>
+              <a:rPr lang="en-US" sz="1800" dirty="0" smtClean="0">
+                <a:latin typeface="Consolas" panose="020B0609020204030204" pitchFamily="49" charset="0"/>
+                <a:cs typeface="Consolas" panose="020B0609020204030204" pitchFamily="49" charset="0"/>
+              </a:rPr>
+              <a:t>    </a:t>
+            </a:r>
+            <a:r>
+              <a:rPr lang="en-US" sz="1800" dirty="0" err="1" smtClean="0">
+                <a:latin typeface="Consolas" panose="020B0609020204030204" pitchFamily="49" charset="0"/>
+                <a:cs typeface="Consolas" panose="020B0609020204030204" pitchFamily="49" charset="0"/>
+              </a:rPr>
+              <a:t>std</a:t>
+            </a:r>
+            <a:r>
+              <a:rPr lang="en-US" sz="1800" dirty="0">
+                <a:latin typeface="Consolas" panose="020B0609020204030204" pitchFamily="49" charset="0"/>
+                <a:cs typeface="Consolas" panose="020B0609020204030204" pitchFamily="49" charset="0"/>
+              </a:rPr>
+              <a:t>::swap(</a:t>
+            </a:r>
+            <a:r>
+              <a:rPr lang="en-US" sz="1800" dirty="0" err="1">
+                <a:latin typeface="Consolas" panose="020B0609020204030204" pitchFamily="49" charset="0"/>
+                <a:cs typeface="Consolas" panose="020B0609020204030204" pitchFamily="49" charset="0"/>
+              </a:rPr>
+              <a:t>curr</a:t>
+            </a:r>
+            <a:r>
+              <a:rPr lang="en-US" sz="1800" dirty="0">
+                <a:latin typeface="Consolas" panose="020B0609020204030204" pitchFamily="49" charset="0"/>
+                <a:cs typeface="Consolas" panose="020B0609020204030204" pitchFamily="49" charset="0"/>
+              </a:rPr>
+              <a:t>, next);</a:t>
+            </a:r>
+            <a:endParaRPr lang="en-US" sz="1800" dirty="0">
+              <a:latin typeface="Consolas" panose="020B0609020204030204" pitchFamily="49" charset="0"/>
+              <a:cs typeface="Consolas" panose="020B0609020204030204" pitchFamily="49" charset="0"/>
+            </a:endParaRPr>
+          </a:p>
+          <a:p>
+            <a:pPr marL="274320" lvl="1" indent="0">
+              <a:buNone/>
+            </a:pPr>
+            <a:r>
+              <a:rPr lang="en-US" dirty="0" smtClean="0">
+                <a:latin typeface="Consolas" panose="020B0609020204030204" pitchFamily="49" charset="0"/>
+                <a:cs typeface="Consolas" panose="020B0609020204030204" pitchFamily="49" charset="0"/>
+              </a:rPr>
+              <a:t>}</a:t>
+            </a:r>
+          </a:p>
+          <a:p>
+            <a:pPr marL="274320" lvl="1" indent="0">
+              <a:buNone/>
+            </a:pPr>
+            <a:r>
+              <a:rPr lang="en-US" dirty="0" err="1" smtClean="0">
+                <a:latin typeface="Consolas" panose="020B0609020204030204" pitchFamily="49" charset="0"/>
+                <a:cs typeface="Consolas" panose="020B0609020204030204" pitchFamily="49" charset="0"/>
+              </a:rPr>
+              <a:t>all_is_done.get</a:t>
+            </a:r>
+            <a:r>
+              <a:rPr lang="en-US" dirty="0" smtClean="0">
+                <a:latin typeface="Consolas" panose="020B0609020204030204" pitchFamily="49" charset="0"/>
+                <a:cs typeface="Consolas" panose="020B0609020204030204" pitchFamily="49" charset="0"/>
+              </a:rPr>
+              <a:t>();</a:t>
+            </a:r>
+            <a:endParaRPr lang="en-US" dirty="0">
+              <a:latin typeface="Consolas" panose="020B0609020204030204" pitchFamily="49" charset="0"/>
+              <a:cs typeface="Consolas" panose="020B0609020204030204" pitchFamily="49" charset="0"/>
+            </a:endParaRPr>
+          </a:p>
+        </p:txBody>
+      </p:sp>
       <p:sp>
         <p:nvSpPr>
           <p:cNvPr id="4" name="Date Placeholder 3"/>
@@ -12552,40 +15206,10 @@
           </a:p>
         </p:txBody>
       </p:sp>
-      <p:sp>
-        <p:nvSpPr>
-          <p:cNvPr id="8" name="TextBox 7"/>
-          <p:cNvSpPr txBox="1"/>
-          <p:nvPr/>
-        </p:nvSpPr>
-        <p:spPr>
-          <a:xfrm>
-            <a:off x="9470617" y="5925106"/>
-            <a:ext cx="1561646" cy="369332"/>
-          </a:xfrm>
-          <a:prstGeom prst="rect">
-            <a:avLst/>
-          </a:prstGeom>
-          <a:noFill/>
-        </p:spPr>
-        <p:txBody>
-          <a:bodyPr wrap="none" rtlCol="0">
-            <a:spAutoFit/>
-          </a:bodyPr>
-          <a:lstStyle/>
-          <a:p>
-            <a:r>
-              <a:rPr lang="en-US" dirty="0" smtClean="0"/>
-              <a:t>Idle-rate: 2%</a:t>
-            </a:r>
-            <a:endParaRPr lang="en-US" dirty="0"/>
-          </a:p>
-        </p:txBody>
-      </p:sp>
     </p:spTree>
     <p:extLst>
       <p:ext uri="{BB962C8B-B14F-4D97-AF65-F5344CB8AC3E}">
-        <p14:creationId xmlns:p14="http://schemas.microsoft.com/office/powerpoint/2010/main" val="493777255"/>
+        <p14:creationId xmlns:p14="http://schemas.microsoft.com/office/powerpoint/2010/main" val="2222414406"/>
       </p:ext>
     </p:extLst>
   </p:cSld>
@@ -12595,7 +15219,1519 @@
   <p:timing>
     <p:tnLst>
       <p:par>
-        <p:cTn id="1" dur="indefinite" restart="never" nodeType="tmRoot"/>
+        <p:cTn id="1" dur="indefinite" restart="never" nodeType="tmRoot">
+          <p:childTnLst>
+            <p:seq concurrent="1" nextAc="seek">
+              <p:cTn id="2" dur="indefinite" nodeType="mainSeq">
+                <p:childTnLst>
+                  <p:par>
+                    <p:cTn id="3" fill="hold">
+                      <p:stCondLst>
+                        <p:cond delay="indefinite"/>
+                        <p:cond evt="onBegin" delay="0">
+                          <p:tn val="2"/>
+                        </p:cond>
+                      </p:stCondLst>
+                      <p:childTnLst>
+                        <p:par>
+                          <p:cTn id="4" fill="hold">
+                            <p:stCondLst>
+                              <p:cond delay="0"/>
+                            </p:stCondLst>
+                            <p:childTnLst>
+                              <p:par>
+                                <p:cTn id="5" presetID="2" presetClass="entr" presetSubtype="8" fill="hold" nodeType="withEffect">
+                                  <p:stCondLst>
+                                    <p:cond delay="0"/>
+                                  </p:stCondLst>
+                                  <p:childTnLst>
+                                    <p:set>
+                                      <p:cBhvr>
+                                        <p:cTn id="6" dur="1" fill="hold">
+                                          <p:stCondLst>
+                                            <p:cond delay="0"/>
+                                          </p:stCondLst>
+                                        </p:cTn>
+                                        <p:tgtEl>
+                                          <p:spTgt spid="3">
+                                            <p:txEl>
+                                              <p:pRg st="0" end="0"/>
+                                            </p:txEl>
+                                          </p:spTgt>
+                                        </p:tgtEl>
+                                        <p:attrNameLst>
+                                          <p:attrName>style.visibility</p:attrName>
+                                        </p:attrNameLst>
+                                      </p:cBhvr>
+                                      <p:to>
+                                        <p:strVal val="visible"/>
+                                      </p:to>
+                                    </p:set>
+                                    <p:anim calcmode="lin" valueType="num">
+                                      <p:cBhvr additive="base">
+                                        <p:cTn id="7" dur="500" fill="hold"/>
+                                        <p:tgtEl>
+                                          <p:spTgt spid="3">
+                                            <p:txEl>
+                                              <p:pRg st="0" end="0"/>
+                                            </p:txEl>
+                                          </p:spTgt>
+                                        </p:tgtEl>
+                                        <p:attrNameLst>
+                                          <p:attrName>ppt_x</p:attrName>
+                                        </p:attrNameLst>
+                                      </p:cBhvr>
+                                      <p:tavLst>
+                                        <p:tav tm="0">
+                                          <p:val>
+                                            <p:strVal val="0-#ppt_w/2"/>
+                                          </p:val>
+                                        </p:tav>
+                                        <p:tav tm="100000">
+                                          <p:val>
+                                            <p:strVal val="#ppt_x"/>
+                                          </p:val>
+                                        </p:tav>
+                                      </p:tavLst>
+                                    </p:anim>
+                                    <p:anim calcmode="lin" valueType="num">
+                                      <p:cBhvr additive="base">
+                                        <p:cTn id="8" dur="500" fill="hold"/>
+                                        <p:tgtEl>
+                                          <p:spTgt spid="3">
+                                            <p:txEl>
+                                              <p:pRg st="0" end="0"/>
+                                            </p:txEl>
+                                          </p:spTgt>
+                                        </p:tgtEl>
+                                        <p:attrNameLst>
+                                          <p:attrName>ppt_y</p:attrName>
+                                        </p:attrNameLst>
+                                      </p:cBhvr>
+                                      <p:tavLst>
+                                        <p:tav tm="0">
+                                          <p:val>
+                                            <p:strVal val="#ppt_y"/>
+                                          </p:val>
+                                        </p:tav>
+                                        <p:tav tm="100000">
+                                          <p:val>
+                                            <p:strVal val="#ppt_y"/>
+                                          </p:val>
+                                        </p:tav>
+                                      </p:tavLst>
+                                    </p:anim>
+                                  </p:childTnLst>
+                                </p:cTn>
+                              </p:par>
+                              <p:par>
+                                <p:cTn id="9" presetID="2" presetClass="entr" presetSubtype="8" fill="hold" nodeType="withEffect">
+                                  <p:stCondLst>
+                                    <p:cond delay="0"/>
+                                  </p:stCondLst>
+                                  <p:childTnLst>
+                                    <p:set>
+                                      <p:cBhvr>
+                                        <p:cTn id="10" dur="1" fill="hold">
+                                          <p:stCondLst>
+                                            <p:cond delay="0"/>
+                                          </p:stCondLst>
+                                        </p:cTn>
+                                        <p:tgtEl>
+                                          <p:spTgt spid="3">
+                                            <p:txEl>
+                                              <p:pRg st="2" end="2"/>
+                                            </p:txEl>
+                                          </p:spTgt>
+                                        </p:tgtEl>
+                                        <p:attrNameLst>
+                                          <p:attrName>style.visibility</p:attrName>
+                                        </p:attrNameLst>
+                                      </p:cBhvr>
+                                      <p:to>
+                                        <p:strVal val="visible"/>
+                                      </p:to>
+                                    </p:set>
+                                    <p:anim calcmode="lin" valueType="num">
+                                      <p:cBhvr additive="base">
+                                        <p:cTn id="11" dur="500" fill="hold"/>
+                                        <p:tgtEl>
+                                          <p:spTgt spid="3">
+                                            <p:txEl>
+                                              <p:pRg st="2" end="2"/>
+                                            </p:txEl>
+                                          </p:spTgt>
+                                        </p:tgtEl>
+                                        <p:attrNameLst>
+                                          <p:attrName>ppt_x</p:attrName>
+                                        </p:attrNameLst>
+                                      </p:cBhvr>
+                                      <p:tavLst>
+                                        <p:tav tm="0">
+                                          <p:val>
+                                            <p:strVal val="0-#ppt_w/2"/>
+                                          </p:val>
+                                        </p:tav>
+                                        <p:tav tm="100000">
+                                          <p:val>
+                                            <p:strVal val="#ppt_x"/>
+                                          </p:val>
+                                        </p:tav>
+                                      </p:tavLst>
+                                    </p:anim>
+                                    <p:anim calcmode="lin" valueType="num">
+                                      <p:cBhvr additive="base">
+                                        <p:cTn id="12" dur="500" fill="hold"/>
+                                        <p:tgtEl>
+                                          <p:spTgt spid="3">
+                                            <p:txEl>
+                                              <p:pRg st="2" end="2"/>
+                                            </p:txEl>
+                                          </p:spTgt>
+                                        </p:tgtEl>
+                                        <p:attrNameLst>
+                                          <p:attrName>ppt_y</p:attrName>
+                                        </p:attrNameLst>
+                                      </p:cBhvr>
+                                      <p:tavLst>
+                                        <p:tav tm="0">
+                                          <p:val>
+                                            <p:strVal val="#ppt_y"/>
+                                          </p:val>
+                                        </p:tav>
+                                        <p:tav tm="100000">
+                                          <p:val>
+                                            <p:strVal val="#ppt_y"/>
+                                          </p:val>
+                                        </p:tav>
+                                      </p:tavLst>
+                                    </p:anim>
+                                  </p:childTnLst>
+                                </p:cTn>
+                              </p:par>
+                              <p:par>
+                                <p:cTn id="13" presetID="2" presetClass="entr" presetSubtype="8" fill="hold" nodeType="withEffect">
+                                  <p:stCondLst>
+                                    <p:cond delay="0"/>
+                                  </p:stCondLst>
+                                  <p:childTnLst>
+                                    <p:set>
+                                      <p:cBhvr>
+                                        <p:cTn id="14" dur="1" fill="hold">
+                                          <p:stCondLst>
+                                            <p:cond delay="0"/>
+                                          </p:stCondLst>
+                                        </p:cTn>
+                                        <p:tgtEl>
+                                          <p:spTgt spid="3">
+                                            <p:txEl>
+                                              <p:pRg st="3" end="3"/>
+                                            </p:txEl>
+                                          </p:spTgt>
+                                        </p:tgtEl>
+                                        <p:attrNameLst>
+                                          <p:attrName>style.visibility</p:attrName>
+                                        </p:attrNameLst>
+                                      </p:cBhvr>
+                                      <p:to>
+                                        <p:strVal val="visible"/>
+                                      </p:to>
+                                    </p:set>
+                                    <p:anim calcmode="lin" valueType="num">
+                                      <p:cBhvr additive="base">
+                                        <p:cTn id="15" dur="500" fill="hold"/>
+                                        <p:tgtEl>
+                                          <p:spTgt spid="3">
+                                            <p:txEl>
+                                              <p:pRg st="3" end="3"/>
+                                            </p:txEl>
+                                          </p:spTgt>
+                                        </p:tgtEl>
+                                        <p:attrNameLst>
+                                          <p:attrName>ppt_x</p:attrName>
+                                        </p:attrNameLst>
+                                      </p:cBhvr>
+                                      <p:tavLst>
+                                        <p:tav tm="0">
+                                          <p:val>
+                                            <p:strVal val="0-#ppt_w/2"/>
+                                          </p:val>
+                                        </p:tav>
+                                        <p:tav tm="100000">
+                                          <p:val>
+                                            <p:strVal val="#ppt_x"/>
+                                          </p:val>
+                                        </p:tav>
+                                      </p:tavLst>
+                                    </p:anim>
+                                    <p:anim calcmode="lin" valueType="num">
+                                      <p:cBhvr additive="base">
+                                        <p:cTn id="16" dur="500" fill="hold"/>
+                                        <p:tgtEl>
+                                          <p:spTgt spid="3">
+                                            <p:txEl>
+                                              <p:pRg st="3" end="3"/>
+                                            </p:txEl>
+                                          </p:spTgt>
+                                        </p:tgtEl>
+                                        <p:attrNameLst>
+                                          <p:attrName>ppt_y</p:attrName>
+                                        </p:attrNameLst>
+                                      </p:cBhvr>
+                                      <p:tavLst>
+                                        <p:tav tm="0">
+                                          <p:val>
+                                            <p:strVal val="#ppt_y"/>
+                                          </p:val>
+                                        </p:tav>
+                                        <p:tav tm="100000">
+                                          <p:val>
+                                            <p:strVal val="#ppt_y"/>
+                                          </p:val>
+                                        </p:tav>
+                                      </p:tavLst>
+                                    </p:anim>
+                                  </p:childTnLst>
+                                </p:cTn>
+                              </p:par>
+                              <p:par>
+                                <p:cTn id="17" presetID="2" presetClass="entr" presetSubtype="8" fill="hold" nodeType="withEffect">
+                                  <p:stCondLst>
+                                    <p:cond delay="0"/>
+                                  </p:stCondLst>
+                                  <p:childTnLst>
+                                    <p:set>
+                                      <p:cBhvr>
+                                        <p:cTn id="18" dur="1" fill="hold">
+                                          <p:stCondLst>
+                                            <p:cond delay="0"/>
+                                          </p:stCondLst>
+                                        </p:cTn>
+                                        <p:tgtEl>
+                                          <p:spTgt spid="3">
+                                            <p:txEl>
+                                              <p:pRg st="4" end="4"/>
+                                            </p:txEl>
+                                          </p:spTgt>
+                                        </p:tgtEl>
+                                        <p:attrNameLst>
+                                          <p:attrName>style.visibility</p:attrName>
+                                        </p:attrNameLst>
+                                      </p:cBhvr>
+                                      <p:to>
+                                        <p:strVal val="visible"/>
+                                      </p:to>
+                                    </p:set>
+                                    <p:anim calcmode="lin" valueType="num">
+                                      <p:cBhvr additive="base">
+                                        <p:cTn id="19" dur="500" fill="hold"/>
+                                        <p:tgtEl>
+                                          <p:spTgt spid="3">
+                                            <p:txEl>
+                                              <p:pRg st="4" end="4"/>
+                                            </p:txEl>
+                                          </p:spTgt>
+                                        </p:tgtEl>
+                                        <p:attrNameLst>
+                                          <p:attrName>ppt_x</p:attrName>
+                                        </p:attrNameLst>
+                                      </p:cBhvr>
+                                      <p:tavLst>
+                                        <p:tav tm="0">
+                                          <p:val>
+                                            <p:strVal val="0-#ppt_w/2"/>
+                                          </p:val>
+                                        </p:tav>
+                                        <p:tav tm="100000">
+                                          <p:val>
+                                            <p:strVal val="#ppt_x"/>
+                                          </p:val>
+                                        </p:tav>
+                                      </p:tavLst>
+                                    </p:anim>
+                                    <p:anim calcmode="lin" valueType="num">
+                                      <p:cBhvr additive="base">
+                                        <p:cTn id="20" dur="500" fill="hold"/>
+                                        <p:tgtEl>
+                                          <p:spTgt spid="3">
+                                            <p:txEl>
+                                              <p:pRg st="4" end="4"/>
+                                            </p:txEl>
+                                          </p:spTgt>
+                                        </p:tgtEl>
+                                        <p:attrNameLst>
+                                          <p:attrName>ppt_y</p:attrName>
+                                        </p:attrNameLst>
+                                      </p:cBhvr>
+                                      <p:tavLst>
+                                        <p:tav tm="0">
+                                          <p:val>
+                                            <p:strVal val="#ppt_y"/>
+                                          </p:val>
+                                        </p:tav>
+                                        <p:tav tm="100000">
+                                          <p:val>
+                                            <p:strVal val="#ppt_y"/>
+                                          </p:val>
+                                        </p:tav>
+                                      </p:tavLst>
+                                    </p:anim>
+                                  </p:childTnLst>
+                                </p:cTn>
+                              </p:par>
+                              <p:par>
+                                <p:cTn id="21" presetID="2" presetClass="entr" presetSubtype="8" fill="hold" nodeType="withEffect">
+                                  <p:stCondLst>
+                                    <p:cond delay="0"/>
+                                  </p:stCondLst>
+                                  <p:childTnLst>
+                                    <p:set>
+                                      <p:cBhvr>
+                                        <p:cTn id="22" dur="1" fill="hold">
+                                          <p:stCondLst>
+                                            <p:cond delay="0"/>
+                                          </p:stCondLst>
+                                        </p:cTn>
+                                        <p:tgtEl>
+                                          <p:spTgt spid="3">
+                                            <p:txEl>
+                                              <p:pRg st="5" end="5"/>
+                                            </p:txEl>
+                                          </p:spTgt>
+                                        </p:tgtEl>
+                                        <p:attrNameLst>
+                                          <p:attrName>style.visibility</p:attrName>
+                                        </p:attrNameLst>
+                                      </p:cBhvr>
+                                      <p:to>
+                                        <p:strVal val="visible"/>
+                                      </p:to>
+                                    </p:set>
+                                    <p:anim calcmode="lin" valueType="num">
+                                      <p:cBhvr additive="base">
+                                        <p:cTn id="23" dur="500" fill="hold"/>
+                                        <p:tgtEl>
+                                          <p:spTgt spid="3">
+                                            <p:txEl>
+                                              <p:pRg st="5" end="5"/>
+                                            </p:txEl>
+                                          </p:spTgt>
+                                        </p:tgtEl>
+                                        <p:attrNameLst>
+                                          <p:attrName>ppt_x</p:attrName>
+                                        </p:attrNameLst>
+                                      </p:cBhvr>
+                                      <p:tavLst>
+                                        <p:tav tm="0">
+                                          <p:val>
+                                            <p:strVal val="0-#ppt_w/2"/>
+                                          </p:val>
+                                        </p:tav>
+                                        <p:tav tm="100000">
+                                          <p:val>
+                                            <p:strVal val="#ppt_x"/>
+                                          </p:val>
+                                        </p:tav>
+                                      </p:tavLst>
+                                    </p:anim>
+                                    <p:anim calcmode="lin" valueType="num">
+                                      <p:cBhvr additive="base">
+                                        <p:cTn id="24" dur="500" fill="hold"/>
+                                        <p:tgtEl>
+                                          <p:spTgt spid="3">
+                                            <p:txEl>
+                                              <p:pRg st="5" end="5"/>
+                                            </p:txEl>
+                                          </p:spTgt>
+                                        </p:tgtEl>
+                                        <p:attrNameLst>
+                                          <p:attrName>ppt_y</p:attrName>
+                                        </p:attrNameLst>
+                                      </p:cBhvr>
+                                      <p:tavLst>
+                                        <p:tav tm="0">
+                                          <p:val>
+                                            <p:strVal val="#ppt_y"/>
+                                          </p:val>
+                                        </p:tav>
+                                        <p:tav tm="100000">
+                                          <p:val>
+                                            <p:strVal val="#ppt_y"/>
+                                          </p:val>
+                                        </p:tav>
+                                      </p:tavLst>
+                                    </p:anim>
+                                  </p:childTnLst>
+                                </p:cTn>
+                              </p:par>
+                              <p:par>
+                                <p:cTn id="25" presetID="2" presetClass="entr" presetSubtype="8" fill="hold" nodeType="withEffect">
+                                  <p:stCondLst>
+                                    <p:cond delay="0"/>
+                                  </p:stCondLst>
+                                  <p:childTnLst>
+                                    <p:set>
+                                      <p:cBhvr>
+                                        <p:cTn id="26" dur="1" fill="hold">
+                                          <p:stCondLst>
+                                            <p:cond delay="0"/>
+                                          </p:stCondLst>
+                                        </p:cTn>
+                                        <p:tgtEl>
+                                          <p:spTgt spid="3">
+                                            <p:txEl>
+                                              <p:pRg st="6" end="6"/>
+                                            </p:txEl>
+                                          </p:spTgt>
+                                        </p:tgtEl>
+                                        <p:attrNameLst>
+                                          <p:attrName>style.visibility</p:attrName>
+                                        </p:attrNameLst>
+                                      </p:cBhvr>
+                                      <p:to>
+                                        <p:strVal val="visible"/>
+                                      </p:to>
+                                    </p:set>
+                                    <p:anim calcmode="lin" valueType="num">
+                                      <p:cBhvr additive="base">
+                                        <p:cTn id="27" dur="500" fill="hold"/>
+                                        <p:tgtEl>
+                                          <p:spTgt spid="3">
+                                            <p:txEl>
+                                              <p:pRg st="6" end="6"/>
+                                            </p:txEl>
+                                          </p:spTgt>
+                                        </p:tgtEl>
+                                        <p:attrNameLst>
+                                          <p:attrName>ppt_x</p:attrName>
+                                        </p:attrNameLst>
+                                      </p:cBhvr>
+                                      <p:tavLst>
+                                        <p:tav tm="0">
+                                          <p:val>
+                                            <p:strVal val="0-#ppt_w/2"/>
+                                          </p:val>
+                                        </p:tav>
+                                        <p:tav tm="100000">
+                                          <p:val>
+                                            <p:strVal val="#ppt_x"/>
+                                          </p:val>
+                                        </p:tav>
+                                      </p:tavLst>
+                                    </p:anim>
+                                    <p:anim calcmode="lin" valueType="num">
+                                      <p:cBhvr additive="base">
+                                        <p:cTn id="28" dur="500" fill="hold"/>
+                                        <p:tgtEl>
+                                          <p:spTgt spid="3">
+                                            <p:txEl>
+                                              <p:pRg st="6" end="6"/>
+                                            </p:txEl>
+                                          </p:spTgt>
+                                        </p:tgtEl>
+                                        <p:attrNameLst>
+                                          <p:attrName>ppt_y</p:attrName>
+                                        </p:attrNameLst>
+                                      </p:cBhvr>
+                                      <p:tavLst>
+                                        <p:tav tm="0">
+                                          <p:val>
+                                            <p:strVal val="#ppt_y"/>
+                                          </p:val>
+                                        </p:tav>
+                                        <p:tav tm="100000">
+                                          <p:val>
+                                            <p:strVal val="#ppt_y"/>
+                                          </p:val>
+                                        </p:tav>
+                                      </p:tavLst>
+                                    </p:anim>
+                                  </p:childTnLst>
+                                </p:cTn>
+                              </p:par>
+                              <p:par>
+                                <p:cTn id="29" presetID="2" presetClass="entr" presetSubtype="8" fill="hold" nodeType="withEffect">
+                                  <p:stCondLst>
+                                    <p:cond delay="0"/>
+                                  </p:stCondLst>
+                                  <p:childTnLst>
+                                    <p:set>
+                                      <p:cBhvr>
+                                        <p:cTn id="30" dur="1" fill="hold">
+                                          <p:stCondLst>
+                                            <p:cond delay="0"/>
+                                          </p:stCondLst>
+                                        </p:cTn>
+                                        <p:tgtEl>
+                                          <p:spTgt spid="3">
+                                            <p:txEl>
+                                              <p:pRg st="7" end="7"/>
+                                            </p:txEl>
+                                          </p:spTgt>
+                                        </p:tgtEl>
+                                        <p:attrNameLst>
+                                          <p:attrName>style.visibility</p:attrName>
+                                        </p:attrNameLst>
+                                      </p:cBhvr>
+                                      <p:to>
+                                        <p:strVal val="visible"/>
+                                      </p:to>
+                                    </p:set>
+                                    <p:anim calcmode="lin" valueType="num">
+                                      <p:cBhvr additive="base">
+                                        <p:cTn id="31" dur="500" fill="hold"/>
+                                        <p:tgtEl>
+                                          <p:spTgt spid="3">
+                                            <p:txEl>
+                                              <p:pRg st="7" end="7"/>
+                                            </p:txEl>
+                                          </p:spTgt>
+                                        </p:tgtEl>
+                                        <p:attrNameLst>
+                                          <p:attrName>ppt_x</p:attrName>
+                                        </p:attrNameLst>
+                                      </p:cBhvr>
+                                      <p:tavLst>
+                                        <p:tav tm="0">
+                                          <p:val>
+                                            <p:strVal val="0-#ppt_w/2"/>
+                                          </p:val>
+                                        </p:tav>
+                                        <p:tav tm="100000">
+                                          <p:val>
+                                            <p:strVal val="#ppt_x"/>
+                                          </p:val>
+                                        </p:tav>
+                                      </p:tavLst>
+                                    </p:anim>
+                                    <p:anim calcmode="lin" valueType="num">
+                                      <p:cBhvr additive="base">
+                                        <p:cTn id="32" dur="500" fill="hold"/>
+                                        <p:tgtEl>
+                                          <p:spTgt spid="3">
+                                            <p:txEl>
+                                              <p:pRg st="7" end="7"/>
+                                            </p:txEl>
+                                          </p:spTgt>
+                                        </p:tgtEl>
+                                        <p:attrNameLst>
+                                          <p:attrName>ppt_y</p:attrName>
+                                        </p:attrNameLst>
+                                      </p:cBhvr>
+                                      <p:tavLst>
+                                        <p:tav tm="0">
+                                          <p:val>
+                                            <p:strVal val="#ppt_y"/>
+                                          </p:val>
+                                        </p:tav>
+                                        <p:tav tm="100000">
+                                          <p:val>
+                                            <p:strVal val="#ppt_y"/>
+                                          </p:val>
+                                        </p:tav>
+                                      </p:tavLst>
+                                    </p:anim>
+                                  </p:childTnLst>
+                                </p:cTn>
+                              </p:par>
+                              <p:par>
+                                <p:cTn id="33" presetID="2" presetClass="entr" presetSubtype="8" fill="hold" nodeType="withEffect">
+                                  <p:stCondLst>
+                                    <p:cond delay="0"/>
+                                  </p:stCondLst>
+                                  <p:childTnLst>
+                                    <p:set>
+                                      <p:cBhvr>
+                                        <p:cTn id="34" dur="1" fill="hold">
+                                          <p:stCondLst>
+                                            <p:cond delay="0"/>
+                                          </p:stCondLst>
+                                        </p:cTn>
+                                        <p:tgtEl>
+                                          <p:spTgt spid="3">
+                                            <p:txEl>
+                                              <p:pRg st="8" end="8"/>
+                                            </p:txEl>
+                                          </p:spTgt>
+                                        </p:tgtEl>
+                                        <p:attrNameLst>
+                                          <p:attrName>style.visibility</p:attrName>
+                                        </p:attrNameLst>
+                                      </p:cBhvr>
+                                      <p:to>
+                                        <p:strVal val="visible"/>
+                                      </p:to>
+                                    </p:set>
+                                    <p:anim calcmode="lin" valueType="num">
+                                      <p:cBhvr additive="base">
+                                        <p:cTn id="35" dur="500" fill="hold"/>
+                                        <p:tgtEl>
+                                          <p:spTgt spid="3">
+                                            <p:txEl>
+                                              <p:pRg st="8" end="8"/>
+                                            </p:txEl>
+                                          </p:spTgt>
+                                        </p:tgtEl>
+                                        <p:attrNameLst>
+                                          <p:attrName>ppt_x</p:attrName>
+                                        </p:attrNameLst>
+                                      </p:cBhvr>
+                                      <p:tavLst>
+                                        <p:tav tm="0">
+                                          <p:val>
+                                            <p:strVal val="0-#ppt_w/2"/>
+                                          </p:val>
+                                        </p:tav>
+                                        <p:tav tm="100000">
+                                          <p:val>
+                                            <p:strVal val="#ppt_x"/>
+                                          </p:val>
+                                        </p:tav>
+                                      </p:tavLst>
+                                    </p:anim>
+                                    <p:anim calcmode="lin" valueType="num">
+                                      <p:cBhvr additive="base">
+                                        <p:cTn id="36" dur="500" fill="hold"/>
+                                        <p:tgtEl>
+                                          <p:spTgt spid="3">
+                                            <p:txEl>
+                                              <p:pRg st="8" end="8"/>
+                                            </p:txEl>
+                                          </p:spTgt>
+                                        </p:tgtEl>
+                                        <p:attrNameLst>
+                                          <p:attrName>ppt_y</p:attrName>
+                                        </p:attrNameLst>
+                                      </p:cBhvr>
+                                      <p:tavLst>
+                                        <p:tav tm="0">
+                                          <p:val>
+                                            <p:strVal val="#ppt_y"/>
+                                          </p:val>
+                                        </p:tav>
+                                        <p:tav tm="100000">
+                                          <p:val>
+                                            <p:strVal val="#ppt_y"/>
+                                          </p:val>
+                                        </p:tav>
+                                      </p:tavLst>
+                                    </p:anim>
+                                  </p:childTnLst>
+                                </p:cTn>
+                              </p:par>
+                              <p:par>
+                                <p:cTn id="37" presetID="2" presetClass="entr" presetSubtype="8" fill="hold" nodeType="withEffect">
+                                  <p:stCondLst>
+                                    <p:cond delay="0"/>
+                                  </p:stCondLst>
+                                  <p:childTnLst>
+                                    <p:set>
+                                      <p:cBhvr>
+                                        <p:cTn id="38" dur="1" fill="hold">
+                                          <p:stCondLst>
+                                            <p:cond delay="0"/>
+                                          </p:stCondLst>
+                                        </p:cTn>
+                                        <p:tgtEl>
+                                          <p:spTgt spid="3">
+                                            <p:txEl>
+                                              <p:pRg st="15" end="15"/>
+                                            </p:txEl>
+                                          </p:spTgt>
+                                        </p:tgtEl>
+                                        <p:attrNameLst>
+                                          <p:attrName>style.visibility</p:attrName>
+                                        </p:attrNameLst>
+                                      </p:cBhvr>
+                                      <p:to>
+                                        <p:strVal val="visible"/>
+                                      </p:to>
+                                    </p:set>
+                                    <p:anim calcmode="lin" valueType="num">
+                                      <p:cBhvr additive="base">
+                                        <p:cTn id="39" dur="500" fill="hold"/>
+                                        <p:tgtEl>
+                                          <p:spTgt spid="3">
+                                            <p:txEl>
+                                              <p:pRg st="15" end="15"/>
+                                            </p:txEl>
+                                          </p:spTgt>
+                                        </p:tgtEl>
+                                        <p:attrNameLst>
+                                          <p:attrName>ppt_x</p:attrName>
+                                        </p:attrNameLst>
+                                      </p:cBhvr>
+                                      <p:tavLst>
+                                        <p:tav tm="0">
+                                          <p:val>
+                                            <p:strVal val="0-#ppt_w/2"/>
+                                          </p:val>
+                                        </p:tav>
+                                        <p:tav tm="100000">
+                                          <p:val>
+                                            <p:strVal val="#ppt_x"/>
+                                          </p:val>
+                                        </p:tav>
+                                      </p:tavLst>
+                                    </p:anim>
+                                    <p:anim calcmode="lin" valueType="num">
+                                      <p:cBhvr additive="base">
+                                        <p:cTn id="40" dur="500" fill="hold"/>
+                                        <p:tgtEl>
+                                          <p:spTgt spid="3">
+                                            <p:txEl>
+                                              <p:pRg st="15" end="15"/>
+                                            </p:txEl>
+                                          </p:spTgt>
+                                        </p:tgtEl>
+                                        <p:attrNameLst>
+                                          <p:attrName>ppt_y</p:attrName>
+                                        </p:attrNameLst>
+                                      </p:cBhvr>
+                                      <p:tavLst>
+                                        <p:tav tm="0">
+                                          <p:val>
+                                            <p:strVal val="#ppt_y"/>
+                                          </p:val>
+                                        </p:tav>
+                                        <p:tav tm="100000">
+                                          <p:val>
+                                            <p:strVal val="#ppt_y"/>
+                                          </p:val>
+                                        </p:tav>
+                                      </p:tavLst>
+                                    </p:anim>
+                                  </p:childTnLst>
+                                </p:cTn>
+                              </p:par>
+                              <p:par>
+                                <p:cTn id="41" presetID="2" presetClass="entr" presetSubtype="8" fill="hold" nodeType="withEffect">
+                                  <p:stCondLst>
+                                    <p:cond delay="0"/>
+                                  </p:stCondLst>
+                                  <p:childTnLst>
+                                    <p:set>
+                                      <p:cBhvr>
+                                        <p:cTn id="42" dur="1" fill="hold">
+                                          <p:stCondLst>
+                                            <p:cond delay="0"/>
+                                          </p:stCondLst>
+                                        </p:cTn>
+                                        <p:tgtEl>
+                                          <p:spTgt spid="3">
+                                            <p:txEl>
+                                              <p:pRg st="16" end="16"/>
+                                            </p:txEl>
+                                          </p:spTgt>
+                                        </p:tgtEl>
+                                        <p:attrNameLst>
+                                          <p:attrName>style.visibility</p:attrName>
+                                        </p:attrNameLst>
+                                      </p:cBhvr>
+                                      <p:to>
+                                        <p:strVal val="visible"/>
+                                      </p:to>
+                                    </p:set>
+                                    <p:anim calcmode="lin" valueType="num">
+                                      <p:cBhvr additive="base">
+                                        <p:cTn id="43" dur="500" fill="hold"/>
+                                        <p:tgtEl>
+                                          <p:spTgt spid="3">
+                                            <p:txEl>
+                                              <p:pRg st="16" end="16"/>
+                                            </p:txEl>
+                                          </p:spTgt>
+                                        </p:tgtEl>
+                                        <p:attrNameLst>
+                                          <p:attrName>ppt_x</p:attrName>
+                                        </p:attrNameLst>
+                                      </p:cBhvr>
+                                      <p:tavLst>
+                                        <p:tav tm="0">
+                                          <p:val>
+                                            <p:strVal val="0-#ppt_w/2"/>
+                                          </p:val>
+                                        </p:tav>
+                                        <p:tav tm="100000">
+                                          <p:val>
+                                            <p:strVal val="#ppt_x"/>
+                                          </p:val>
+                                        </p:tav>
+                                      </p:tavLst>
+                                    </p:anim>
+                                    <p:anim calcmode="lin" valueType="num">
+                                      <p:cBhvr additive="base">
+                                        <p:cTn id="44" dur="500" fill="hold"/>
+                                        <p:tgtEl>
+                                          <p:spTgt spid="3">
+                                            <p:txEl>
+                                              <p:pRg st="16" end="16"/>
+                                            </p:txEl>
+                                          </p:spTgt>
+                                        </p:tgtEl>
+                                        <p:attrNameLst>
+                                          <p:attrName>ppt_y</p:attrName>
+                                        </p:attrNameLst>
+                                      </p:cBhvr>
+                                      <p:tavLst>
+                                        <p:tav tm="0">
+                                          <p:val>
+                                            <p:strVal val="#ppt_y"/>
+                                          </p:val>
+                                        </p:tav>
+                                        <p:tav tm="100000">
+                                          <p:val>
+                                            <p:strVal val="#ppt_y"/>
+                                          </p:val>
+                                        </p:tav>
+                                      </p:tavLst>
+                                    </p:anim>
+                                  </p:childTnLst>
+                                </p:cTn>
+                              </p:par>
+                            </p:childTnLst>
+                          </p:cTn>
+                        </p:par>
+                      </p:childTnLst>
+                    </p:cTn>
+                  </p:par>
+                  <p:par>
+                    <p:cTn id="45" fill="hold">
+                      <p:stCondLst>
+                        <p:cond delay="indefinite"/>
+                      </p:stCondLst>
+                      <p:childTnLst>
+                        <p:par>
+                          <p:cTn id="46" fill="hold">
+                            <p:stCondLst>
+                              <p:cond delay="0"/>
+                            </p:stCondLst>
+                            <p:childTnLst>
+                              <p:par>
+                                <p:cTn id="47" presetID="2" presetClass="entr" presetSubtype="8" fill="hold" nodeType="clickEffect">
+                                  <p:stCondLst>
+                                    <p:cond delay="0"/>
+                                  </p:stCondLst>
+                                  <p:childTnLst>
+                                    <p:set>
+                                      <p:cBhvr>
+                                        <p:cTn id="48" dur="1" fill="hold">
+                                          <p:stCondLst>
+                                            <p:cond delay="0"/>
+                                          </p:stCondLst>
+                                        </p:cTn>
+                                        <p:tgtEl>
+                                          <p:spTgt spid="3">
+                                            <p:txEl>
+                                              <p:pRg st="9" end="9"/>
+                                            </p:txEl>
+                                          </p:spTgt>
+                                        </p:tgtEl>
+                                        <p:attrNameLst>
+                                          <p:attrName>style.visibility</p:attrName>
+                                        </p:attrNameLst>
+                                      </p:cBhvr>
+                                      <p:to>
+                                        <p:strVal val="visible"/>
+                                      </p:to>
+                                    </p:set>
+                                    <p:anim calcmode="lin" valueType="num">
+                                      <p:cBhvr additive="base">
+                                        <p:cTn id="49" dur="500" fill="hold"/>
+                                        <p:tgtEl>
+                                          <p:spTgt spid="3">
+                                            <p:txEl>
+                                              <p:pRg st="9" end="9"/>
+                                            </p:txEl>
+                                          </p:spTgt>
+                                        </p:tgtEl>
+                                        <p:attrNameLst>
+                                          <p:attrName>ppt_x</p:attrName>
+                                        </p:attrNameLst>
+                                      </p:cBhvr>
+                                      <p:tavLst>
+                                        <p:tav tm="0">
+                                          <p:val>
+                                            <p:strVal val="0-#ppt_w/2"/>
+                                          </p:val>
+                                        </p:tav>
+                                        <p:tav tm="100000">
+                                          <p:val>
+                                            <p:strVal val="#ppt_x"/>
+                                          </p:val>
+                                        </p:tav>
+                                      </p:tavLst>
+                                    </p:anim>
+                                    <p:anim calcmode="lin" valueType="num">
+                                      <p:cBhvr additive="base">
+                                        <p:cTn id="50" dur="500" fill="hold"/>
+                                        <p:tgtEl>
+                                          <p:spTgt spid="3">
+                                            <p:txEl>
+                                              <p:pRg st="9" end="9"/>
+                                            </p:txEl>
+                                          </p:spTgt>
+                                        </p:tgtEl>
+                                        <p:attrNameLst>
+                                          <p:attrName>ppt_y</p:attrName>
+                                        </p:attrNameLst>
+                                      </p:cBhvr>
+                                      <p:tavLst>
+                                        <p:tav tm="0">
+                                          <p:val>
+                                            <p:strVal val="#ppt_y"/>
+                                          </p:val>
+                                        </p:tav>
+                                        <p:tav tm="100000">
+                                          <p:val>
+                                            <p:strVal val="#ppt_y"/>
+                                          </p:val>
+                                        </p:tav>
+                                      </p:tavLst>
+                                    </p:anim>
+                                  </p:childTnLst>
+                                </p:cTn>
+                              </p:par>
+                            </p:childTnLst>
+                          </p:cTn>
+                        </p:par>
+                      </p:childTnLst>
+                    </p:cTn>
+                  </p:par>
+                  <p:par>
+                    <p:cTn id="51" fill="hold">
+                      <p:stCondLst>
+                        <p:cond delay="indefinite"/>
+                      </p:stCondLst>
+                      <p:childTnLst>
+                        <p:par>
+                          <p:cTn id="52" fill="hold">
+                            <p:stCondLst>
+                              <p:cond delay="0"/>
+                            </p:stCondLst>
+                            <p:childTnLst>
+                              <p:par>
+                                <p:cTn id="53" presetID="2" presetClass="entr" presetSubtype="8" fill="hold" nodeType="clickEffect">
+                                  <p:stCondLst>
+                                    <p:cond delay="0"/>
+                                  </p:stCondLst>
+                                  <p:childTnLst>
+                                    <p:set>
+                                      <p:cBhvr>
+                                        <p:cTn id="54" dur="1" fill="hold">
+                                          <p:stCondLst>
+                                            <p:cond delay="0"/>
+                                          </p:stCondLst>
+                                        </p:cTn>
+                                        <p:tgtEl>
+                                          <p:spTgt spid="3">
+                                            <p:txEl>
+                                              <p:pRg st="10" end="10"/>
+                                            </p:txEl>
+                                          </p:spTgt>
+                                        </p:tgtEl>
+                                        <p:attrNameLst>
+                                          <p:attrName>style.visibility</p:attrName>
+                                        </p:attrNameLst>
+                                      </p:cBhvr>
+                                      <p:to>
+                                        <p:strVal val="visible"/>
+                                      </p:to>
+                                    </p:set>
+                                    <p:anim calcmode="lin" valueType="num">
+                                      <p:cBhvr additive="base">
+                                        <p:cTn id="55" dur="500" fill="hold"/>
+                                        <p:tgtEl>
+                                          <p:spTgt spid="3">
+                                            <p:txEl>
+                                              <p:pRg st="10" end="10"/>
+                                            </p:txEl>
+                                          </p:spTgt>
+                                        </p:tgtEl>
+                                        <p:attrNameLst>
+                                          <p:attrName>ppt_x</p:attrName>
+                                        </p:attrNameLst>
+                                      </p:cBhvr>
+                                      <p:tavLst>
+                                        <p:tav tm="0">
+                                          <p:val>
+                                            <p:strVal val="0-#ppt_w/2"/>
+                                          </p:val>
+                                        </p:tav>
+                                        <p:tav tm="100000">
+                                          <p:val>
+                                            <p:strVal val="#ppt_x"/>
+                                          </p:val>
+                                        </p:tav>
+                                      </p:tavLst>
+                                    </p:anim>
+                                    <p:anim calcmode="lin" valueType="num">
+                                      <p:cBhvr additive="base">
+                                        <p:cTn id="56" dur="500" fill="hold"/>
+                                        <p:tgtEl>
+                                          <p:spTgt spid="3">
+                                            <p:txEl>
+                                              <p:pRg st="10" end="10"/>
+                                            </p:txEl>
+                                          </p:spTgt>
+                                        </p:tgtEl>
+                                        <p:attrNameLst>
+                                          <p:attrName>ppt_y</p:attrName>
+                                        </p:attrNameLst>
+                                      </p:cBhvr>
+                                      <p:tavLst>
+                                        <p:tav tm="0">
+                                          <p:val>
+                                            <p:strVal val="#ppt_y"/>
+                                          </p:val>
+                                        </p:tav>
+                                        <p:tav tm="100000">
+                                          <p:val>
+                                            <p:strVal val="#ppt_y"/>
+                                          </p:val>
+                                        </p:tav>
+                                      </p:tavLst>
+                                    </p:anim>
+                                  </p:childTnLst>
+                                </p:cTn>
+                              </p:par>
+                            </p:childTnLst>
+                          </p:cTn>
+                        </p:par>
+                      </p:childTnLst>
+                    </p:cTn>
+                  </p:par>
+                  <p:par>
+                    <p:cTn id="57" fill="hold">
+                      <p:stCondLst>
+                        <p:cond delay="indefinite"/>
+                      </p:stCondLst>
+                      <p:childTnLst>
+                        <p:par>
+                          <p:cTn id="58" fill="hold">
+                            <p:stCondLst>
+                              <p:cond delay="0"/>
+                            </p:stCondLst>
+                            <p:childTnLst>
+                              <p:par>
+                                <p:cTn id="59" presetID="2" presetClass="entr" presetSubtype="8" fill="hold" nodeType="clickEffect">
+                                  <p:stCondLst>
+                                    <p:cond delay="0"/>
+                                  </p:stCondLst>
+                                  <p:childTnLst>
+                                    <p:set>
+                                      <p:cBhvr>
+                                        <p:cTn id="60" dur="1" fill="hold">
+                                          <p:stCondLst>
+                                            <p:cond delay="0"/>
+                                          </p:stCondLst>
+                                        </p:cTn>
+                                        <p:tgtEl>
+                                          <p:spTgt spid="3">
+                                            <p:txEl>
+                                              <p:pRg st="11" end="11"/>
+                                            </p:txEl>
+                                          </p:spTgt>
+                                        </p:tgtEl>
+                                        <p:attrNameLst>
+                                          <p:attrName>style.visibility</p:attrName>
+                                        </p:attrNameLst>
+                                      </p:cBhvr>
+                                      <p:to>
+                                        <p:strVal val="visible"/>
+                                      </p:to>
+                                    </p:set>
+                                    <p:anim calcmode="lin" valueType="num">
+                                      <p:cBhvr additive="base">
+                                        <p:cTn id="61" dur="500" fill="hold"/>
+                                        <p:tgtEl>
+                                          <p:spTgt spid="3">
+                                            <p:txEl>
+                                              <p:pRg st="11" end="11"/>
+                                            </p:txEl>
+                                          </p:spTgt>
+                                        </p:tgtEl>
+                                        <p:attrNameLst>
+                                          <p:attrName>ppt_x</p:attrName>
+                                        </p:attrNameLst>
+                                      </p:cBhvr>
+                                      <p:tavLst>
+                                        <p:tav tm="0">
+                                          <p:val>
+                                            <p:strVal val="0-#ppt_w/2"/>
+                                          </p:val>
+                                        </p:tav>
+                                        <p:tav tm="100000">
+                                          <p:val>
+                                            <p:strVal val="#ppt_x"/>
+                                          </p:val>
+                                        </p:tav>
+                                      </p:tavLst>
+                                    </p:anim>
+                                    <p:anim calcmode="lin" valueType="num">
+                                      <p:cBhvr additive="base">
+                                        <p:cTn id="62" dur="500" fill="hold"/>
+                                        <p:tgtEl>
+                                          <p:spTgt spid="3">
+                                            <p:txEl>
+                                              <p:pRg st="11" end="11"/>
+                                            </p:txEl>
+                                          </p:spTgt>
+                                        </p:tgtEl>
+                                        <p:attrNameLst>
+                                          <p:attrName>ppt_y</p:attrName>
+                                        </p:attrNameLst>
+                                      </p:cBhvr>
+                                      <p:tavLst>
+                                        <p:tav tm="0">
+                                          <p:val>
+                                            <p:strVal val="#ppt_y"/>
+                                          </p:val>
+                                        </p:tav>
+                                        <p:tav tm="100000">
+                                          <p:val>
+                                            <p:strVal val="#ppt_y"/>
+                                          </p:val>
+                                        </p:tav>
+                                      </p:tavLst>
+                                    </p:anim>
+                                  </p:childTnLst>
+                                </p:cTn>
+                              </p:par>
+                            </p:childTnLst>
+                          </p:cTn>
+                        </p:par>
+                      </p:childTnLst>
+                    </p:cTn>
+                  </p:par>
+                  <p:par>
+                    <p:cTn id="63" fill="hold">
+                      <p:stCondLst>
+                        <p:cond delay="indefinite"/>
+                      </p:stCondLst>
+                      <p:childTnLst>
+                        <p:par>
+                          <p:cTn id="64" fill="hold">
+                            <p:stCondLst>
+                              <p:cond delay="0"/>
+                            </p:stCondLst>
+                            <p:childTnLst>
+                              <p:par>
+                                <p:cTn id="65" presetID="2" presetClass="entr" presetSubtype="8" fill="hold" nodeType="clickEffect">
+                                  <p:stCondLst>
+                                    <p:cond delay="0"/>
+                                  </p:stCondLst>
+                                  <p:childTnLst>
+                                    <p:set>
+                                      <p:cBhvr>
+                                        <p:cTn id="66" dur="1" fill="hold">
+                                          <p:stCondLst>
+                                            <p:cond delay="0"/>
+                                          </p:stCondLst>
+                                        </p:cTn>
+                                        <p:tgtEl>
+                                          <p:spTgt spid="3">
+                                            <p:txEl>
+                                              <p:pRg st="12" end="12"/>
+                                            </p:txEl>
+                                          </p:spTgt>
+                                        </p:tgtEl>
+                                        <p:attrNameLst>
+                                          <p:attrName>style.visibility</p:attrName>
+                                        </p:attrNameLst>
+                                      </p:cBhvr>
+                                      <p:to>
+                                        <p:strVal val="visible"/>
+                                      </p:to>
+                                    </p:set>
+                                    <p:anim calcmode="lin" valueType="num">
+                                      <p:cBhvr additive="base">
+                                        <p:cTn id="67" dur="500" fill="hold"/>
+                                        <p:tgtEl>
+                                          <p:spTgt spid="3">
+                                            <p:txEl>
+                                              <p:pRg st="12" end="12"/>
+                                            </p:txEl>
+                                          </p:spTgt>
+                                        </p:tgtEl>
+                                        <p:attrNameLst>
+                                          <p:attrName>ppt_x</p:attrName>
+                                        </p:attrNameLst>
+                                      </p:cBhvr>
+                                      <p:tavLst>
+                                        <p:tav tm="0">
+                                          <p:val>
+                                            <p:strVal val="0-#ppt_w/2"/>
+                                          </p:val>
+                                        </p:tav>
+                                        <p:tav tm="100000">
+                                          <p:val>
+                                            <p:strVal val="#ppt_x"/>
+                                          </p:val>
+                                        </p:tav>
+                                      </p:tavLst>
+                                    </p:anim>
+                                    <p:anim calcmode="lin" valueType="num">
+                                      <p:cBhvr additive="base">
+                                        <p:cTn id="68" dur="500" fill="hold"/>
+                                        <p:tgtEl>
+                                          <p:spTgt spid="3">
+                                            <p:txEl>
+                                              <p:pRg st="12" end="12"/>
+                                            </p:txEl>
+                                          </p:spTgt>
+                                        </p:tgtEl>
+                                        <p:attrNameLst>
+                                          <p:attrName>ppt_y</p:attrName>
+                                        </p:attrNameLst>
+                                      </p:cBhvr>
+                                      <p:tavLst>
+                                        <p:tav tm="0">
+                                          <p:val>
+                                            <p:strVal val="#ppt_y"/>
+                                          </p:val>
+                                        </p:tav>
+                                        <p:tav tm="100000">
+                                          <p:val>
+                                            <p:strVal val="#ppt_y"/>
+                                          </p:val>
+                                        </p:tav>
+                                      </p:tavLst>
+                                    </p:anim>
+                                  </p:childTnLst>
+                                </p:cTn>
+                              </p:par>
+                            </p:childTnLst>
+                          </p:cTn>
+                        </p:par>
+                      </p:childTnLst>
+                    </p:cTn>
+                  </p:par>
+                  <p:par>
+                    <p:cTn id="69" fill="hold">
+                      <p:stCondLst>
+                        <p:cond delay="indefinite"/>
+                      </p:stCondLst>
+                      <p:childTnLst>
+                        <p:par>
+                          <p:cTn id="70" fill="hold">
+                            <p:stCondLst>
+                              <p:cond delay="0"/>
+                            </p:stCondLst>
+                            <p:childTnLst>
+                              <p:par>
+                                <p:cTn id="71" presetID="2" presetClass="entr" presetSubtype="8" fill="hold" nodeType="clickEffect">
+                                  <p:stCondLst>
+                                    <p:cond delay="0"/>
+                                  </p:stCondLst>
+                                  <p:childTnLst>
+                                    <p:set>
+                                      <p:cBhvr>
+                                        <p:cTn id="72" dur="1" fill="hold">
+                                          <p:stCondLst>
+                                            <p:cond delay="0"/>
+                                          </p:stCondLst>
+                                        </p:cTn>
+                                        <p:tgtEl>
+                                          <p:spTgt spid="3">
+                                            <p:txEl>
+                                              <p:pRg st="13" end="13"/>
+                                            </p:txEl>
+                                          </p:spTgt>
+                                        </p:tgtEl>
+                                        <p:attrNameLst>
+                                          <p:attrName>style.visibility</p:attrName>
+                                        </p:attrNameLst>
+                                      </p:cBhvr>
+                                      <p:to>
+                                        <p:strVal val="visible"/>
+                                      </p:to>
+                                    </p:set>
+                                    <p:anim calcmode="lin" valueType="num">
+                                      <p:cBhvr additive="base">
+                                        <p:cTn id="73" dur="500" fill="hold"/>
+                                        <p:tgtEl>
+                                          <p:spTgt spid="3">
+                                            <p:txEl>
+                                              <p:pRg st="13" end="13"/>
+                                            </p:txEl>
+                                          </p:spTgt>
+                                        </p:tgtEl>
+                                        <p:attrNameLst>
+                                          <p:attrName>ppt_x</p:attrName>
+                                        </p:attrNameLst>
+                                      </p:cBhvr>
+                                      <p:tavLst>
+                                        <p:tav tm="0">
+                                          <p:val>
+                                            <p:strVal val="0-#ppt_w/2"/>
+                                          </p:val>
+                                        </p:tav>
+                                        <p:tav tm="100000">
+                                          <p:val>
+                                            <p:strVal val="#ppt_x"/>
+                                          </p:val>
+                                        </p:tav>
+                                      </p:tavLst>
+                                    </p:anim>
+                                    <p:anim calcmode="lin" valueType="num">
+                                      <p:cBhvr additive="base">
+                                        <p:cTn id="74" dur="500" fill="hold"/>
+                                        <p:tgtEl>
+                                          <p:spTgt spid="3">
+                                            <p:txEl>
+                                              <p:pRg st="13" end="13"/>
+                                            </p:txEl>
+                                          </p:spTgt>
+                                        </p:tgtEl>
+                                        <p:attrNameLst>
+                                          <p:attrName>ppt_y</p:attrName>
+                                        </p:attrNameLst>
+                                      </p:cBhvr>
+                                      <p:tavLst>
+                                        <p:tav tm="0">
+                                          <p:val>
+                                            <p:strVal val="#ppt_y"/>
+                                          </p:val>
+                                        </p:tav>
+                                        <p:tav tm="100000">
+                                          <p:val>
+                                            <p:strVal val="#ppt_y"/>
+                                          </p:val>
+                                        </p:tav>
+                                      </p:tavLst>
+                                    </p:anim>
+                                  </p:childTnLst>
+                                </p:cTn>
+                              </p:par>
+                            </p:childTnLst>
+                          </p:cTn>
+                        </p:par>
+                      </p:childTnLst>
+                    </p:cTn>
+                  </p:par>
+                  <p:par>
+                    <p:cTn id="75" fill="hold">
+                      <p:stCondLst>
+                        <p:cond delay="indefinite"/>
+                      </p:stCondLst>
+                      <p:childTnLst>
+                        <p:par>
+                          <p:cTn id="76" fill="hold">
+                            <p:stCondLst>
+                              <p:cond delay="0"/>
+                            </p:stCondLst>
+                            <p:childTnLst>
+                              <p:par>
+                                <p:cTn id="77" presetID="2" presetClass="entr" presetSubtype="8" fill="hold" nodeType="clickEffect">
+                                  <p:stCondLst>
+                                    <p:cond delay="0"/>
+                                  </p:stCondLst>
+                                  <p:childTnLst>
+                                    <p:set>
+                                      <p:cBhvr>
+                                        <p:cTn id="78" dur="1" fill="hold">
+                                          <p:stCondLst>
+                                            <p:cond delay="0"/>
+                                          </p:stCondLst>
+                                        </p:cTn>
+                                        <p:tgtEl>
+                                          <p:spTgt spid="3">
+                                            <p:txEl>
+                                              <p:pRg st="14" end="14"/>
+                                            </p:txEl>
+                                          </p:spTgt>
+                                        </p:tgtEl>
+                                        <p:attrNameLst>
+                                          <p:attrName>style.visibility</p:attrName>
+                                        </p:attrNameLst>
+                                      </p:cBhvr>
+                                      <p:to>
+                                        <p:strVal val="visible"/>
+                                      </p:to>
+                                    </p:set>
+                                    <p:anim calcmode="lin" valueType="num">
+                                      <p:cBhvr additive="base">
+                                        <p:cTn id="79" dur="500" fill="hold"/>
+                                        <p:tgtEl>
+                                          <p:spTgt spid="3">
+                                            <p:txEl>
+                                              <p:pRg st="14" end="14"/>
+                                            </p:txEl>
+                                          </p:spTgt>
+                                        </p:tgtEl>
+                                        <p:attrNameLst>
+                                          <p:attrName>ppt_x</p:attrName>
+                                        </p:attrNameLst>
+                                      </p:cBhvr>
+                                      <p:tavLst>
+                                        <p:tav tm="0">
+                                          <p:val>
+                                            <p:strVal val="0-#ppt_w/2"/>
+                                          </p:val>
+                                        </p:tav>
+                                        <p:tav tm="100000">
+                                          <p:val>
+                                            <p:strVal val="#ppt_x"/>
+                                          </p:val>
+                                        </p:tav>
+                                      </p:tavLst>
+                                    </p:anim>
+                                    <p:anim calcmode="lin" valueType="num">
+                                      <p:cBhvr additive="base">
+                                        <p:cTn id="80" dur="500" fill="hold"/>
+                                        <p:tgtEl>
+                                          <p:spTgt spid="3">
+                                            <p:txEl>
+                                              <p:pRg st="14" end="14"/>
+                                            </p:txEl>
+                                          </p:spTgt>
+                                        </p:tgtEl>
+                                        <p:attrNameLst>
+                                          <p:attrName>ppt_y</p:attrName>
+                                        </p:attrNameLst>
+                                      </p:cBhvr>
+                                      <p:tavLst>
+                                        <p:tav tm="0">
+                                          <p:val>
+                                            <p:strVal val="#ppt_y"/>
+                                          </p:val>
+                                        </p:tav>
+                                        <p:tav tm="100000">
+                                          <p:val>
+                                            <p:strVal val="#ppt_y"/>
+                                          </p:val>
+                                        </p:tav>
+                                      </p:tavLst>
+                                    </p:anim>
+                                  </p:childTnLst>
+                                </p:cTn>
+                              </p:par>
+                            </p:childTnLst>
+                          </p:cTn>
+                        </p:par>
+                      </p:childTnLst>
+                    </p:cTn>
+                  </p:par>
+                </p:childTnLst>
+              </p:cTn>
+              <p:prevCondLst>
+                <p:cond evt="onPrev" delay="0">
+                  <p:tgtEl>
+                    <p:sldTgt/>
+                  </p:tgtEl>
+                </p:cond>
+              </p:prevCondLst>
+              <p:nextCondLst>
+                <p:cond evt="onNext" delay="0">
+                  <p:tgtEl>
+                    <p:sldTgt/>
+                  </p:tgtEl>
+                </p:cond>
+              </p:nextCondLst>
+            </p:seq>
+          </p:childTnLst>
+        </p:cTn>
       </p:par>
     </p:tnLst>
   </p:timing>
@@ -12635,8 +16771,12 @@
           <a:lstStyle/>
           <a:p>
             <a:r>
-              <a:rPr lang="en-US" dirty="0" smtClean="0"/>
-              <a:t>Performance Results</a:t>
+              <a:rPr lang="en-US" dirty="0"/>
+              <a:t>"Solving" a PDE, </a:t>
+            </a:r>
+            <a:r>
+              <a:rPr lang="en-US" dirty="0" err="1"/>
+              <a:t>Futurized</a:t>
             </a:r>
             <a:endParaRPr lang="en-US" dirty="0"/>
           </a:p>
@@ -12652,12 +16792,94 @@
             <p:ph idx="1"/>
           </p:nvPr>
         </p:nvSpPr>
-        <p:spPr/>
+        <p:spPr>
+          <a:xfrm>
+            <a:off x="1261872" y="1828800"/>
+            <a:ext cx="9539478" cy="4351337"/>
+          </a:xfrm>
+        </p:spPr>
         <p:txBody>
           <a:bodyPr/>
           <a:lstStyle/>
           <a:p>
-            <a:endParaRPr lang="en-US"/>
+            <a:r>
+              <a:rPr lang="en-US" dirty="0"/>
+              <a:t>Full source code of sequential </a:t>
+            </a:r>
+            <a:r>
+              <a:rPr lang="en-US" dirty="0" smtClean="0"/>
+              <a:t>version: </a:t>
+            </a:r>
+            <a:r>
+              <a:rPr lang="en-US" dirty="0" smtClean="0">
+                <a:hlinkClick r:id="rId2"/>
+              </a:rPr>
+              <a:t>https</a:t>
+            </a:r>
+            <a:r>
+              <a:rPr lang="en-US" dirty="0">
+                <a:hlinkClick r:id="rId2"/>
+              </a:rPr>
+              <a:t>://</a:t>
+            </a:r>
+            <a:r>
+              <a:rPr lang="en-US" dirty="0" smtClean="0">
+                <a:hlinkClick r:id="rId2"/>
+              </a:rPr>
+              <a:t>github.com/STEllAR-GROUP/tutorials/blob/master/examples/02_stencil/stencil_parallel_4.cpp</a:t>
+            </a:r>
+            <a:endParaRPr lang="en-US" dirty="0" smtClean="0"/>
+          </a:p>
+          <a:p>
+            <a:r>
+              <a:rPr lang="en-US" dirty="0" smtClean="0"/>
+              <a:t>Pro:</a:t>
+            </a:r>
+          </a:p>
+          <a:p>
+            <a:pPr lvl="1"/>
+            <a:r>
+              <a:rPr lang="en-US" dirty="0" smtClean="0"/>
+              <a:t>Parallelized over partitions</a:t>
+            </a:r>
+            <a:endParaRPr lang="en-US" dirty="0" smtClean="0"/>
+          </a:p>
+          <a:p>
+            <a:pPr lvl="1"/>
+            <a:r>
+              <a:rPr lang="en-US" dirty="0" smtClean="0"/>
+              <a:t>Parallelized </a:t>
+            </a:r>
+            <a:r>
+              <a:rPr lang="en-US" dirty="0" smtClean="0"/>
+              <a:t>outer </a:t>
+            </a:r>
+            <a:r>
+              <a:rPr lang="en-US" dirty="0" smtClean="0"/>
+              <a:t>loop</a:t>
+            </a:r>
+          </a:p>
+          <a:p>
+            <a:pPr lvl="1"/>
+            <a:r>
+              <a:rPr lang="en-US" dirty="0" smtClean="0"/>
+              <a:t>Not much more complex!</a:t>
+            </a:r>
+            <a:endParaRPr lang="en-US" dirty="0" smtClean="0"/>
+          </a:p>
+          <a:p>
+            <a:pPr lvl="1"/>
+            <a:r>
+              <a:rPr lang="en-US" dirty="0" smtClean="0"/>
+              <a:t>No implicit join after each time step</a:t>
+            </a:r>
+            <a:endParaRPr lang="en-US" dirty="0"/>
+          </a:p>
+          <a:p>
+            <a:endParaRPr lang="en-US" dirty="0"/>
+          </a:p>
+          <a:p>
+            <a:endParaRPr lang="en-US" dirty="0"/>
           </a:p>
         </p:txBody>
       </p:sp>
@@ -12735,7 +16957,7 @@
     </p:spTree>
     <p:extLst>
       <p:ext uri="{BB962C8B-B14F-4D97-AF65-F5344CB8AC3E}">
-        <p14:creationId xmlns:p14="http://schemas.microsoft.com/office/powerpoint/2010/main" val="1043193691"/>
+        <p14:creationId xmlns:p14="http://schemas.microsoft.com/office/powerpoint/2010/main" val="2383727918"/>
       </p:ext>
     </p:extLst>
   </p:cSld>
@@ -12753,6 +16975,1123 @@
 </file>
 
 <file path=ppt/slides/slide22.xml><?xml version="1.0" encoding="utf-8"?>
+<p:sld xmlns:a="http://schemas.openxmlformats.org/drawingml/2006/main" xmlns:r="http://schemas.openxmlformats.org/officeDocument/2006/relationships" xmlns:p="http://schemas.openxmlformats.org/presentationml/2006/main">
+  <p:cSld>
+    <p:spTree>
+      <p:nvGrpSpPr>
+        <p:cNvPr id="1" name=""/>
+        <p:cNvGrpSpPr/>
+        <p:nvPr/>
+      </p:nvGrpSpPr>
+      <p:grpSpPr>
+        <a:xfrm>
+          <a:off x="0" y="0"/>
+          <a:ext cx="0" cy="0"/>
+          <a:chOff x="0" y="0"/>
+          <a:chExt cx="0" cy="0"/>
+        </a:xfrm>
+      </p:grpSpPr>
+      <p:sp>
+        <p:nvSpPr>
+          <p:cNvPr id="2" name="Title 1"/>
+          <p:cNvSpPr>
+            <a:spLocks noGrp="1"/>
+          </p:cNvSpPr>
+          <p:nvPr>
+            <p:ph type="title"/>
+          </p:nvPr>
+        </p:nvSpPr>
+        <p:spPr/>
+        <p:txBody>
+          <a:bodyPr/>
+          <a:lstStyle/>
+          <a:p>
+            <a:r>
+              <a:rPr lang="en-US" dirty="0"/>
+              <a:t>"Solving" a PDE on a 2D Grid</a:t>
+            </a:r>
+          </a:p>
+        </p:txBody>
+      </p:sp>
+      <p:sp>
+        <p:nvSpPr>
+          <p:cNvPr id="3" name="Content Placeholder 2"/>
+          <p:cNvSpPr>
+            <a:spLocks noGrp="1"/>
+          </p:cNvSpPr>
+          <p:nvPr>
+            <p:ph idx="1"/>
+          </p:nvPr>
+        </p:nvSpPr>
+        <p:spPr/>
+        <p:txBody>
+          <a:bodyPr/>
+          <a:lstStyle/>
+          <a:p>
+            <a:endParaRPr lang="en-US"/>
+          </a:p>
+        </p:txBody>
+      </p:sp>
+      <p:sp>
+        <p:nvSpPr>
+          <p:cNvPr id="4" name="Date Placeholder 3"/>
+          <p:cNvSpPr>
+            <a:spLocks noGrp="1"/>
+          </p:cNvSpPr>
+          <p:nvPr>
+            <p:ph type="dt" sz="half" idx="10"/>
+          </p:nvPr>
+        </p:nvSpPr>
+        <p:spPr/>
+        <p:txBody>
+          <a:bodyPr/>
+          <a:lstStyle/>
+          <a:p>
+            <a:r>
+              <a:rPr lang="en-US" smtClean="0"/>
+              <a:t>10/18/2016</a:t>
+            </a:r>
+            <a:endParaRPr lang="en-US"/>
+          </a:p>
+        </p:txBody>
+      </p:sp>
+      <p:sp>
+        <p:nvSpPr>
+          <p:cNvPr id="5" name="Footer Placeholder 4"/>
+          <p:cNvSpPr>
+            <a:spLocks noGrp="1"/>
+          </p:cNvSpPr>
+          <p:nvPr>
+            <p:ph type="ftr" sz="quarter" idx="11"/>
+          </p:nvPr>
+        </p:nvSpPr>
+        <p:spPr/>
+        <p:txBody>
+          <a:bodyPr/>
+          <a:lstStyle/>
+          <a:p>
+            <a:r>
+              <a:rPr lang="en-US" smtClean="0"/>
+              <a:t>HPX Workshop (Berkeley C++ Summit) - 4,            Hartmut Kaiser (hkaiser@cct.lsu.edu)</a:t>
+            </a:r>
+            <a:endParaRPr lang="en-US"/>
+          </a:p>
+        </p:txBody>
+      </p:sp>
+      <p:sp>
+        <p:nvSpPr>
+          <p:cNvPr id="6" name="Slide Number Placeholder 5"/>
+          <p:cNvSpPr>
+            <a:spLocks noGrp="1"/>
+          </p:cNvSpPr>
+          <p:nvPr>
+            <p:ph type="sldNum" sz="quarter" idx="12"/>
+          </p:nvPr>
+        </p:nvSpPr>
+        <p:spPr/>
+        <p:txBody>
+          <a:bodyPr>
+            <a:normAutofit lnSpcReduction="10000"/>
+          </a:bodyPr>
+          <a:lstStyle/>
+          <a:p>
+            <a:fld id="{B102E578-8C1A-4150-8490-48A08D76AC22}" type="slidenum">
+              <a:rPr lang="en-US" smtClean="0"/>
+              <a:t>22</a:t>
+            </a:fld>
+            <a:endParaRPr lang="en-US"/>
+          </a:p>
+        </p:txBody>
+      </p:sp>
+      <p:pic>
+        <p:nvPicPr>
+          <p:cNvPr id="7" name="Picture 6"/>
+          <p:cNvPicPr>
+            <a:picLocks noChangeAspect="1"/>
+          </p:cNvPicPr>
+          <p:nvPr/>
+        </p:nvPicPr>
+        <p:blipFill rotWithShape="1">
+          <a:blip r:embed="rId2">
+            <a:extLst>
+              <a:ext uri="{28A0092B-C50C-407E-A947-70E740481C1C}">
+                <a14:useLocalDpi xmlns:a14="http://schemas.microsoft.com/office/drawing/2010/main" val="0"/>
+              </a:ext>
+            </a:extLst>
+          </a:blip>
+          <a:srcRect b="48647"/>
+          <a:stretch/>
+        </p:blipFill>
+        <p:spPr>
+          <a:xfrm>
+            <a:off x="1261872" y="1828800"/>
+            <a:ext cx="7437739" cy="3521798"/>
+          </a:xfrm>
+          <a:prstGeom prst="rect">
+            <a:avLst/>
+          </a:prstGeom>
+          <a:ln>
+            <a:solidFill>
+              <a:schemeClr val="tx1"/>
+            </a:solidFill>
+          </a:ln>
+        </p:spPr>
+      </p:pic>
+      <p:pic>
+        <p:nvPicPr>
+          <p:cNvPr id="8" name="Picture 7"/>
+          <p:cNvPicPr>
+            <a:picLocks noChangeAspect="1"/>
+          </p:cNvPicPr>
+          <p:nvPr/>
+        </p:nvPicPr>
+        <p:blipFill rotWithShape="1">
+          <a:blip r:embed="rId2">
+            <a:extLst>
+              <a:ext uri="{28A0092B-C50C-407E-A947-70E740481C1C}">
+                <a14:useLocalDpi xmlns:a14="http://schemas.microsoft.com/office/drawing/2010/main" val="0"/>
+              </a:ext>
+            </a:extLst>
+          </a:blip>
+          <a:srcRect t="51485"/>
+          <a:stretch/>
+        </p:blipFill>
+        <p:spPr>
+          <a:xfrm>
+            <a:off x="3516773" y="2959351"/>
+            <a:ext cx="7437739" cy="3327149"/>
+          </a:xfrm>
+          <a:prstGeom prst="rect">
+            <a:avLst/>
+          </a:prstGeom>
+          <a:ln>
+            <a:solidFill>
+              <a:schemeClr val="tx1"/>
+            </a:solidFill>
+          </a:ln>
+        </p:spPr>
+      </p:pic>
+      <p:sp>
+        <p:nvSpPr>
+          <p:cNvPr id="9" name="TextBox 8"/>
+          <p:cNvSpPr txBox="1"/>
+          <p:nvPr/>
+        </p:nvSpPr>
+        <p:spPr>
+          <a:xfrm>
+            <a:off x="9088163" y="1948933"/>
+            <a:ext cx="1689886" cy="369332"/>
+          </a:xfrm>
+          <a:prstGeom prst="rect">
+            <a:avLst/>
+          </a:prstGeom>
+          <a:noFill/>
+        </p:spPr>
+        <p:txBody>
+          <a:bodyPr wrap="none" rtlCol="0">
+            <a:spAutoFit/>
+          </a:bodyPr>
+          <a:lstStyle/>
+          <a:p>
+            <a:r>
+              <a:rPr lang="en-US" dirty="0" smtClean="0"/>
+              <a:t>Idle-rate: 48%</a:t>
+            </a:r>
+            <a:endParaRPr lang="en-US" dirty="0"/>
+          </a:p>
+        </p:txBody>
+      </p:sp>
+      <p:sp>
+        <p:nvSpPr>
+          <p:cNvPr id="10" name="TextBox 9"/>
+          <p:cNvSpPr txBox="1"/>
+          <p:nvPr/>
+        </p:nvSpPr>
+        <p:spPr>
+          <a:xfrm>
+            <a:off x="1263327" y="5810805"/>
+            <a:ext cx="1561646" cy="369332"/>
+          </a:xfrm>
+          <a:prstGeom prst="rect">
+            <a:avLst/>
+          </a:prstGeom>
+          <a:noFill/>
+        </p:spPr>
+        <p:txBody>
+          <a:bodyPr wrap="none" rtlCol="0">
+            <a:spAutoFit/>
+          </a:bodyPr>
+          <a:lstStyle/>
+          <a:p>
+            <a:r>
+              <a:rPr lang="en-US" dirty="0" smtClean="0"/>
+              <a:t>Idle-rate: </a:t>
+            </a:r>
+            <a:r>
+              <a:rPr lang="en-US" dirty="0"/>
+              <a:t>2</a:t>
+            </a:r>
+            <a:r>
+              <a:rPr lang="en-US" dirty="0" smtClean="0"/>
+              <a:t>%</a:t>
+            </a:r>
+            <a:endParaRPr lang="en-US" dirty="0"/>
+          </a:p>
+        </p:txBody>
+      </p:sp>
+    </p:spTree>
+    <p:extLst>
+      <p:ext uri="{BB962C8B-B14F-4D97-AF65-F5344CB8AC3E}">
+        <p14:creationId xmlns:p14="http://schemas.microsoft.com/office/powerpoint/2010/main" val="1361286308"/>
+      </p:ext>
+    </p:extLst>
+  </p:cSld>
+  <p:clrMapOvr>
+    <a:masterClrMapping/>
+  </p:clrMapOvr>
+  <p:timing>
+    <p:tnLst>
+      <p:par>
+        <p:cTn id="1" dur="indefinite" restart="never" nodeType="tmRoot">
+          <p:childTnLst>
+            <p:seq concurrent="1" nextAc="seek">
+              <p:cTn id="2" dur="indefinite" nodeType="mainSeq">
+                <p:childTnLst>
+                  <p:par>
+                    <p:cTn id="3" fill="hold">
+                      <p:stCondLst>
+                        <p:cond delay="indefinite"/>
+                      </p:stCondLst>
+                      <p:childTnLst>
+                        <p:par>
+                          <p:cTn id="4" fill="hold">
+                            <p:stCondLst>
+                              <p:cond delay="0"/>
+                            </p:stCondLst>
+                            <p:childTnLst>
+                              <p:par>
+                                <p:cTn id="5" presetID="2" presetClass="entr" presetSubtype="8" fill="hold" nodeType="clickEffect">
+                                  <p:stCondLst>
+                                    <p:cond delay="0"/>
+                                  </p:stCondLst>
+                                  <p:childTnLst>
+                                    <p:set>
+                                      <p:cBhvr>
+                                        <p:cTn id="6" dur="1" fill="hold">
+                                          <p:stCondLst>
+                                            <p:cond delay="0"/>
+                                          </p:stCondLst>
+                                        </p:cTn>
+                                        <p:tgtEl>
+                                          <p:spTgt spid="8"/>
+                                        </p:tgtEl>
+                                        <p:attrNameLst>
+                                          <p:attrName>style.visibility</p:attrName>
+                                        </p:attrNameLst>
+                                      </p:cBhvr>
+                                      <p:to>
+                                        <p:strVal val="visible"/>
+                                      </p:to>
+                                    </p:set>
+                                    <p:anim calcmode="lin" valueType="num">
+                                      <p:cBhvr additive="base">
+                                        <p:cTn id="7" dur="500" fill="hold"/>
+                                        <p:tgtEl>
+                                          <p:spTgt spid="8"/>
+                                        </p:tgtEl>
+                                        <p:attrNameLst>
+                                          <p:attrName>ppt_x</p:attrName>
+                                        </p:attrNameLst>
+                                      </p:cBhvr>
+                                      <p:tavLst>
+                                        <p:tav tm="0">
+                                          <p:val>
+                                            <p:strVal val="0-#ppt_w/2"/>
+                                          </p:val>
+                                        </p:tav>
+                                        <p:tav tm="100000">
+                                          <p:val>
+                                            <p:strVal val="#ppt_x"/>
+                                          </p:val>
+                                        </p:tav>
+                                      </p:tavLst>
+                                    </p:anim>
+                                    <p:anim calcmode="lin" valueType="num">
+                                      <p:cBhvr additive="base">
+                                        <p:cTn id="8" dur="500" fill="hold"/>
+                                        <p:tgtEl>
+                                          <p:spTgt spid="8"/>
+                                        </p:tgtEl>
+                                        <p:attrNameLst>
+                                          <p:attrName>ppt_y</p:attrName>
+                                        </p:attrNameLst>
+                                      </p:cBhvr>
+                                      <p:tavLst>
+                                        <p:tav tm="0">
+                                          <p:val>
+                                            <p:strVal val="#ppt_y"/>
+                                          </p:val>
+                                        </p:tav>
+                                        <p:tav tm="100000">
+                                          <p:val>
+                                            <p:strVal val="#ppt_y"/>
+                                          </p:val>
+                                        </p:tav>
+                                      </p:tavLst>
+                                    </p:anim>
+                                  </p:childTnLst>
+                                </p:cTn>
+                              </p:par>
+                              <p:par>
+                                <p:cTn id="9" presetID="2" presetClass="entr" presetSubtype="8" fill="hold" grpId="0" nodeType="withEffect">
+                                  <p:stCondLst>
+                                    <p:cond delay="0"/>
+                                  </p:stCondLst>
+                                  <p:childTnLst>
+                                    <p:set>
+                                      <p:cBhvr>
+                                        <p:cTn id="10" dur="1" fill="hold">
+                                          <p:stCondLst>
+                                            <p:cond delay="0"/>
+                                          </p:stCondLst>
+                                        </p:cTn>
+                                        <p:tgtEl>
+                                          <p:spTgt spid="10"/>
+                                        </p:tgtEl>
+                                        <p:attrNameLst>
+                                          <p:attrName>style.visibility</p:attrName>
+                                        </p:attrNameLst>
+                                      </p:cBhvr>
+                                      <p:to>
+                                        <p:strVal val="visible"/>
+                                      </p:to>
+                                    </p:set>
+                                    <p:anim calcmode="lin" valueType="num">
+                                      <p:cBhvr additive="base">
+                                        <p:cTn id="11" dur="500" fill="hold"/>
+                                        <p:tgtEl>
+                                          <p:spTgt spid="10"/>
+                                        </p:tgtEl>
+                                        <p:attrNameLst>
+                                          <p:attrName>ppt_x</p:attrName>
+                                        </p:attrNameLst>
+                                      </p:cBhvr>
+                                      <p:tavLst>
+                                        <p:tav tm="0">
+                                          <p:val>
+                                            <p:strVal val="0-#ppt_w/2"/>
+                                          </p:val>
+                                        </p:tav>
+                                        <p:tav tm="100000">
+                                          <p:val>
+                                            <p:strVal val="#ppt_x"/>
+                                          </p:val>
+                                        </p:tav>
+                                      </p:tavLst>
+                                    </p:anim>
+                                    <p:anim calcmode="lin" valueType="num">
+                                      <p:cBhvr additive="base">
+                                        <p:cTn id="12" dur="500" fill="hold"/>
+                                        <p:tgtEl>
+                                          <p:spTgt spid="10"/>
+                                        </p:tgtEl>
+                                        <p:attrNameLst>
+                                          <p:attrName>ppt_y</p:attrName>
+                                        </p:attrNameLst>
+                                      </p:cBhvr>
+                                      <p:tavLst>
+                                        <p:tav tm="0">
+                                          <p:val>
+                                            <p:strVal val="#ppt_y"/>
+                                          </p:val>
+                                        </p:tav>
+                                        <p:tav tm="100000">
+                                          <p:val>
+                                            <p:strVal val="#ppt_y"/>
+                                          </p:val>
+                                        </p:tav>
+                                      </p:tavLst>
+                                    </p:anim>
+                                  </p:childTnLst>
+                                </p:cTn>
+                              </p:par>
+                            </p:childTnLst>
+                          </p:cTn>
+                        </p:par>
+                      </p:childTnLst>
+                    </p:cTn>
+                  </p:par>
+                </p:childTnLst>
+              </p:cTn>
+              <p:prevCondLst>
+                <p:cond evt="onPrev" delay="0">
+                  <p:tgtEl>
+                    <p:sldTgt/>
+                  </p:tgtEl>
+                </p:cond>
+              </p:prevCondLst>
+              <p:nextCondLst>
+                <p:cond evt="onNext" delay="0">
+                  <p:tgtEl>
+                    <p:sldTgt/>
+                  </p:tgtEl>
+                </p:cond>
+              </p:nextCondLst>
+            </p:seq>
+          </p:childTnLst>
+        </p:cTn>
+      </p:par>
+    </p:tnLst>
+    <p:bldLst>
+      <p:bldP spid="10" grpId="0"/>
+    </p:bldLst>
+  </p:timing>
+</p:sld>
+</file>
+
+<file path=ppt/slides/slide23.xml><?xml version="1.0" encoding="utf-8"?>
+<p:sld xmlns:a="http://schemas.openxmlformats.org/drawingml/2006/main" xmlns:r="http://schemas.openxmlformats.org/officeDocument/2006/relationships" xmlns:p="http://schemas.openxmlformats.org/presentationml/2006/main">
+  <p:cSld>
+    <p:spTree>
+      <p:nvGrpSpPr>
+        <p:cNvPr id="1" name=""/>
+        <p:cNvGrpSpPr/>
+        <p:nvPr/>
+      </p:nvGrpSpPr>
+      <p:grpSpPr>
+        <a:xfrm>
+          <a:off x="0" y="0"/>
+          <a:ext cx="0" cy="0"/>
+          <a:chOff x="0" y="0"/>
+          <a:chExt cx="0" cy="0"/>
+        </a:xfrm>
+      </p:grpSpPr>
+      <p:sp>
+        <p:nvSpPr>
+          <p:cNvPr id="2" name="Title 1"/>
+          <p:cNvSpPr>
+            <a:spLocks noGrp="1"/>
+          </p:cNvSpPr>
+          <p:nvPr>
+            <p:ph type="title"/>
+          </p:nvPr>
+        </p:nvSpPr>
+        <p:spPr/>
+        <p:txBody>
+          <a:bodyPr/>
+          <a:lstStyle/>
+          <a:p>
+            <a:r>
+              <a:rPr lang="en-US" dirty="0"/>
+              <a:t>"Solving" a PDE in Parallel</a:t>
+            </a:r>
+          </a:p>
+        </p:txBody>
+      </p:sp>
+      <p:sp>
+        <p:nvSpPr>
+          <p:cNvPr id="4" name="Date Placeholder 3"/>
+          <p:cNvSpPr>
+            <a:spLocks noGrp="1"/>
+          </p:cNvSpPr>
+          <p:nvPr>
+            <p:ph type="dt" sz="half" idx="10"/>
+          </p:nvPr>
+        </p:nvSpPr>
+        <p:spPr/>
+        <p:txBody>
+          <a:bodyPr/>
+          <a:lstStyle/>
+          <a:p>
+            <a:r>
+              <a:rPr lang="en-US" smtClean="0"/>
+              <a:t>10/18/2016</a:t>
+            </a:r>
+            <a:endParaRPr lang="en-US"/>
+          </a:p>
+        </p:txBody>
+      </p:sp>
+      <p:sp>
+        <p:nvSpPr>
+          <p:cNvPr id="5" name="Footer Placeholder 4"/>
+          <p:cNvSpPr>
+            <a:spLocks noGrp="1"/>
+          </p:cNvSpPr>
+          <p:nvPr>
+            <p:ph type="ftr" sz="quarter" idx="11"/>
+          </p:nvPr>
+        </p:nvSpPr>
+        <p:spPr/>
+        <p:txBody>
+          <a:bodyPr/>
+          <a:lstStyle/>
+          <a:p>
+            <a:r>
+              <a:rPr lang="en-US" smtClean="0"/>
+              <a:t>HPX Workshop (Berkeley C++ Summit) - 4,            Hartmut Kaiser (hkaiser@cct.lsu.edu)</a:t>
+            </a:r>
+            <a:endParaRPr lang="en-US"/>
+          </a:p>
+        </p:txBody>
+      </p:sp>
+      <p:sp>
+        <p:nvSpPr>
+          <p:cNvPr id="6" name="Slide Number Placeholder 5"/>
+          <p:cNvSpPr>
+            <a:spLocks noGrp="1"/>
+          </p:cNvSpPr>
+          <p:nvPr>
+            <p:ph type="sldNum" sz="quarter" idx="12"/>
+          </p:nvPr>
+        </p:nvSpPr>
+        <p:spPr/>
+        <p:txBody>
+          <a:bodyPr>
+            <a:normAutofit lnSpcReduction="10000"/>
+          </a:bodyPr>
+          <a:lstStyle/>
+          <a:p>
+            <a:fld id="{B102E578-8C1A-4150-8490-48A08D76AC22}" type="slidenum">
+              <a:rPr lang="en-US" smtClean="0"/>
+              <a:t>23</a:t>
+            </a:fld>
+            <a:endParaRPr lang="en-US"/>
+          </a:p>
+        </p:txBody>
+      </p:sp>
+      <p:pic>
+        <p:nvPicPr>
+          <p:cNvPr id="7" name="Picture 6"/>
+          <p:cNvPicPr>
+            <a:picLocks noChangeAspect="1"/>
+          </p:cNvPicPr>
+          <p:nvPr/>
+        </p:nvPicPr>
+        <p:blipFill>
+          <a:blip r:embed="rId2"/>
+          <a:stretch>
+            <a:fillRect/>
+          </a:stretch>
+        </p:blipFill>
+        <p:spPr>
+          <a:xfrm>
+            <a:off x="1894969" y="1812471"/>
+            <a:ext cx="8426446" cy="4474029"/>
+          </a:xfrm>
+          <a:prstGeom prst="rect">
+            <a:avLst/>
+          </a:prstGeom>
+          <a:ln>
+            <a:solidFill>
+              <a:schemeClr val="tx1"/>
+            </a:solidFill>
+          </a:ln>
+        </p:spPr>
+      </p:pic>
+    </p:spTree>
+    <p:extLst>
+      <p:ext uri="{BB962C8B-B14F-4D97-AF65-F5344CB8AC3E}">
+        <p14:creationId xmlns:p14="http://schemas.microsoft.com/office/powerpoint/2010/main" val="3982544698"/>
+      </p:ext>
+    </p:extLst>
+  </p:cSld>
+  <p:clrMapOvr>
+    <a:masterClrMapping/>
+  </p:clrMapOvr>
+  <p:timing>
+    <p:tnLst>
+      <p:par>
+        <p:cTn id="1" dur="indefinite" restart="never" nodeType="tmRoot"/>
+      </p:par>
+    </p:tnLst>
+  </p:timing>
+</p:sld>
+</file>
+
+<file path=ppt/slides/slide24.xml><?xml version="1.0" encoding="utf-8"?>
+<p:sld xmlns:a="http://schemas.openxmlformats.org/drawingml/2006/main" xmlns:r="http://schemas.openxmlformats.org/officeDocument/2006/relationships" xmlns:p="http://schemas.openxmlformats.org/presentationml/2006/main">
+  <p:cSld>
+    <p:spTree>
+      <p:nvGrpSpPr>
+        <p:cNvPr id="1" name=""/>
+        <p:cNvGrpSpPr/>
+        <p:nvPr/>
+      </p:nvGrpSpPr>
+      <p:grpSpPr>
+        <a:xfrm>
+          <a:off x="0" y="0"/>
+          <a:ext cx="0" cy="0"/>
+          <a:chOff x="0" y="0"/>
+          <a:chExt cx="0" cy="0"/>
+        </a:xfrm>
+      </p:grpSpPr>
+      <p:sp>
+        <p:nvSpPr>
+          <p:cNvPr id="2" name="Title 1"/>
+          <p:cNvSpPr>
+            <a:spLocks noGrp="1"/>
+          </p:cNvSpPr>
+          <p:nvPr>
+            <p:ph type="title"/>
+          </p:nvPr>
+        </p:nvSpPr>
+        <p:spPr/>
+        <p:txBody>
+          <a:bodyPr/>
+          <a:lstStyle/>
+          <a:p>
+            <a:r>
+              <a:rPr lang="en-US" dirty="0"/>
+              <a:t>"Solving" a PDE in </a:t>
+            </a:r>
+            <a:r>
+              <a:rPr lang="en-US" dirty="0" err="1" smtClean="0"/>
+              <a:t>Futurized</a:t>
+            </a:r>
+            <a:endParaRPr lang="en-US" dirty="0"/>
+          </a:p>
+        </p:txBody>
+      </p:sp>
+      <p:sp>
+        <p:nvSpPr>
+          <p:cNvPr id="4" name="Date Placeholder 3"/>
+          <p:cNvSpPr>
+            <a:spLocks noGrp="1"/>
+          </p:cNvSpPr>
+          <p:nvPr>
+            <p:ph type="dt" sz="half" idx="10"/>
+          </p:nvPr>
+        </p:nvSpPr>
+        <p:spPr/>
+        <p:txBody>
+          <a:bodyPr/>
+          <a:lstStyle/>
+          <a:p>
+            <a:r>
+              <a:rPr lang="en-US" smtClean="0"/>
+              <a:t>10/18/2016</a:t>
+            </a:r>
+            <a:endParaRPr lang="en-US"/>
+          </a:p>
+        </p:txBody>
+      </p:sp>
+      <p:sp>
+        <p:nvSpPr>
+          <p:cNvPr id="5" name="Footer Placeholder 4"/>
+          <p:cNvSpPr>
+            <a:spLocks noGrp="1"/>
+          </p:cNvSpPr>
+          <p:nvPr>
+            <p:ph type="ftr" sz="quarter" idx="11"/>
+          </p:nvPr>
+        </p:nvSpPr>
+        <p:spPr/>
+        <p:txBody>
+          <a:bodyPr/>
+          <a:lstStyle/>
+          <a:p>
+            <a:r>
+              <a:rPr lang="en-US" smtClean="0"/>
+              <a:t>HPX Workshop (Berkeley C++ Summit) - 4,            Hartmut Kaiser (hkaiser@cct.lsu.edu)</a:t>
+            </a:r>
+            <a:endParaRPr lang="en-US"/>
+          </a:p>
+        </p:txBody>
+      </p:sp>
+      <p:sp>
+        <p:nvSpPr>
+          <p:cNvPr id="6" name="Slide Number Placeholder 5"/>
+          <p:cNvSpPr>
+            <a:spLocks noGrp="1"/>
+          </p:cNvSpPr>
+          <p:nvPr>
+            <p:ph type="sldNum" sz="quarter" idx="12"/>
+          </p:nvPr>
+        </p:nvSpPr>
+        <p:spPr/>
+        <p:txBody>
+          <a:bodyPr>
+            <a:normAutofit lnSpcReduction="10000"/>
+          </a:bodyPr>
+          <a:lstStyle/>
+          <a:p>
+            <a:fld id="{B102E578-8C1A-4150-8490-48A08D76AC22}" type="slidenum">
+              <a:rPr lang="en-US" smtClean="0"/>
+              <a:t>24</a:t>
+            </a:fld>
+            <a:endParaRPr lang="en-US"/>
+          </a:p>
+        </p:txBody>
+      </p:sp>
+      <p:pic>
+        <p:nvPicPr>
+          <p:cNvPr id="3" name="Picture 2"/>
+          <p:cNvPicPr>
+            <a:picLocks noChangeAspect="1"/>
+          </p:cNvPicPr>
+          <p:nvPr/>
+        </p:nvPicPr>
+        <p:blipFill>
+          <a:blip r:embed="rId2"/>
+          <a:stretch>
+            <a:fillRect/>
+          </a:stretch>
+        </p:blipFill>
+        <p:spPr>
+          <a:xfrm>
+            <a:off x="1836159" y="1843586"/>
+            <a:ext cx="8544065" cy="4442914"/>
+          </a:xfrm>
+          <a:prstGeom prst="rect">
+            <a:avLst/>
+          </a:prstGeom>
+          <a:ln>
+            <a:solidFill>
+              <a:schemeClr val="tx1"/>
+            </a:solidFill>
+          </a:ln>
+        </p:spPr>
+      </p:pic>
+    </p:spTree>
+    <p:extLst>
+      <p:ext uri="{BB962C8B-B14F-4D97-AF65-F5344CB8AC3E}">
+        <p14:creationId xmlns:p14="http://schemas.microsoft.com/office/powerpoint/2010/main" val="2840122341"/>
+      </p:ext>
+    </p:extLst>
+  </p:cSld>
+  <p:clrMapOvr>
+    <a:masterClrMapping/>
+  </p:clrMapOvr>
+  <p:timing>
+    <p:tnLst>
+      <p:par>
+        <p:cTn id="1" dur="indefinite" restart="never" nodeType="tmRoot"/>
+      </p:par>
+    </p:tnLst>
+  </p:timing>
+</p:sld>
+</file>
+
+<file path=ppt/slides/slide25.xml><?xml version="1.0" encoding="utf-8"?>
+<p:sld xmlns:a="http://schemas.openxmlformats.org/drawingml/2006/main" xmlns:r="http://schemas.openxmlformats.org/officeDocument/2006/relationships" xmlns:p="http://schemas.openxmlformats.org/presentationml/2006/main">
+  <p:cSld>
+    <p:spTree>
+      <p:nvGrpSpPr>
+        <p:cNvPr id="1" name=""/>
+        <p:cNvGrpSpPr/>
+        <p:nvPr/>
+      </p:nvGrpSpPr>
+      <p:grpSpPr>
+        <a:xfrm>
+          <a:off x="0" y="0"/>
+          <a:ext cx="0" cy="0"/>
+          <a:chOff x="0" y="0"/>
+          <a:chExt cx="0" cy="0"/>
+        </a:xfrm>
+      </p:grpSpPr>
+      <p:sp>
+        <p:nvSpPr>
+          <p:cNvPr id="2" name="Title 1"/>
+          <p:cNvSpPr>
+            <a:spLocks noGrp="1"/>
+          </p:cNvSpPr>
+          <p:nvPr>
+            <p:ph type="title"/>
+          </p:nvPr>
+        </p:nvSpPr>
+        <p:spPr/>
+        <p:txBody>
+          <a:bodyPr/>
+          <a:lstStyle/>
+          <a:p>
+            <a:r>
+              <a:rPr lang="en-US" dirty="0" smtClean="0"/>
+              <a:t>Over-Decomposition</a:t>
+            </a:r>
+            <a:endParaRPr lang="en-US" dirty="0"/>
+          </a:p>
+        </p:txBody>
+      </p:sp>
+      <p:sp>
+        <p:nvSpPr>
+          <p:cNvPr id="4" name="Date Placeholder 3"/>
+          <p:cNvSpPr>
+            <a:spLocks noGrp="1"/>
+          </p:cNvSpPr>
+          <p:nvPr>
+            <p:ph type="dt" sz="half" idx="10"/>
+          </p:nvPr>
+        </p:nvSpPr>
+        <p:spPr/>
+        <p:txBody>
+          <a:bodyPr/>
+          <a:lstStyle/>
+          <a:p>
+            <a:r>
+              <a:rPr lang="en-US" smtClean="0"/>
+              <a:t>10/18/2016</a:t>
+            </a:r>
+            <a:endParaRPr lang="en-US"/>
+          </a:p>
+        </p:txBody>
+      </p:sp>
+      <p:sp>
+        <p:nvSpPr>
+          <p:cNvPr id="5" name="Footer Placeholder 4"/>
+          <p:cNvSpPr>
+            <a:spLocks noGrp="1"/>
+          </p:cNvSpPr>
+          <p:nvPr>
+            <p:ph type="ftr" sz="quarter" idx="11"/>
+          </p:nvPr>
+        </p:nvSpPr>
+        <p:spPr/>
+        <p:txBody>
+          <a:bodyPr/>
+          <a:lstStyle/>
+          <a:p>
+            <a:r>
+              <a:rPr lang="en-US" smtClean="0"/>
+              <a:t>HPX Workshop (Berkeley C++ Summit) - 4,            Hartmut Kaiser (hkaiser@cct.lsu.edu)</a:t>
+            </a:r>
+            <a:endParaRPr lang="en-US"/>
+          </a:p>
+        </p:txBody>
+      </p:sp>
+      <p:sp>
+        <p:nvSpPr>
+          <p:cNvPr id="6" name="Slide Number Placeholder 5"/>
+          <p:cNvSpPr>
+            <a:spLocks noGrp="1"/>
+          </p:cNvSpPr>
+          <p:nvPr>
+            <p:ph type="sldNum" sz="quarter" idx="12"/>
+          </p:nvPr>
+        </p:nvSpPr>
+        <p:spPr/>
+        <p:txBody>
+          <a:bodyPr>
+            <a:normAutofit lnSpcReduction="10000"/>
+          </a:bodyPr>
+          <a:lstStyle/>
+          <a:p>
+            <a:fld id="{B102E578-8C1A-4150-8490-48A08D76AC22}" type="slidenum">
+              <a:rPr lang="en-US" smtClean="0"/>
+              <a:t>25</a:t>
+            </a:fld>
+            <a:endParaRPr lang="en-US"/>
+          </a:p>
+        </p:txBody>
+      </p:sp>
+      <p:pic>
+        <p:nvPicPr>
+          <p:cNvPr id="7" name="Picture 6"/>
+          <p:cNvPicPr>
+            <a:picLocks noChangeAspect="1"/>
+          </p:cNvPicPr>
+          <p:nvPr/>
+        </p:nvPicPr>
+        <p:blipFill>
+          <a:blip r:embed="rId2"/>
+          <a:stretch>
+            <a:fillRect/>
+          </a:stretch>
+        </p:blipFill>
+        <p:spPr>
+          <a:xfrm>
+            <a:off x="1762728" y="2032918"/>
+            <a:ext cx="8690928" cy="4253582"/>
+          </a:xfrm>
+          <a:prstGeom prst="rect">
+            <a:avLst/>
+          </a:prstGeom>
+          <a:ln>
+            <a:solidFill>
+              <a:schemeClr val="tx1"/>
+            </a:solidFill>
+          </a:ln>
+        </p:spPr>
+      </p:pic>
+    </p:spTree>
+    <p:extLst>
+      <p:ext uri="{BB962C8B-B14F-4D97-AF65-F5344CB8AC3E}">
+        <p14:creationId xmlns:p14="http://schemas.microsoft.com/office/powerpoint/2010/main" val="1439957498"/>
+      </p:ext>
+    </p:extLst>
+  </p:cSld>
+  <p:clrMapOvr>
+    <a:masterClrMapping/>
+  </p:clrMapOvr>
+  <p:timing>
+    <p:tnLst>
+      <p:par>
+        <p:cTn id="1" dur="indefinite" restart="never" nodeType="tmRoot"/>
+      </p:par>
+    </p:tnLst>
+  </p:timing>
+</p:sld>
+</file>
+
+<file path=ppt/slides/slide26.xml><?xml version="1.0" encoding="utf-8"?>
+<p:sld xmlns:a="http://schemas.openxmlformats.org/drawingml/2006/main" xmlns:r="http://schemas.openxmlformats.org/officeDocument/2006/relationships" xmlns:p="http://schemas.openxmlformats.org/presentationml/2006/main">
+  <p:cSld>
+    <p:spTree>
+      <p:nvGrpSpPr>
+        <p:cNvPr id="1" name=""/>
+        <p:cNvGrpSpPr/>
+        <p:nvPr/>
+      </p:nvGrpSpPr>
+      <p:grpSpPr>
+        <a:xfrm>
+          <a:off x="0" y="0"/>
+          <a:ext cx="0" cy="0"/>
+          <a:chOff x="0" y="0"/>
+          <a:chExt cx="0" cy="0"/>
+        </a:xfrm>
+      </p:grpSpPr>
+      <p:sp>
+        <p:nvSpPr>
+          <p:cNvPr id="2" name="Title 1"/>
+          <p:cNvSpPr>
+            <a:spLocks noGrp="1"/>
+          </p:cNvSpPr>
+          <p:nvPr>
+            <p:ph type="title"/>
+          </p:nvPr>
+        </p:nvSpPr>
+        <p:spPr/>
+        <p:txBody>
+          <a:bodyPr/>
+          <a:lstStyle/>
+          <a:p>
+            <a:r>
+              <a:rPr lang="en-US" dirty="0"/>
+              <a:t>Over-Decomposition</a:t>
+            </a:r>
+          </a:p>
+        </p:txBody>
+      </p:sp>
+      <p:sp>
+        <p:nvSpPr>
+          <p:cNvPr id="4" name="Date Placeholder 3"/>
+          <p:cNvSpPr>
+            <a:spLocks noGrp="1"/>
+          </p:cNvSpPr>
+          <p:nvPr>
+            <p:ph type="dt" sz="half" idx="10"/>
+          </p:nvPr>
+        </p:nvSpPr>
+        <p:spPr/>
+        <p:txBody>
+          <a:bodyPr/>
+          <a:lstStyle/>
+          <a:p>
+            <a:r>
+              <a:rPr lang="en-US" smtClean="0"/>
+              <a:t>10/18/2016</a:t>
+            </a:r>
+            <a:endParaRPr lang="en-US"/>
+          </a:p>
+        </p:txBody>
+      </p:sp>
+      <p:sp>
+        <p:nvSpPr>
+          <p:cNvPr id="5" name="Footer Placeholder 4"/>
+          <p:cNvSpPr>
+            <a:spLocks noGrp="1"/>
+          </p:cNvSpPr>
+          <p:nvPr>
+            <p:ph type="ftr" sz="quarter" idx="11"/>
+          </p:nvPr>
+        </p:nvSpPr>
+        <p:spPr/>
+        <p:txBody>
+          <a:bodyPr/>
+          <a:lstStyle/>
+          <a:p>
+            <a:r>
+              <a:rPr lang="en-US" smtClean="0"/>
+              <a:t>HPX Workshop (Berkeley C++ Summit) - 4,            Hartmut Kaiser (hkaiser@cct.lsu.edu)</a:t>
+            </a:r>
+            <a:endParaRPr lang="en-US"/>
+          </a:p>
+        </p:txBody>
+      </p:sp>
+      <p:sp>
+        <p:nvSpPr>
+          <p:cNvPr id="6" name="Slide Number Placeholder 5"/>
+          <p:cNvSpPr>
+            <a:spLocks noGrp="1"/>
+          </p:cNvSpPr>
+          <p:nvPr>
+            <p:ph type="sldNum" sz="quarter" idx="12"/>
+          </p:nvPr>
+        </p:nvSpPr>
+        <p:spPr/>
+        <p:txBody>
+          <a:bodyPr>
+            <a:normAutofit lnSpcReduction="10000"/>
+          </a:bodyPr>
+          <a:lstStyle/>
+          <a:p>
+            <a:fld id="{B102E578-8C1A-4150-8490-48A08D76AC22}" type="slidenum">
+              <a:rPr lang="en-US" smtClean="0"/>
+              <a:t>26</a:t>
+            </a:fld>
+            <a:endParaRPr lang="en-US"/>
+          </a:p>
+        </p:txBody>
+      </p:sp>
+      <p:pic>
+        <p:nvPicPr>
+          <p:cNvPr id="7" name="Picture 6"/>
+          <p:cNvPicPr>
+            <a:picLocks noChangeAspect="1"/>
+          </p:cNvPicPr>
+          <p:nvPr/>
+        </p:nvPicPr>
+        <p:blipFill>
+          <a:blip r:embed="rId2"/>
+          <a:stretch>
+            <a:fillRect/>
+          </a:stretch>
+        </p:blipFill>
+        <p:spPr>
+          <a:xfrm>
+            <a:off x="1706912" y="2031208"/>
+            <a:ext cx="8802560" cy="4255292"/>
+          </a:xfrm>
+          <a:prstGeom prst="rect">
+            <a:avLst/>
+          </a:prstGeom>
+          <a:ln>
+            <a:solidFill>
+              <a:schemeClr val="tx1"/>
+            </a:solidFill>
+          </a:ln>
+        </p:spPr>
+      </p:pic>
+    </p:spTree>
+    <p:extLst>
+      <p:ext uri="{BB962C8B-B14F-4D97-AF65-F5344CB8AC3E}">
+        <p14:creationId xmlns:p14="http://schemas.microsoft.com/office/powerpoint/2010/main" val="274359977"/>
+      </p:ext>
+    </p:extLst>
+  </p:cSld>
+  <p:clrMapOvr>
+    <a:masterClrMapping/>
+  </p:clrMapOvr>
+  <p:timing>
+    <p:tnLst>
+      <p:par>
+        <p:cTn id="1" dur="indefinite" restart="never" nodeType="tmRoot"/>
+      </p:par>
+    </p:tnLst>
+  </p:timing>
+</p:sld>
+</file>
+
+<file path=ppt/slides/slide27.xml><?xml version="1.0" encoding="utf-8"?>
 <p:sld xmlns:a="http://schemas.openxmlformats.org/drawingml/2006/main" xmlns:r="http://schemas.openxmlformats.org/officeDocument/2006/relationships" xmlns:p="http://schemas.openxmlformats.org/presentationml/2006/main">
   <p:cSld>
     <p:spTree>
@@ -13048,7 +18387,7 @@
           <a:p>
             <a:fld id="{65339F38-439B-42BE-A6DB-D203DE66964E}" type="slidenum">
               <a:rPr lang="en-US" smtClean="0"/>
-              <a:t>22</a:t>
+              <a:t>27</a:t>
             </a:fld>
             <a:endParaRPr lang="en-US"/>
           </a:p>
@@ -14008,6 +19347,13 @@
   <p:clrMapOvr>
     <a:masterClrMapping/>
   </p:clrMapOvr>
+  <p:timing>
+    <p:tnLst>
+      <p:par>
+        <p:cTn id="1" dur="indefinite" restart="never" nodeType="tmRoot"/>
+      </p:par>
+    </p:tnLst>
+  </p:timing>
 </p:sld>
 </file>
 
@@ -14086,8 +19432,94 @@
             </a:r>
             <a:r>
               <a:rPr lang="en-US" dirty="0"/>
-              <a:t>line needs its upper and lower neighbor</a:t>
-            </a:r>
+              <a:t>line needs its upper and lower </a:t>
+            </a:r>
+            <a:r>
+              <a:rPr lang="en-US" dirty="0" smtClean="0"/>
+              <a:t>neighbor</a:t>
+            </a:r>
+          </a:p>
+          <a:p>
+            <a:pPr>
+              <a:spcBef>
+                <a:spcPts val="600"/>
+              </a:spcBef>
+            </a:pPr>
+            <a:endParaRPr lang="en-US" dirty="0"/>
+          </a:p>
+          <a:p>
+            <a:pPr>
+              <a:spcBef>
+                <a:spcPts val="600"/>
+              </a:spcBef>
+            </a:pPr>
+            <a:endParaRPr lang="en-US" dirty="0" smtClean="0"/>
+          </a:p>
+          <a:p>
+            <a:pPr>
+              <a:spcBef>
+                <a:spcPts val="600"/>
+              </a:spcBef>
+            </a:pPr>
+            <a:endParaRPr lang="en-US" dirty="0"/>
+          </a:p>
+          <a:p>
+            <a:pPr>
+              <a:spcBef>
+                <a:spcPts val="600"/>
+              </a:spcBef>
+            </a:pPr>
+            <a:endParaRPr lang="en-US" dirty="0" smtClean="0"/>
+          </a:p>
+          <a:p>
+            <a:pPr>
+              <a:spcBef>
+                <a:spcPts val="600"/>
+              </a:spcBef>
+            </a:pPr>
+            <a:endParaRPr lang="en-US" dirty="0"/>
+          </a:p>
+          <a:p>
+            <a:pPr>
+              <a:spcBef>
+                <a:spcPts val="600"/>
+              </a:spcBef>
+            </a:pPr>
+            <a:endParaRPr lang="en-US" dirty="0" smtClean="0"/>
+          </a:p>
+          <a:p>
+            <a:pPr>
+              <a:spcBef>
+                <a:spcPts val="600"/>
+              </a:spcBef>
+            </a:pPr>
+            <a:r>
+              <a:rPr lang="en-US" dirty="0" smtClean="0"/>
+              <a:t>Introduce special </a:t>
+            </a:r>
+            <a:r>
+              <a:rPr lang="en-US" dirty="0" err="1" smtClean="0">
+                <a:latin typeface="Consolas" panose="020B0609020204030204" pitchFamily="49" charset="0"/>
+                <a:cs typeface="Consolas" panose="020B0609020204030204" pitchFamily="49" charset="0"/>
+              </a:rPr>
+              <a:t>line_iterator</a:t>
+            </a:r>
+            <a:r>
+              <a:rPr lang="en-US" dirty="0" smtClean="0"/>
+              <a:t> which holds iterators referring to three consecutive lines in the grid</a:t>
+            </a:r>
+          </a:p>
+          <a:p>
+            <a:pPr lvl="1">
+              <a:spcBef>
+                <a:spcPts val="600"/>
+              </a:spcBef>
+            </a:pPr>
+            <a:r>
+              <a:rPr lang="en-US" dirty="0" smtClean="0"/>
+              <a:t>Incrementing that iterator increments all three, etc.</a:t>
+            </a:r>
+            <a:endParaRPr lang="en-US" dirty="0"/>
           </a:p>
         </p:txBody>
       </p:sp>
@@ -14356,6 +19788,13 @@
   <p:clrMapOvr>
     <a:masterClrMapping/>
   </p:clrMapOvr>
+  <p:timing>
+    <p:tnLst>
+      <p:par>
+        <p:cTn id="1" dur="indefinite" restart="never" nodeType="tmRoot"/>
+      </p:par>
+    </p:tnLst>
+  </p:timing>
 </p:sld>
 </file>
 
@@ -14768,13 +20207,6 @@
               </a:rPr>
               <a:t>first element (boundary)</a:t>
             </a:r>
-            <a:endParaRPr lang="en-US" dirty="0">
-              <a:solidFill>
-                <a:schemeClr val="tx1"/>
-              </a:solidFill>
-              <a:latin typeface="Consolas" panose="020B0609020204030204" pitchFamily="49" charset="0"/>
-              <a:cs typeface="Consolas" panose="020B0609020204030204" pitchFamily="49" charset="0"/>
-            </a:endParaRPr>
           </a:p>
           <a:p>
             <a:pPr marL="274320" lvl="1" indent="0">
@@ -14882,7 +20314,97 @@
                 <a:latin typeface="Consolas" panose="020B0609020204030204" pitchFamily="49" charset="0"/>
                 <a:cs typeface="Consolas" panose="020B0609020204030204" pitchFamily="49" charset="0"/>
               </a:rPr>
-              <a:t>        </a:t>
+              <a:t>        *</a:t>
+            </a:r>
+            <a:r>
+              <a:rPr lang="en-US" dirty="0">
+                <a:solidFill>
+                  <a:schemeClr val="tx1"/>
+                </a:solidFill>
+                <a:latin typeface="Consolas" panose="020B0609020204030204" pitchFamily="49" charset="0"/>
+                <a:cs typeface="Consolas" panose="020B0609020204030204" pitchFamily="49" charset="0"/>
+              </a:rPr>
+              <a:t>result = 0.25 * (</a:t>
+            </a:r>
+            <a:r>
+              <a:rPr lang="en-US" dirty="0" err="1">
+                <a:solidFill>
+                  <a:schemeClr val="tx1"/>
+                </a:solidFill>
+                <a:latin typeface="Consolas" panose="020B0609020204030204" pitchFamily="49" charset="0"/>
+                <a:cs typeface="Consolas" panose="020B0609020204030204" pitchFamily="49" charset="0"/>
+              </a:rPr>
+              <a:t>it.up</a:t>
+            </a:r>
+            <a:r>
+              <a:rPr lang="en-US" dirty="0">
+                <a:solidFill>
+                  <a:schemeClr val="tx1"/>
+                </a:solidFill>
+                <a:latin typeface="Consolas" panose="020B0609020204030204" pitchFamily="49" charset="0"/>
+                <a:cs typeface="Consolas" panose="020B0609020204030204" pitchFamily="49" charset="0"/>
+              </a:rPr>
+              <a:t>[-1] + </a:t>
+            </a:r>
+            <a:r>
+              <a:rPr lang="en-US" dirty="0" err="1">
+                <a:solidFill>
+                  <a:schemeClr val="tx1"/>
+                </a:solidFill>
+                <a:latin typeface="Consolas" panose="020B0609020204030204" pitchFamily="49" charset="0"/>
+                <a:cs typeface="Consolas" panose="020B0609020204030204" pitchFamily="49" charset="0"/>
+              </a:rPr>
+              <a:t>it.up</a:t>
+            </a:r>
+            <a:r>
+              <a:rPr lang="en-US" dirty="0">
+                <a:solidFill>
+                  <a:schemeClr val="tx1"/>
+                </a:solidFill>
+                <a:latin typeface="Consolas" panose="020B0609020204030204" pitchFamily="49" charset="0"/>
+                <a:cs typeface="Consolas" panose="020B0609020204030204" pitchFamily="49" charset="0"/>
+              </a:rPr>
+              <a:t>[+1] + </a:t>
+            </a:r>
+            <a:r>
+              <a:rPr lang="en-US" dirty="0" err="1">
+                <a:solidFill>
+                  <a:schemeClr val="tx1"/>
+                </a:solidFill>
+                <a:latin typeface="Consolas" panose="020B0609020204030204" pitchFamily="49" charset="0"/>
+                <a:cs typeface="Consolas" panose="020B0609020204030204" pitchFamily="49" charset="0"/>
+              </a:rPr>
+              <a:t>it.down</a:t>
+            </a:r>
+            <a:r>
+              <a:rPr lang="en-US" dirty="0">
+                <a:solidFill>
+                  <a:schemeClr val="tx1"/>
+                </a:solidFill>
+                <a:latin typeface="Consolas" panose="020B0609020204030204" pitchFamily="49" charset="0"/>
+                <a:cs typeface="Consolas" panose="020B0609020204030204" pitchFamily="49" charset="0"/>
+              </a:rPr>
+              <a:t>[-1] + </a:t>
+            </a:r>
+            <a:r>
+              <a:rPr lang="en-US" dirty="0" err="1">
+                <a:solidFill>
+                  <a:schemeClr val="tx1"/>
+                </a:solidFill>
+                <a:latin typeface="Consolas" panose="020B0609020204030204" pitchFamily="49" charset="0"/>
+                <a:cs typeface="Consolas" panose="020B0609020204030204" pitchFamily="49" charset="0"/>
+              </a:rPr>
+              <a:t>it.down</a:t>
+            </a:r>
+            <a:r>
+              <a:rPr lang="en-US" dirty="0">
+                <a:solidFill>
+                  <a:schemeClr val="tx1"/>
+                </a:solidFill>
+                <a:latin typeface="Consolas" panose="020B0609020204030204" pitchFamily="49" charset="0"/>
+                <a:cs typeface="Consolas" panose="020B0609020204030204" pitchFamily="49" charset="0"/>
+              </a:rPr>
+              <a:t>[+1</a:t>
             </a:r>
             <a:r>
               <a:rPr lang="en-US" dirty="0" smtClean="0">
@@ -14892,117 +20414,7 @@
                 <a:latin typeface="Consolas" panose="020B0609020204030204" pitchFamily="49" charset="0"/>
                 <a:cs typeface="Consolas" panose="020B0609020204030204" pitchFamily="49" charset="0"/>
               </a:rPr>
-              <a:t>*</a:t>
-            </a:r>
-            <a:r>
-              <a:rPr lang="en-US" dirty="0">
-                <a:solidFill>
-                  <a:schemeClr val="tx1"/>
-                </a:solidFill>
-                <a:latin typeface="Consolas" panose="020B0609020204030204" pitchFamily="49" charset="0"/>
-                <a:cs typeface="Consolas" panose="020B0609020204030204" pitchFamily="49" charset="0"/>
-              </a:rPr>
-              <a:t>result = 0.25 * (</a:t>
-            </a:r>
-            <a:r>
-              <a:rPr lang="en-US" dirty="0" err="1">
-                <a:solidFill>
-                  <a:schemeClr val="tx1"/>
-                </a:solidFill>
-                <a:latin typeface="Consolas" panose="020B0609020204030204" pitchFamily="49" charset="0"/>
-                <a:cs typeface="Consolas" panose="020B0609020204030204" pitchFamily="49" charset="0"/>
-              </a:rPr>
-              <a:t>it.up</a:t>
-            </a:r>
-            <a:r>
-              <a:rPr lang="en-US" dirty="0">
-                <a:solidFill>
-                  <a:schemeClr val="tx1"/>
-                </a:solidFill>
-                <a:latin typeface="Consolas" panose="020B0609020204030204" pitchFamily="49" charset="0"/>
-                <a:cs typeface="Consolas" panose="020B0609020204030204" pitchFamily="49" charset="0"/>
-              </a:rPr>
-              <a:t>[-1] + </a:t>
-            </a:r>
-            <a:r>
-              <a:rPr lang="en-US" dirty="0" err="1">
-                <a:solidFill>
-                  <a:schemeClr val="tx1"/>
-                </a:solidFill>
-                <a:latin typeface="Consolas" panose="020B0609020204030204" pitchFamily="49" charset="0"/>
-                <a:cs typeface="Consolas" panose="020B0609020204030204" pitchFamily="49" charset="0"/>
-              </a:rPr>
-              <a:t>it.up</a:t>
-            </a:r>
-            <a:r>
-              <a:rPr lang="en-US" dirty="0">
-                <a:solidFill>
-                  <a:schemeClr val="tx1"/>
-                </a:solidFill>
-                <a:latin typeface="Consolas" panose="020B0609020204030204" pitchFamily="49" charset="0"/>
-                <a:cs typeface="Consolas" panose="020B0609020204030204" pitchFamily="49" charset="0"/>
-              </a:rPr>
-              <a:t>[+1] + </a:t>
-            </a:r>
-            <a:r>
-              <a:rPr lang="en-US" dirty="0" err="1">
-                <a:solidFill>
-                  <a:schemeClr val="tx1"/>
-                </a:solidFill>
-                <a:latin typeface="Consolas" panose="020B0609020204030204" pitchFamily="49" charset="0"/>
-                <a:cs typeface="Consolas" panose="020B0609020204030204" pitchFamily="49" charset="0"/>
-              </a:rPr>
-              <a:t>it.down</a:t>
-            </a:r>
-            <a:r>
-              <a:rPr lang="en-US" dirty="0">
-                <a:solidFill>
-                  <a:schemeClr val="tx1"/>
-                </a:solidFill>
-                <a:latin typeface="Consolas" panose="020B0609020204030204" pitchFamily="49" charset="0"/>
-                <a:cs typeface="Consolas" panose="020B0609020204030204" pitchFamily="49" charset="0"/>
-              </a:rPr>
-              <a:t>[-1] + </a:t>
-            </a:r>
-            <a:r>
-              <a:rPr lang="en-US" dirty="0" err="1">
-                <a:solidFill>
-                  <a:schemeClr val="tx1"/>
-                </a:solidFill>
-                <a:latin typeface="Consolas" panose="020B0609020204030204" pitchFamily="49" charset="0"/>
-                <a:cs typeface="Consolas" panose="020B0609020204030204" pitchFamily="49" charset="0"/>
-              </a:rPr>
-              <a:t>it.down</a:t>
-            </a:r>
-            <a:r>
-              <a:rPr lang="en-US" dirty="0">
-                <a:solidFill>
-                  <a:schemeClr val="tx1"/>
-                </a:solidFill>
-                <a:latin typeface="Consolas" panose="020B0609020204030204" pitchFamily="49" charset="0"/>
-                <a:cs typeface="Consolas" panose="020B0609020204030204" pitchFamily="49" charset="0"/>
-              </a:rPr>
-              <a:t>[+1</a:t>
-            </a:r>
-            <a:r>
-              <a:rPr lang="en-US" dirty="0" smtClean="0">
-                <a:solidFill>
-                  <a:schemeClr val="tx1"/>
-                </a:solidFill>
-                <a:latin typeface="Consolas" panose="020B0609020204030204" pitchFamily="49" charset="0"/>
-                <a:cs typeface="Consolas" panose="020B0609020204030204" pitchFamily="49" charset="0"/>
-              </a:rPr>
-              <a:t>]) </a:t>
-            </a:r>
-            <a:r>
-              <a:rPr lang="en-US" dirty="0" smtClean="0">
-                <a:solidFill>
-                  <a:schemeClr val="tx1"/>
-                </a:solidFill>
-                <a:latin typeface="Consolas" panose="020B0609020204030204" pitchFamily="49" charset="0"/>
-                <a:cs typeface="Consolas" panose="020B0609020204030204" pitchFamily="49" charset="0"/>
-              </a:rPr>
-              <a:t>+ *</a:t>
+              <a:t>]) + *</a:t>
             </a:r>
             <a:r>
               <a:rPr lang="en-US" dirty="0" err="1">
@@ -15065,17 +20477,7 @@
                 <a:latin typeface="Consolas" panose="020B0609020204030204" pitchFamily="49" charset="0"/>
                 <a:cs typeface="Consolas" panose="020B0609020204030204" pitchFamily="49" charset="0"/>
               </a:rPr>
-              <a:t>result</a:t>
-            </a:r>
-            <a:r>
-              <a:rPr lang="en-US" dirty="0">
-                <a:solidFill>
-                  <a:schemeClr val="tx1"/>
-                </a:solidFill>
-                <a:latin typeface="Consolas" panose="020B0609020204030204" pitchFamily="49" charset="0"/>
-                <a:cs typeface="Consolas" panose="020B0609020204030204" pitchFamily="49" charset="0"/>
-              </a:rPr>
-              <a:t>; </a:t>
+              <a:t>result; </a:t>
             </a:r>
             <a:r>
               <a:rPr lang="en-US" dirty="0" smtClean="0">
